--- a/서버프로그래밍11팀.pptx
+++ b/서버프로그래밍11팀.pptx
@@ -6,20 +6,22 @@
     <p:sldMasterId id="2147483660" r:id="rId2"/>
   </p:sldMasterIdLst>
   <p:notesMasterIdLst>
-    <p:notesMasterId r:id="rId11"/>
+    <p:notesMasterId r:id="rId13"/>
   </p:notesMasterIdLst>
   <p:handoutMasterIdLst>
-    <p:handoutMasterId r:id="rId12"/>
+    <p:handoutMasterId r:id="rId14"/>
   </p:handoutMasterIdLst>
   <p:sldIdLst>
     <p:sldId id="256" r:id="rId3"/>
     <p:sldId id="264" r:id="rId4"/>
-    <p:sldId id="265" r:id="rId5"/>
-    <p:sldId id="257" r:id="rId6"/>
-    <p:sldId id="267" r:id="rId7"/>
-    <p:sldId id="273" r:id="rId8"/>
-    <p:sldId id="274" r:id="rId9"/>
-    <p:sldId id="275" r:id="rId10"/>
+    <p:sldId id="278" r:id="rId5"/>
+    <p:sldId id="265" r:id="rId6"/>
+    <p:sldId id="257" r:id="rId7"/>
+    <p:sldId id="276" r:id="rId8"/>
+    <p:sldId id="267" r:id="rId9"/>
+    <p:sldId id="279" r:id="rId10"/>
+    <p:sldId id="277" r:id="rId11"/>
+    <p:sldId id="275" r:id="rId12"/>
   </p:sldIdLst>
   <p:sldSz cx="9144000" cy="6858000" type="screen4x3"/>
   <p:notesSz cx="6858000" cy="9144000"/>
@@ -234,7 +236,7 @@
             <a:fld id="{99BBC1FC-F0F4-4756-9973-4405FD21FB41}" type="datetimeFigureOut">
               <a:rPr lang="ko-KR" altLang="en-US" smtClean="0"/>
               <a:pPr/>
-              <a:t>2024. 3. 20.</a:t>
+              <a:t>2024. 4. 16.</a:t>
             </a:fld>
             <a:endParaRPr lang="ko-KR" altLang="en-US"/>
           </a:p>
@@ -401,7 +403,7 @@
             <a:fld id="{BB82E7F3-6AE7-4233-BE3D-96F6DDD29DC9}" type="datetimeFigureOut">
               <a:rPr lang="ko-KR" altLang="en-US" smtClean="0"/>
               <a:pPr/>
-              <a:t>2024. 3. 20.</a:t>
+              <a:t>2024. 4. 16.</a:t>
             </a:fld>
             <a:endParaRPr lang="ko-KR" altLang="en-US"/>
           </a:p>
@@ -913,7 +915,7 @@
             <a:fld id="{8BB0B751-76F9-4E80-B14F-3F7E41D2A0F9}" type="slidenum">
               <a:rPr lang="ko-KR" altLang="en-US" smtClean="0"/>
               <a:pPr/>
-              <a:t>3</a:t>
+              <a:t>4</a:t>
             </a:fld>
             <a:endParaRPr lang="ko-KR" altLang="en-US"/>
           </a:p>
@@ -1000,7 +1002,7 @@
             <a:fld id="{8BB0B751-76F9-4E80-B14F-3F7E41D2A0F9}" type="slidenum">
               <a:rPr lang="ko-KR" altLang="en-US" smtClean="0"/>
               <a:pPr/>
-              <a:t>4</a:t>
+              <a:t>5</a:t>
             </a:fld>
             <a:endParaRPr lang="ko-KR" altLang="en-US"/>
           </a:p>
@@ -1087,7 +1089,7 @@
             <a:fld id="{8BB0B751-76F9-4E80-B14F-3F7E41D2A0F9}" type="slidenum">
               <a:rPr lang="ko-KR" altLang="en-US" smtClean="0"/>
               <a:pPr/>
-              <a:t>5</a:t>
+              <a:t>7</a:t>
             </a:fld>
             <a:endParaRPr lang="ko-KR" altLang="en-US"/>
           </a:p>
@@ -1174,181 +1176,7 @@
             <a:fld id="{8BB0B751-76F9-4E80-B14F-3F7E41D2A0F9}" type="slidenum">
               <a:rPr lang="ko-KR" altLang="en-US" smtClean="0"/>
               <a:pPr/>
-              <a:t>6</a:t>
-            </a:fld>
-            <a:endParaRPr lang="ko-KR" altLang="en-US"/>
-          </a:p>
-        </p:txBody>
-      </p:sp>
-    </p:spTree>
-    <p:extLst>
-      <p:ext uri="{BB962C8B-B14F-4D97-AF65-F5344CB8AC3E}">
-        <p14:creationId xmlns:p14="http://schemas.microsoft.com/office/powerpoint/2010/main" val="280329304"/>
-      </p:ext>
-    </p:extLst>
-  </p:cSld>
-  <p:clrMapOvr>
-    <a:masterClrMapping/>
-  </p:clrMapOvr>
-</p:notes>
-</file>
-
-<file path=ppt/notesSlides/notesSlide7.xml><?xml version="1.0" encoding="utf-8"?>
-<p:notes xmlns:a="http://schemas.openxmlformats.org/drawingml/2006/main" xmlns:r="http://schemas.openxmlformats.org/officeDocument/2006/relationships" xmlns:p="http://schemas.openxmlformats.org/presentationml/2006/main">
-  <p:cSld>
-    <p:spTree>
-      <p:nvGrpSpPr>
-        <p:cNvPr id="1" name=""/>
-        <p:cNvGrpSpPr/>
-        <p:nvPr/>
-      </p:nvGrpSpPr>
-      <p:grpSpPr>
-        <a:xfrm>
-          <a:off x="0" y="0"/>
-          <a:ext cx="0" cy="0"/>
-          <a:chOff x="0" y="0"/>
-          <a:chExt cx="0" cy="0"/>
-        </a:xfrm>
-      </p:grpSpPr>
-      <p:sp>
-        <p:nvSpPr>
-          <p:cNvPr id="2" name="슬라이드 이미지 개체 틀 1"/>
-          <p:cNvSpPr>
-            <a:spLocks noGrp="1" noRot="1" noChangeAspect="1"/>
-          </p:cNvSpPr>
-          <p:nvPr>
-            <p:ph type="sldImg"/>
-          </p:nvPr>
-        </p:nvSpPr>
-        <p:spPr/>
-      </p:sp>
-      <p:sp>
-        <p:nvSpPr>
-          <p:cNvPr id="3" name="슬라이드 노트 개체 틀 2"/>
-          <p:cNvSpPr>
-            <a:spLocks noGrp="1"/>
-          </p:cNvSpPr>
-          <p:nvPr>
-            <p:ph type="body" idx="1"/>
-          </p:nvPr>
-        </p:nvSpPr>
-        <p:spPr/>
-        <p:txBody>
-          <a:bodyPr>
-            <a:normAutofit/>
-          </a:bodyPr>
-          <a:lstStyle/>
-          <a:p>
-            <a:endParaRPr lang="ko-KR" altLang="en-US" dirty="0"/>
-          </a:p>
-        </p:txBody>
-      </p:sp>
-      <p:sp>
-        <p:nvSpPr>
-          <p:cNvPr id="4" name="슬라이드 번호 개체 틀 3"/>
-          <p:cNvSpPr>
-            <a:spLocks noGrp="1"/>
-          </p:cNvSpPr>
-          <p:nvPr>
-            <p:ph type="sldNum" sz="quarter" idx="10"/>
-          </p:nvPr>
-        </p:nvSpPr>
-        <p:spPr/>
-        <p:txBody>
-          <a:bodyPr/>
-          <a:lstStyle/>
-          <a:p>
-            <a:fld id="{8BB0B751-76F9-4E80-B14F-3F7E41D2A0F9}" type="slidenum">
-              <a:rPr lang="ko-KR" altLang="en-US" smtClean="0"/>
-              <a:pPr/>
-              <a:t>7</a:t>
-            </a:fld>
-            <a:endParaRPr lang="ko-KR" altLang="en-US"/>
-          </a:p>
-        </p:txBody>
-      </p:sp>
-    </p:spTree>
-    <p:extLst>
-      <p:ext uri="{BB962C8B-B14F-4D97-AF65-F5344CB8AC3E}">
-        <p14:creationId xmlns:p14="http://schemas.microsoft.com/office/powerpoint/2010/main" val="3776150154"/>
-      </p:ext>
-    </p:extLst>
-  </p:cSld>
-  <p:clrMapOvr>
-    <a:masterClrMapping/>
-  </p:clrMapOvr>
-</p:notes>
-</file>
-
-<file path=ppt/notesSlides/notesSlide8.xml><?xml version="1.0" encoding="utf-8"?>
-<p:notes xmlns:a="http://schemas.openxmlformats.org/drawingml/2006/main" xmlns:r="http://schemas.openxmlformats.org/officeDocument/2006/relationships" xmlns:p="http://schemas.openxmlformats.org/presentationml/2006/main">
-  <p:cSld>
-    <p:spTree>
-      <p:nvGrpSpPr>
-        <p:cNvPr id="1" name=""/>
-        <p:cNvGrpSpPr/>
-        <p:nvPr/>
-      </p:nvGrpSpPr>
-      <p:grpSpPr>
-        <a:xfrm>
-          <a:off x="0" y="0"/>
-          <a:ext cx="0" cy="0"/>
-          <a:chOff x="0" y="0"/>
-          <a:chExt cx="0" cy="0"/>
-        </a:xfrm>
-      </p:grpSpPr>
-      <p:sp>
-        <p:nvSpPr>
-          <p:cNvPr id="2" name="슬라이드 이미지 개체 틀 1"/>
-          <p:cNvSpPr>
-            <a:spLocks noGrp="1" noRot="1" noChangeAspect="1"/>
-          </p:cNvSpPr>
-          <p:nvPr>
-            <p:ph type="sldImg"/>
-          </p:nvPr>
-        </p:nvSpPr>
-        <p:spPr/>
-      </p:sp>
-      <p:sp>
-        <p:nvSpPr>
-          <p:cNvPr id="3" name="슬라이드 노트 개체 틀 2"/>
-          <p:cNvSpPr>
-            <a:spLocks noGrp="1"/>
-          </p:cNvSpPr>
-          <p:nvPr>
-            <p:ph type="body" idx="1"/>
-          </p:nvPr>
-        </p:nvSpPr>
-        <p:spPr/>
-        <p:txBody>
-          <a:bodyPr>
-            <a:normAutofit/>
-          </a:bodyPr>
-          <a:lstStyle/>
-          <a:p>
-            <a:endParaRPr lang="ko-KR" altLang="en-US" dirty="0"/>
-          </a:p>
-        </p:txBody>
-      </p:sp>
-      <p:sp>
-        <p:nvSpPr>
-          <p:cNvPr id="4" name="슬라이드 번호 개체 틀 3"/>
-          <p:cNvSpPr>
-            <a:spLocks noGrp="1"/>
-          </p:cNvSpPr>
-          <p:nvPr>
-            <p:ph type="sldNum" sz="quarter" idx="10"/>
-          </p:nvPr>
-        </p:nvSpPr>
-        <p:spPr/>
-        <p:txBody>
-          <a:bodyPr/>
-          <a:lstStyle/>
-          <a:p>
-            <a:fld id="{8BB0B751-76F9-4E80-B14F-3F7E41D2A0F9}" type="slidenum">
-              <a:rPr lang="ko-KR" altLang="en-US" smtClean="0"/>
-              <a:pPr/>
-              <a:t>8</a:t>
+              <a:t>10</a:t>
             </a:fld>
             <a:endParaRPr lang="ko-KR" altLang="en-US"/>
           </a:p>
@@ -7151,80 +6979,6 @@
                   </a:schemeClr>
                 </a:solidFill>
               </a:rPr>
-              <a:t>2024</a:t>
-            </a:r>
-            <a:r>
-              <a:rPr lang="ko-KR" altLang="en-US" sz="2800" dirty="0">
-                <a:solidFill>
-                  <a:schemeClr val="tx2">
-                    <a:lumMod val="50000"/>
-                  </a:schemeClr>
-                </a:solidFill>
-              </a:rPr>
-              <a:t>년 </a:t>
-            </a:r>
-            <a:r>
-              <a:rPr lang="en-US" altLang="ko-KR" sz="2800" dirty="0">
-                <a:solidFill>
-                  <a:schemeClr val="tx2">
-                    <a:lumMod val="50000"/>
-                  </a:schemeClr>
-                </a:solidFill>
-              </a:rPr>
-              <a:t>3</a:t>
-            </a:r>
-            <a:r>
-              <a:rPr lang="ko-KR" altLang="en-US" sz="2800" dirty="0">
-                <a:solidFill>
-                  <a:schemeClr val="tx2">
-                    <a:lumMod val="50000"/>
-                  </a:schemeClr>
-                </a:solidFill>
-              </a:rPr>
-              <a:t>월 </a:t>
-            </a:r>
-            <a:r>
-              <a:rPr lang="en-US" altLang="ko-KR" sz="2800" dirty="0">
-                <a:solidFill>
-                  <a:schemeClr val="tx2">
-                    <a:lumMod val="50000"/>
-                  </a:schemeClr>
-                </a:solidFill>
-              </a:rPr>
-              <a:t>20</a:t>
-            </a:r>
-            <a:r>
-              <a:rPr lang="ko-KR" altLang="en-US" sz="2800" dirty="0">
-                <a:solidFill>
-                  <a:schemeClr val="tx2">
-                    <a:lumMod val="50000"/>
-                  </a:schemeClr>
-                </a:solidFill>
-              </a:rPr>
-              <a:t>일</a:t>
-            </a:r>
-            <a:endParaRPr lang="en-US" altLang="ko-KR" sz="2000" dirty="0">
-              <a:solidFill>
-                <a:schemeClr val="tx2">
-                  <a:lumMod val="50000"/>
-                </a:schemeClr>
-              </a:solidFill>
-            </a:endParaRPr>
-          </a:p>
-          <a:p>
-            <a:pPr>
-              <a:lnSpc>
-                <a:spcPct val="150000"/>
-              </a:lnSpc>
-            </a:pPr>
-            <a:r>
-              <a:rPr lang="en-US" altLang="ko-KR" sz="2800" dirty="0">
-                <a:solidFill>
-                  <a:schemeClr val="tx2">
-                    <a:lumMod val="50000"/>
-                  </a:schemeClr>
-                </a:solidFill>
-              </a:rPr>
               <a:t>AI</a:t>
             </a:r>
             <a:r>
@@ -7245,123 +6999,199 @@
               </a:solidFill>
             </a:endParaRPr>
           </a:p>
-          <a:p>
-            <a:pPr>
-              <a:lnSpc>
-                <a:spcPct val="150000"/>
-              </a:lnSpc>
-            </a:pPr>
-            <a:r>
-              <a:rPr lang="en-US" altLang="ko-KR" sz="2800" dirty="0">
+        </p:txBody>
+      </p:sp>
+      <p:sp>
+        <p:nvSpPr>
+          <p:cNvPr id="5" name="슬라이드 번호 개체 틀 4"/>
+          <p:cNvSpPr>
+            <a:spLocks noGrp="1"/>
+          </p:cNvSpPr>
+          <p:nvPr>
+            <p:ph type="sldNum" sz="quarter" idx="12"/>
+          </p:nvPr>
+        </p:nvSpPr>
+        <p:spPr/>
+        <p:txBody>
+          <a:bodyPr/>
+          <a:lstStyle/>
+          <a:p>
+            <a:fld id="{10230FE5-3BAE-4443-96A1-370C1FED1CD3}" type="slidenum">
+              <a:rPr lang="ko-KR" altLang="en-US" smtClean="0"/>
+              <a:pPr/>
+              <a:t>1</a:t>
+            </a:fld>
+            <a:endParaRPr lang="ko-KR" altLang="en-US" dirty="0"/>
+          </a:p>
+        </p:txBody>
+      </p:sp>
+    </p:spTree>
+  </p:cSld>
+  <p:clrMapOvr>
+    <a:masterClrMapping/>
+  </p:clrMapOvr>
+</p:sld>
+</file>
+
+<file path=ppt/slides/slide10.xml><?xml version="1.0" encoding="utf-8"?>
+<p:sld xmlns:a="http://schemas.openxmlformats.org/drawingml/2006/main" xmlns:r="http://schemas.openxmlformats.org/officeDocument/2006/relationships" xmlns:p="http://schemas.openxmlformats.org/presentationml/2006/main">
+  <p:cSld>
+    <p:spTree>
+      <p:nvGrpSpPr>
+        <p:cNvPr id="1" name=""/>
+        <p:cNvGrpSpPr/>
+        <p:nvPr/>
+      </p:nvGrpSpPr>
+      <p:grpSpPr>
+        <a:xfrm>
+          <a:off x="0" y="0"/>
+          <a:ext cx="0" cy="0"/>
+          <a:chOff x="0" y="0"/>
+          <a:chExt cx="0" cy="0"/>
+        </a:xfrm>
+      </p:grpSpPr>
+      <p:cxnSp>
+        <p:nvCxnSpPr>
+          <p:cNvPr id="2" name="직선 연결선 1"/>
+          <p:cNvCxnSpPr/>
+          <p:nvPr/>
+        </p:nvCxnSpPr>
+        <p:spPr>
+          <a:xfrm>
+            <a:off x="179512" y="908720"/>
+            <a:ext cx="8784976" cy="0"/>
+          </a:xfrm>
+          <a:prstGeom prst="line">
+            <a:avLst/>
+          </a:prstGeom>
+          <a:ln w="19050">
+            <a:solidFill>
+              <a:schemeClr val="accent6">
+                <a:lumMod val="75000"/>
+              </a:schemeClr>
+            </a:solidFill>
+          </a:ln>
+        </p:spPr>
+        <p:style>
+          <a:lnRef idx="1">
+            <a:schemeClr val="accent1"/>
+          </a:lnRef>
+          <a:fillRef idx="0">
+            <a:schemeClr val="accent1"/>
+          </a:fillRef>
+          <a:effectRef idx="0">
+            <a:schemeClr val="accent1"/>
+          </a:effectRef>
+          <a:fontRef idx="minor">
+            <a:schemeClr val="tx1"/>
+          </a:fontRef>
+        </p:style>
+      </p:cxnSp>
+      <p:sp>
+        <p:nvSpPr>
+          <p:cNvPr id="8" name="TextBox 7"/>
+          <p:cNvSpPr txBox="1"/>
+          <p:nvPr/>
+        </p:nvSpPr>
+        <p:spPr>
+          <a:xfrm>
+            <a:off x="585402" y="188640"/>
+            <a:ext cx="4245073" cy="584775"/>
+          </a:xfrm>
+          <a:prstGeom prst="rect">
+            <a:avLst/>
+          </a:prstGeom>
+          <a:noFill/>
+        </p:spPr>
+        <p:txBody>
+          <a:bodyPr wrap="none" rtlCol="0">
+            <a:spAutoFit/>
+          </a:bodyPr>
+          <a:lstStyle/>
+          <a:p>
+            <a:r>
+              <a:rPr lang="en-US" altLang="ko-KR" sz="3200" b="1" dirty="0">
                 <a:solidFill>
                   <a:schemeClr val="tx2">
                     <a:lumMod val="50000"/>
                   </a:schemeClr>
                 </a:solidFill>
               </a:rPr>
-              <a:t>1</a:t>
-            </a:r>
-            <a:r>
-              <a:rPr lang="ko-KR" altLang="en-US" sz="2800" dirty="0">
+              <a:t>6. </a:t>
+            </a:r>
+            <a:r>
+              <a:rPr lang="ko-KR" altLang="en-US" sz="3200" b="1" dirty="0">
                 <a:solidFill>
                   <a:schemeClr val="tx2">
                     <a:lumMod val="50000"/>
                   </a:schemeClr>
                 </a:solidFill>
               </a:rPr>
-              <a:t>팀 </a:t>
-            </a:r>
-            <a:r>
-              <a:rPr lang="en-US" altLang="ko-KR" sz="2800" dirty="0">
+              <a:t>프로젝트 수행 소감</a:t>
+            </a:r>
+            <a:endParaRPr lang="ko-KR" altLang="en-US" sz="2400" b="1" dirty="0">
+              <a:solidFill>
+                <a:schemeClr val="tx2">
+                  <a:lumMod val="75000"/>
+                </a:schemeClr>
+              </a:solidFill>
+            </a:endParaRPr>
+          </a:p>
+        </p:txBody>
+      </p:sp>
+      <p:sp>
+        <p:nvSpPr>
+          <p:cNvPr id="136" name="TextBox 135"/>
+          <p:cNvSpPr txBox="1"/>
+          <p:nvPr/>
+        </p:nvSpPr>
+        <p:spPr>
+          <a:xfrm>
+            <a:off x="323528" y="1196752"/>
+            <a:ext cx="3661580" cy="369332"/>
+          </a:xfrm>
+          <a:prstGeom prst="rect">
+            <a:avLst/>
+          </a:prstGeom>
+          <a:noFill/>
+        </p:spPr>
+        <p:txBody>
+          <a:bodyPr wrap="none" rtlCol="0">
+            <a:spAutoFit/>
+          </a:bodyPr>
+          <a:lstStyle/>
+          <a:p>
+            <a:r>
+              <a:rPr lang="ko-KR" altLang="en-US" b="1" dirty="0">
                 <a:solidFill>
                   <a:schemeClr val="tx2">
                     <a:lumMod val="50000"/>
                   </a:schemeClr>
                 </a:solidFill>
               </a:rPr>
-              <a:t>(</a:t>
-            </a:r>
-            <a:r>
-              <a:rPr lang="ko-KR" altLang="en-US" sz="2800" dirty="0" err="1">
+              <a:t>프로젝트 수행하면서 </a:t>
+            </a:r>
+            <a:r>
+              <a:rPr lang="ko-KR" altLang="en-US" b="1" dirty="0" err="1">
                 <a:solidFill>
                   <a:schemeClr val="tx2">
                     <a:lumMod val="50000"/>
                   </a:schemeClr>
                 </a:solidFill>
               </a:rPr>
-              <a:t>홍형준</a:t>
-            </a:r>
-            <a:r>
-              <a:rPr lang="en-US" altLang="ko-KR" sz="2800" dirty="0">
+              <a:t>느낀점</a:t>
+            </a:r>
+            <a:r>
+              <a:rPr lang="ko-KR" altLang="en-US" b="1" dirty="0">
                 <a:solidFill>
                   <a:schemeClr val="tx2">
                     <a:lumMod val="50000"/>
                   </a:schemeClr>
                 </a:solidFill>
               </a:rPr>
-              <a:t>,</a:t>
-            </a:r>
-            <a:r>
-              <a:rPr lang="ko-KR" altLang="en-US" sz="2800" dirty="0">
-                <a:solidFill>
-                  <a:schemeClr val="tx2">
-                    <a:lumMod val="50000"/>
-                  </a:schemeClr>
-                </a:solidFill>
-              </a:rPr>
-              <a:t> 최현우</a:t>
-            </a:r>
-            <a:r>
-              <a:rPr lang="en-US" altLang="ko-KR" sz="2800" dirty="0">
-                <a:solidFill>
-                  <a:schemeClr val="tx2">
-                    <a:lumMod val="50000"/>
-                  </a:schemeClr>
-                </a:solidFill>
-              </a:rPr>
-              <a:t>,</a:t>
-            </a:r>
-            <a:r>
-              <a:rPr lang="ko-KR" altLang="en-US" sz="2800" dirty="0">
-                <a:solidFill>
-                  <a:schemeClr val="tx2">
-                    <a:lumMod val="50000"/>
-                  </a:schemeClr>
-                </a:solidFill>
-              </a:rPr>
-              <a:t> 황준성</a:t>
-            </a:r>
-            <a:r>
-              <a:rPr lang="en-US" altLang="ko-KR" sz="2800" dirty="0">
-                <a:solidFill>
-                  <a:schemeClr val="tx2">
-                    <a:lumMod val="50000"/>
-                  </a:schemeClr>
-                </a:solidFill>
-              </a:rPr>
-              <a:t>,</a:t>
-            </a:r>
-            <a:r>
-              <a:rPr lang="ko-KR" altLang="en-US" sz="2800" dirty="0">
-                <a:solidFill>
-                  <a:schemeClr val="tx2">
-                    <a:lumMod val="50000"/>
-                  </a:schemeClr>
-                </a:solidFill>
-              </a:rPr>
-              <a:t> 허윤서</a:t>
-            </a:r>
-            <a:r>
-              <a:rPr lang="en-US" altLang="ko-KR" sz="2800" dirty="0">
-                <a:solidFill>
-                  <a:schemeClr val="tx2">
-                    <a:lumMod val="50000"/>
-                  </a:schemeClr>
-                </a:solidFill>
-              </a:rPr>
-              <a:t>)</a:t>
-            </a:r>
-            <a:endParaRPr lang="ko-KR" altLang="en-US" sz="2800" dirty="0">
+              <a:t> 기술</a:t>
+            </a:r>
+            <a:endParaRPr lang="en-US" altLang="ko-KR" b="1" dirty="0">
               <a:solidFill>
                 <a:schemeClr val="tx2">
                   <a:lumMod val="50000"/>
@@ -7371,31 +7201,12 @@
           </a:p>
         </p:txBody>
       </p:sp>
-      <p:sp>
-        <p:nvSpPr>
-          <p:cNvPr id="5" name="슬라이드 번호 개체 틀 4"/>
-          <p:cNvSpPr>
-            <a:spLocks noGrp="1"/>
-          </p:cNvSpPr>
-          <p:nvPr>
-            <p:ph type="sldNum" sz="quarter" idx="12"/>
-          </p:nvPr>
-        </p:nvSpPr>
-        <p:spPr/>
-        <p:txBody>
-          <a:bodyPr/>
-          <a:lstStyle/>
-          <a:p>
-            <a:fld id="{10230FE5-3BAE-4443-96A1-370C1FED1CD3}" type="slidenum">
-              <a:rPr lang="ko-KR" altLang="en-US" smtClean="0"/>
-              <a:pPr/>
-              <a:t>1</a:t>
-            </a:fld>
-            <a:endParaRPr lang="ko-KR" altLang="en-US" dirty="0"/>
-          </a:p>
-        </p:txBody>
-      </p:sp>
     </p:spTree>
+    <p:extLst>
+      <p:ext uri="{BB962C8B-B14F-4D97-AF65-F5344CB8AC3E}">
+        <p14:creationId xmlns:p14="http://schemas.microsoft.com/office/powerpoint/2010/main" val="4249227099"/>
+      </p:ext>
+    </p:extLst>
   </p:cSld>
   <p:clrMapOvr>
     <a:masterClrMapping/>
@@ -7464,7 +7275,7 @@
         <p:spPr>
           <a:xfrm>
             <a:off x="1043608" y="1406381"/>
-            <a:ext cx="4352474" cy="3887026"/>
+            <a:ext cx="3829895" cy="3887026"/>
           </a:xfrm>
           <a:prstGeom prst="rect">
             <a:avLst/>
@@ -7476,6 +7287,31 @@
             <a:spAutoFit/>
           </a:bodyPr>
           <a:lstStyle/>
+          <a:p>
+            <a:pPr marL="514350" indent="-514350">
+              <a:lnSpc>
+                <a:spcPct val="150000"/>
+              </a:lnSpc>
+              <a:buAutoNum type="arabicPeriod"/>
+            </a:pPr>
+            <a:r>
+              <a:rPr lang="ko-KR" altLang="en-US" sz="2800" b="1" dirty="0">
+                <a:solidFill>
+                  <a:schemeClr val="tx2">
+                    <a:lumMod val="50000"/>
+                  </a:schemeClr>
+                </a:solidFill>
+              </a:rPr>
+              <a:t>프로젝트 개발 동기</a:t>
+            </a:r>
+            <a:endParaRPr lang="en-US" altLang="ko-KR" sz="2800" b="1" dirty="0">
+              <a:solidFill>
+                <a:schemeClr val="tx2">
+                  <a:lumMod val="50000"/>
+                </a:schemeClr>
+              </a:solidFill>
+            </a:endParaRPr>
+          </a:p>
           <a:p>
             <a:pPr marL="514350" indent="-514350">
               <a:lnSpc>
@@ -7593,33 +7429,6 @@
                 </a:schemeClr>
               </a:solidFill>
             </a:endParaRPr>
-          </a:p>
-          <a:p>
-            <a:pPr>
-              <a:lnSpc>
-                <a:spcPct val="150000"/>
-              </a:lnSpc>
-            </a:pPr>
-            <a:r>
-              <a:rPr lang="en-US" altLang="ko-KR" sz="2800" b="1" dirty="0">
-                <a:solidFill>
-                  <a:schemeClr val="tx2">
-                    <a:lumMod val="50000"/>
-                  </a:schemeClr>
-                </a:solidFill>
-              </a:rPr>
-              <a:t>5. </a:t>
-            </a:r>
-            <a:r>
-              <a:rPr lang="ko-KR" altLang="en-US" sz="2800" b="1" dirty="0">
-                <a:solidFill>
-                  <a:schemeClr val="tx2">
-                    <a:lumMod val="50000"/>
-                  </a:schemeClr>
-                </a:solidFill>
-              </a:rPr>
-              <a:t>팀원 역할 및 활동 내용</a:t>
-            </a:r>
           </a:p>
           <a:p>
             <a:pPr>
@@ -7727,6 +7536,352 @@
 </file>
 
 <file path=ppt/slides/slide3.xml><?xml version="1.0" encoding="utf-8"?>
+<p:sld xmlns:a="http://schemas.openxmlformats.org/drawingml/2006/main" xmlns:r="http://schemas.openxmlformats.org/officeDocument/2006/relationships" xmlns:p="http://schemas.openxmlformats.org/presentationml/2006/main">
+  <p:cSld>
+    <p:spTree>
+      <p:nvGrpSpPr>
+        <p:cNvPr id="1" name=""/>
+        <p:cNvGrpSpPr/>
+        <p:nvPr/>
+      </p:nvGrpSpPr>
+      <p:grpSpPr>
+        <a:xfrm>
+          <a:off x="0" y="0"/>
+          <a:ext cx="0" cy="0"/>
+          <a:chOff x="0" y="0"/>
+          <a:chExt cx="0" cy="0"/>
+        </a:xfrm>
+      </p:grpSpPr>
+      <p:sp>
+        <p:nvSpPr>
+          <p:cNvPr id="2" name="제목 1">
+            <a:extLst>
+              <a:ext uri="{FF2B5EF4-FFF2-40B4-BE49-F238E27FC236}">
+                <a16:creationId xmlns:a16="http://schemas.microsoft.com/office/drawing/2014/main" id="{3E67764B-DC48-3AD3-EF61-5267DBDE73F1}"/>
+              </a:ext>
+            </a:extLst>
+          </p:cNvPr>
+          <p:cNvSpPr>
+            <a:spLocks noGrp="1"/>
+          </p:cNvSpPr>
+          <p:nvPr>
+            <p:ph type="title"/>
+          </p:nvPr>
+        </p:nvSpPr>
+        <p:spPr/>
+        <p:txBody>
+          <a:bodyPr/>
+          <a:lstStyle/>
+          <a:p>
+            <a:pPr algn="l"/>
+            <a:r>
+              <a:rPr lang="en-US" altLang="ko-KR" sz="3200" b="1" dirty="0">
+                <a:solidFill>
+                  <a:schemeClr val="tx2">
+                    <a:lumMod val="75000"/>
+                  </a:schemeClr>
+                </a:solidFill>
+              </a:rPr>
+              <a:t>1. </a:t>
+            </a:r>
+            <a:r>
+              <a:rPr lang="ko-KR" altLang="en-US" sz="3200" b="1" dirty="0">
+                <a:solidFill>
+                  <a:schemeClr val="tx2">
+                    <a:lumMod val="75000"/>
+                  </a:schemeClr>
+                </a:solidFill>
+              </a:rPr>
+              <a:t>프로젝트 개발 동기</a:t>
+            </a:r>
+          </a:p>
+        </p:txBody>
+      </p:sp>
+      <p:sp>
+        <p:nvSpPr>
+          <p:cNvPr id="4" name="슬라이드 번호 개체 틀 3">
+            <a:extLst>
+              <a:ext uri="{FF2B5EF4-FFF2-40B4-BE49-F238E27FC236}">
+                <a16:creationId xmlns:a16="http://schemas.microsoft.com/office/drawing/2014/main" id="{D94994DD-4E21-4EC3-7F1B-C1B67C85A8A9}"/>
+              </a:ext>
+            </a:extLst>
+          </p:cNvPr>
+          <p:cNvSpPr>
+            <a:spLocks noGrp="1"/>
+          </p:cNvSpPr>
+          <p:nvPr>
+            <p:ph type="sldNum" sz="quarter" idx="12"/>
+          </p:nvPr>
+        </p:nvSpPr>
+        <p:spPr/>
+        <p:txBody>
+          <a:bodyPr/>
+          <a:lstStyle/>
+          <a:p>
+            <a:fld id="{10230FE5-3BAE-4443-96A1-370C1FED1CD3}" type="slidenum">
+              <a:rPr lang="ko-KR" altLang="en-US" smtClean="0"/>
+              <a:pPr/>
+              <a:t>3</a:t>
+            </a:fld>
+            <a:endParaRPr lang="ko-KR" altLang="en-US" dirty="0"/>
+          </a:p>
+        </p:txBody>
+      </p:sp>
+      <p:cxnSp>
+        <p:nvCxnSpPr>
+          <p:cNvPr id="6" name="직선 연결선 2">
+            <a:extLst>
+              <a:ext uri="{FF2B5EF4-FFF2-40B4-BE49-F238E27FC236}">
+                <a16:creationId xmlns:a16="http://schemas.microsoft.com/office/drawing/2014/main" id="{5B4EC503-B9EE-5A02-543B-CF251DF2A6D8}"/>
+              </a:ext>
+            </a:extLst>
+          </p:cNvPr>
+          <p:cNvCxnSpPr/>
+          <p:nvPr/>
+        </p:nvCxnSpPr>
+        <p:spPr>
+          <a:xfrm>
+            <a:off x="179512" y="908720"/>
+            <a:ext cx="8784976" cy="0"/>
+          </a:xfrm>
+          <a:prstGeom prst="line">
+            <a:avLst/>
+          </a:prstGeom>
+          <a:ln w="19050">
+            <a:solidFill>
+              <a:schemeClr val="accent6">
+                <a:lumMod val="75000"/>
+              </a:schemeClr>
+            </a:solidFill>
+          </a:ln>
+        </p:spPr>
+        <p:style>
+          <a:lnRef idx="1">
+            <a:schemeClr val="accent1"/>
+          </a:lnRef>
+          <a:fillRef idx="0">
+            <a:schemeClr val="accent1"/>
+          </a:fillRef>
+          <a:effectRef idx="0">
+            <a:schemeClr val="accent1"/>
+          </a:effectRef>
+          <a:fontRef idx="minor">
+            <a:schemeClr val="tx1"/>
+          </a:fontRef>
+        </p:style>
+      </p:cxnSp>
+      <p:sp>
+        <p:nvSpPr>
+          <p:cNvPr id="7" name="TextBox 6">
+            <a:extLst>
+              <a:ext uri="{FF2B5EF4-FFF2-40B4-BE49-F238E27FC236}">
+                <a16:creationId xmlns:a16="http://schemas.microsoft.com/office/drawing/2014/main" id="{E73ACB5D-1D9C-0701-58DD-232DCC6C9BD5}"/>
+              </a:ext>
+            </a:extLst>
+          </p:cNvPr>
+          <p:cNvSpPr txBox="1"/>
+          <p:nvPr/>
+        </p:nvSpPr>
+        <p:spPr>
+          <a:xfrm>
+            <a:off x="2411760" y="1698412"/>
+            <a:ext cx="4079963" cy="369332"/>
+          </a:xfrm>
+          <a:prstGeom prst="rect">
+            <a:avLst/>
+          </a:prstGeom>
+          <a:noFill/>
+        </p:spPr>
+        <p:txBody>
+          <a:bodyPr wrap="none" rtlCol="0">
+            <a:spAutoFit/>
+          </a:bodyPr>
+          <a:lstStyle/>
+          <a:p>
+            <a:r>
+              <a:rPr kumimoji="1" lang="ko-KR" altLang="en-US" dirty="0"/>
+              <a:t>매번 들어가서 공지를 확인해야 할까</a:t>
+            </a:r>
+            <a:r>
+              <a:rPr kumimoji="1" lang="en-US" altLang="ko-KR" dirty="0"/>
+              <a:t>?</a:t>
+            </a:r>
+            <a:endParaRPr kumimoji="1" lang="ko-KR" altLang="en-US" dirty="0"/>
+          </a:p>
+        </p:txBody>
+      </p:sp>
+      <p:cxnSp>
+        <p:nvCxnSpPr>
+          <p:cNvPr id="10" name="직선 화살표 연결선 9">
+            <a:extLst>
+              <a:ext uri="{FF2B5EF4-FFF2-40B4-BE49-F238E27FC236}">
+                <a16:creationId xmlns:a16="http://schemas.microsoft.com/office/drawing/2014/main" id="{AD584EC3-37C2-BBDD-6CB5-8720C1A894DE}"/>
+              </a:ext>
+            </a:extLst>
+          </p:cNvPr>
+          <p:cNvCxnSpPr>
+            <a:cxnSpLocks/>
+          </p:cNvCxnSpPr>
+          <p:nvPr/>
+        </p:nvCxnSpPr>
+        <p:spPr>
+          <a:xfrm>
+            <a:off x="4427984" y="2420888"/>
+            <a:ext cx="0" cy="504056"/>
+          </a:xfrm>
+          <a:prstGeom prst="straightConnector1">
+            <a:avLst/>
+          </a:prstGeom>
+          <a:ln>
+            <a:solidFill>
+              <a:srgbClr val="FF9900"/>
+            </a:solidFill>
+            <a:tailEnd type="triangle"/>
+          </a:ln>
+        </p:spPr>
+        <p:style>
+          <a:lnRef idx="1">
+            <a:schemeClr val="accent1"/>
+          </a:lnRef>
+          <a:fillRef idx="0">
+            <a:schemeClr val="accent1"/>
+          </a:fillRef>
+          <a:effectRef idx="0">
+            <a:schemeClr val="accent1"/>
+          </a:effectRef>
+          <a:fontRef idx="minor">
+            <a:schemeClr val="tx1"/>
+          </a:fontRef>
+        </p:style>
+      </p:cxnSp>
+      <p:sp>
+        <p:nvSpPr>
+          <p:cNvPr id="12" name="TextBox 11">
+            <a:extLst>
+              <a:ext uri="{FF2B5EF4-FFF2-40B4-BE49-F238E27FC236}">
+                <a16:creationId xmlns:a16="http://schemas.microsoft.com/office/drawing/2014/main" id="{A7BF9FB0-3085-39CB-E9D0-A8D6A05FB854}"/>
+              </a:ext>
+            </a:extLst>
+          </p:cNvPr>
+          <p:cNvSpPr txBox="1"/>
+          <p:nvPr/>
+        </p:nvSpPr>
+        <p:spPr>
+          <a:xfrm>
+            <a:off x="1654374" y="3282950"/>
+            <a:ext cx="5835252" cy="369332"/>
+          </a:xfrm>
+          <a:prstGeom prst="rect">
+            <a:avLst/>
+          </a:prstGeom>
+          <a:noFill/>
+        </p:spPr>
+        <p:txBody>
+          <a:bodyPr wrap="none" rtlCol="0">
+            <a:spAutoFit/>
+          </a:bodyPr>
+          <a:lstStyle/>
+          <a:p>
+            <a:r>
+              <a:rPr kumimoji="1" lang="ko-KR" altLang="en-US" dirty="0"/>
+              <a:t>내가 원하는 공지를 모아주고 관리해 주는 곳을 만들자</a:t>
+            </a:r>
+          </a:p>
+        </p:txBody>
+      </p:sp>
+      <p:cxnSp>
+        <p:nvCxnSpPr>
+          <p:cNvPr id="13" name="직선 화살표 연결선 12">
+            <a:extLst>
+              <a:ext uri="{FF2B5EF4-FFF2-40B4-BE49-F238E27FC236}">
+                <a16:creationId xmlns:a16="http://schemas.microsoft.com/office/drawing/2014/main" id="{3EA56B60-93D8-5C1F-C3EA-4ED334348E24}"/>
+              </a:ext>
+            </a:extLst>
+          </p:cNvPr>
+          <p:cNvCxnSpPr>
+            <a:cxnSpLocks/>
+          </p:cNvCxnSpPr>
+          <p:nvPr/>
+        </p:nvCxnSpPr>
+        <p:spPr>
+          <a:xfrm>
+            <a:off x="4410968" y="4149080"/>
+            <a:ext cx="0" cy="504056"/>
+          </a:xfrm>
+          <a:prstGeom prst="straightConnector1">
+            <a:avLst/>
+          </a:prstGeom>
+          <a:ln>
+            <a:solidFill>
+              <a:srgbClr val="FF9900"/>
+            </a:solidFill>
+            <a:tailEnd type="triangle"/>
+          </a:ln>
+        </p:spPr>
+        <p:style>
+          <a:lnRef idx="1">
+            <a:schemeClr val="accent1"/>
+          </a:lnRef>
+          <a:fillRef idx="0">
+            <a:schemeClr val="accent1"/>
+          </a:fillRef>
+          <a:effectRef idx="0">
+            <a:schemeClr val="accent1"/>
+          </a:effectRef>
+          <a:fontRef idx="minor">
+            <a:schemeClr val="tx1"/>
+          </a:fontRef>
+        </p:style>
+      </p:cxnSp>
+      <p:sp>
+        <p:nvSpPr>
+          <p:cNvPr id="14" name="TextBox 13">
+            <a:extLst>
+              <a:ext uri="{FF2B5EF4-FFF2-40B4-BE49-F238E27FC236}">
+                <a16:creationId xmlns:a16="http://schemas.microsoft.com/office/drawing/2014/main" id="{C4D5E2F7-78F7-FA25-ACB1-4E7CF9635FE5}"/>
+              </a:ext>
+            </a:extLst>
+          </p:cNvPr>
+          <p:cNvSpPr txBox="1"/>
+          <p:nvPr/>
+        </p:nvSpPr>
+        <p:spPr>
+          <a:xfrm>
+            <a:off x="1308125" y="5148262"/>
+            <a:ext cx="6527749" cy="369332"/>
+          </a:xfrm>
+          <a:prstGeom prst="rect">
+            <a:avLst/>
+          </a:prstGeom>
+          <a:noFill/>
+        </p:spPr>
+        <p:txBody>
+          <a:bodyPr wrap="none" rtlCol="0">
+            <a:spAutoFit/>
+          </a:bodyPr>
+          <a:lstStyle/>
+          <a:p>
+            <a:r>
+              <a:rPr kumimoji="1" lang="ko-KR" altLang="en-US" dirty="0"/>
+              <a:t>공지가 새로 올라온다면 알림을 주어서 공지를 빨리 알려주자</a:t>
+            </a:r>
+          </a:p>
+        </p:txBody>
+      </p:sp>
+    </p:spTree>
+    <p:extLst>
+      <p:ext uri="{BB962C8B-B14F-4D97-AF65-F5344CB8AC3E}">
+        <p14:creationId xmlns:p14="http://schemas.microsoft.com/office/powerpoint/2010/main" val="3327748193"/>
+      </p:ext>
+    </p:extLst>
+  </p:cSld>
+  <p:clrMapOvr>
+    <a:masterClrMapping/>
+  </p:clrMapOvr>
+</p:sld>
+</file>
+
+<file path=ppt/slides/slide4.xml><?xml version="1.0" encoding="utf-8"?>
 <p:sld xmlns:a="http://schemas.openxmlformats.org/drawingml/2006/main" xmlns:r="http://schemas.openxmlformats.org/officeDocument/2006/relationships" xmlns:p="http://schemas.openxmlformats.org/presentationml/2006/main">
   <p:cSld>
     <p:spTree>
@@ -7810,7 +7965,7 @@
                   </a:schemeClr>
                 </a:solidFill>
               </a:rPr>
-              <a:t>1. </a:t>
+              <a:t>2. </a:t>
             </a:r>
             <a:r>
               <a:rPr lang="ko-KR" altLang="en-US" sz="3200" b="1" dirty="0">
@@ -7847,9 +8002,7 @@
             <a:avLst/>
           </a:prstGeom>
           <a:solidFill>
-            <a:schemeClr val="accent1">
-              <a:lumMod val="50000"/>
-            </a:schemeClr>
+            <a:srgbClr val="FF9900"/>
           </a:solidFill>
           <a:ln>
             <a:noFill/>
@@ -7918,7 +8071,7 @@
                   <a:prstClr val="black"/>
                 </a:solidFill>
               </a:rPr>
-              <a:t> 맞춤형 공지사항 어플은 사용자의 관심사와 위치를 고려하여 최신 공지사항을 제공합니다</a:t>
+              <a:t> 맞춤형 공지사항 어플은 사용자의 관심사를 고려하여 최신 공지사항을 제공합니다</a:t>
             </a:r>
             <a:r>
               <a:rPr lang="en-US" altLang="ko-KR" sz="1200" dirty="0">
@@ -8133,7 +8286,7 @@
             <a:fld id="{10230FE5-3BAE-4443-96A1-370C1FED1CD3}" type="slidenum">
               <a:rPr lang="ko-KR" altLang="en-US" smtClean="0"/>
               <a:pPr/>
-              <a:t>3</a:t>
+              <a:t>4</a:t>
             </a:fld>
             <a:endParaRPr lang="ko-KR" altLang="en-US" dirty="0"/>
           </a:p>
@@ -8154,9 +8307,7 @@
             <a:avLst/>
           </a:prstGeom>
           <a:solidFill>
-            <a:schemeClr val="accent1">
-              <a:lumMod val="50000"/>
-            </a:schemeClr>
+            <a:srgbClr val="FF9900"/>
           </a:solidFill>
           <a:ln>
             <a:noFill/>
@@ -8199,7 +8350,7 @@
         <p:spPr>
           <a:xfrm>
             <a:off x="1691680" y="3356992"/>
-            <a:ext cx="7236296" cy="2826608"/>
+            <a:ext cx="7236296" cy="2549609"/>
           </a:xfrm>
           <a:prstGeom prst="rect">
             <a:avLst/>
@@ -8274,7 +8425,7 @@
                   <a:prstClr val="black"/>
                 </a:solidFill>
               </a:rPr>
-              <a:t> 과제 수행 효과 </a:t>
+              <a:t> 편리한 정보 접근</a:t>
             </a:r>
             <a:r>
               <a:rPr lang="en-US" altLang="ko-KR" sz="1200" dirty="0">
@@ -8282,7 +8433,47 @@
                   <a:prstClr val="black"/>
                 </a:solidFill>
               </a:rPr>
-              <a:t>:</a:t>
+              <a:t>: </a:t>
+            </a:r>
+            <a:r>
+              <a:rPr lang="ko-KR" altLang="en-US" sz="1200" dirty="0">
+                <a:solidFill>
+                  <a:prstClr val="black"/>
+                </a:solidFill>
+              </a:rPr>
+              <a:t>사용자는 다양한 기관의 공지사항을 한 곳에서 효율적으로 확인할 수 있어</a:t>
+            </a:r>
+            <a:r>
+              <a:rPr lang="en-US" altLang="ko-KR" sz="1200" dirty="0">
+                <a:solidFill>
+                  <a:prstClr val="black"/>
+                </a:solidFill>
+              </a:rPr>
+              <a:t>, </a:t>
+            </a:r>
+            <a:r>
+              <a:rPr lang="ko-KR" altLang="en-US" sz="1200" dirty="0">
+                <a:solidFill>
+                  <a:prstClr val="black"/>
+                </a:solidFill>
+              </a:rPr>
+              <a:t>정보에 대한 접근이 훨씬 </a:t>
+            </a:r>
+            <a:r>
+              <a:rPr lang="ko-KR" altLang="en-US" sz="1200" dirty="0" err="1">
+                <a:solidFill>
+                  <a:prstClr val="black"/>
+                </a:solidFill>
+              </a:rPr>
+              <a:t>편리해집니다</a:t>
+            </a:r>
+            <a:r>
+              <a:rPr lang="en-US" altLang="ko-KR" sz="1200" dirty="0">
+                <a:solidFill>
+                  <a:prstClr val="black"/>
+                </a:solidFill>
+              </a:rPr>
+              <a:t>.</a:t>
             </a:r>
           </a:p>
           <a:p>
@@ -8299,7 +8490,7 @@
                   <a:prstClr val="black"/>
                 </a:solidFill>
               </a:rPr>
-              <a:t>편리한 정보 접근</a:t>
+              <a:t> 시간 절약</a:t>
             </a:r>
             <a:r>
               <a:rPr lang="en-US" altLang="ko-KR" sz="1200" dirty="0">
@@ -8315,7 +8506,7 @@
                   <a:prstClr val="black"/>
                 </a:solidFill>
               </a:rPr>
-              <a:t>사용자는 다양한 기관의 공지사항을 한 곳에서 효율적으로 확인할 수 있어</a:t>
+              <a:t>검색 기능을 통해 필요한 정보를 빠르게 찾을 수 있고</a:t>
             </a:r>
             <a:r>
               <a:rPr lang="en-US" altLang="ko-KR" sz="1200" dirty="0">
@@ -8331,15 +8522,7 @@
                   <a:prstClr val="black"/>
                 </a:solidFill>
               </a:rPr>
-              <a:t>정보에 대한 접근이 훨씬 </a:t>
-            </a:r>
-            <a:r>
-              <a:rPr lang="ko-KR" altLang="en-US" sz="1200" dirty="0" err="1">
-                <a:solidFill>
-                  <a:prstClr val="black"/>
-                </a:solidFill>
-              </a:rPr>
-              <a:t>편리해집니다</a:t>
+              <a:t>새로운 공지사항이 등록되면 실시간으로 알림을 받으므로 시간을 절약할 수 있습니다</a:t>
             </a:r>
             <a:r>
               <a:rPr lang="en-US" altLang="ko-KR" sz="1200" dirty="0">
@@ -8364,7 +8547,7 @@
                   <a:prstClr val="black"/>
                 </a:solidFill>
               </a:rPr>
-              <a:t>시간 절약</a:t>
+              <a:t> 놓치지 않는 정보</a:t>
             </a:r>
             <a:r>
               <a:rPr lang="en-US" altLang="ko-KR" sz="1200" dirty="0">
@@ -8380,7 +8563,7 @@
                   <a:prstClr val="black"/>
                 </a:solidFill>
               </a:rPr>
-              <a:t>검색 기능을 통해 필요한 정보를 빠르게 찾을 수 있고</a:t>
+              <a:t>즉시 알림을 받아 놓치지 않고 최신 정보를 확인할 수 있기 때문에</a:t>
             </a:r>
             <a:r>
               <a:rPr lang="en-US" altLang="ko-KR" sz="1200" dirty="0">
@@ -8396,7 +8579,7 @@
                   <a:prstClr val="black"/>
                 </a:solidFill>
               </a:rPr>
-              <a:t>새로운 공지사항이 등록되면 실시간으로 알림을 받으므로 시간을 절약할 수 있습니다</a:t>
+              <a:t>중요한 정보를 놓치지 않게 됩니다</a:t>
             </a:r>
             <a:r>
               <a:rPr lang="en-US" altLang="ko-KR" sz="1200" dirty="0">
@@ -8421,64 +8604,7 @@
                   <a:prstClr val="black"/>
                 </a:solidFill>
               </a:rPr>
-              <a:t>놓치지 않는 정보</a:t>
-            </a:r>
-            <a:r>
-              <a:rPr lang="en-US" altLang="ko-KR" sz="1200" dirty="0">
-                <a:solidFill>
-                  <a:prstClr val="black"/>
-                </a:solidFill>
-              </a:rPr>
-              <a:t>: </a:t>
-            </a:r>
-            <a:r>
-              <a:rPr lang="ko-KR" altLang="en-US" sz="1200" dirty="0">
-                <a:solidFill>
-                  <a:prstClr val="black"/>
-                </a:solidFill>
-              </a:rPr>
-              <a:t>즉시 알림을 받아 놓치지 않고 최신 정보를 확인할 수 있기 때문에</a:t>
-            </a:r>
-            <a:r>
-              <a:rPr lang="en-US" altLang="ko-KR" sz="1200" dirty="0">
-                <a:solidFill>
-                  <a:prstClr val="black"/>
-                </a:solidFill>
-              </a:rPr>
-              <a:t>, </a:t>
-            </a:r>
-            <a:r>
-              <a:rPr lang="ko-KR" altLang="en-US" sz="1200" dirty="0">
-                <a:solidFill>
-                  <a:prstClr val="black"/>
-                </a:solidFill>
-              </a:rPr>
-              <a:t>중요한 정보를 놓치지 않게 됩니다</a:t>
-            </a:r>
-            <a:r>
-              <a:rPr lang="en-US" altLang="ko-KR" sz="1200" dirty="0">
-                <a:solidFill>
-                  <a:prstClr val="black"/>
-                </a:solidFill>
-              </a:rPr>
-              <a:t>.</a:t>
-            </a:r>
-          </a:p>
-          <a:p>
-            <a:pPr>
-              <a:lnSpc>
-                <a:spcPct val="150000"/>
-              </a:lnSpc>
-              <a:buFont typeface="Arial" pitchFamily="34" charset="0"/>
-              <a:buChar char="•"/>
-            </a:pPr>
-            <a:r>
-              <a:rPr lang="ko-KR" altLang="en-US" sz="1200" dirty="0">
-                <a:solidFill>
-                  <a:prstClr val="black"/>
-                </a:solidFill>
-              </a:rPr>
-              <a:t>개인화된 서비스</a:t>
+              <a:t> 개인화된 서비스</a:t>
             </a:r>
             <a:r>
               <a:rPr lang="en-US" altLang="ko-KR" sz="1200" dirty="0">
@@ -8536,7 +8662,7 @@
 </p:sld>
 </file>
 
-<file path=ppt/slides/slide4.xml><?xml version="1.0" encoding="utf-8"?>
+<file path=ppt/slides/slide5.xml><?xml version="1.0" encoding="utf-8"?>
 <p:sld xmlns:a="http://schemas.openxmlformats.org/drawingml/2006/main" xmlns:r="http://schemas.openxmlformats.org/officeDocument/2006/relationships" xmlns:p="http://schemas.openxmlformats.org/presentationml/2006/main">
   <p:cSld>
     <p:spTree>
@@ -8599,7 +8725,7 @@
         <p:spPr>
           <a:xfrm>
             <a:off x="585402" y="188640"/>
-            <a:ext cx="3978974" cy="584775"/>
+            <a:ext cx="3834704" cy="584775"/>
           </a:xfrm>
           <a:prstGeom prst="rect">
             <a:avLst/>
@@ -8620,7 +8746,7 @@
                   </a:schemeClr>
                 </a:solidFill>
               </a:rPr>
-              <a:t>2. </a:t>
+              <a:t>3. </a:t>
             </a:r>
             <a:r>
               <a:rPr lang="ko-KR" altLang="en-US" sz="3200" b="1" dirty="0">
@@ -8660,252 +8786,834 @@
             <a:fld id="{10230FE5-3BAE-4443-96A1-370C1FED1CD3}" type="slidenum">
               <a:rPr lang="ko-KR" altLang="en-US" smtClean="0"/>
               <a:pPr/>
-              <a:t>4</a:t>
+              <a:t>5</a:t>
             </a:fld>
             <a:endParaRPr lang="ko-KR" altLang="en-US" dirty="0"/>
           </a:p>
         </p:txBody>
       </p:sp>
-      <p:sp>
-        <p:nvSpPr>
-          <p:cNvPr id="22" name="TextBox 21"/>
-          <p:cNvSpPr txBox="1"/>
-          <p:nvPr/>
-        </p:nvSpPr>
-        <p:spPr>
-          <a:xfrm>
-            <a:off x="899592" y="1124744"/>
-            <a:ext cx="6450805" cy="869790"/>
-          </a:xfrm>
-          <a:prstGeom prst="rect">
-            <a:avLst/>
-          </a:prstGeom>
-          <a:noFill/>
-        </p:spPr>
-        <p:txBody>
-          <a:bodyPr wrap="none" rtlCol="0">
-            <a:spAutoFit/>
-          </a:bodyPr>
-          <a:lstStyle/>
-          <a:p>
-            <a:pPr>
-              <a:lnSpc>
-                <a:spcPct val="150000"/>
-              </a:lnSpc>
-            </a:pPr>
-            <a:r>
-              <a:rPr lang="ko-KR" altLang="en-US" b="1" dirty="0">
-                <a:solidFill>
-                  <a:schemeClr val="tx2">
-                    <a:lumMod val="50000"/>
-                  </a:schemeClr>
-                </a:solidFill>
-              </a:rPr>
-              <a:t>과제 관련하여 주요 기능 정리</a:t>
-            </a:r>
-            <a:endParaRPr lang="en-US" altLang="ko-KR" b="1" dirty="0">
-              <a:solidFill>
-                <a:schemeClr val="tx2">
-                  <a:lumMod val="50000"/>
-                </a:schemeClr>
-              </a:solidFill>
-            </a:endParaRPr>
-          </a:p>
-          <a:p>
-            <a:pPr>
-              <a:lnSpc>
-                <a:spcPct val="150000"/>
-              </a:lnSpc>
-            </a:pPr>
-            <a:r>
-              <a:rPr lang="en-US" altLang="ko-KR" b="1" dirty="0">
-                <a:solidFill>
-                  <a:schemeClr val="tx2">
-                    <a:lumMod val="50000"/>
-                  </a:schemeClr>
-                </a:solidFill>
-              </a:rPr>
-              <a:t>- </a:t>
-            </a:r>
-            <a:r>
-              <a:rPr lang="ko-KR" altLang="en-US" b="1" dirty="0">
-                <a:solidFill>
-                  <a:schemeClr val="tx2">
-                    <a:lumMod val="50000"/>
-                  </a:schemeClr>
-                </a:solidFill>
-              </a:rPr>
-              <a:t>최소 </a:t>
-            </a:r>
-            <a:r>
-              <a:rPr lang="en-US" altLang="ko-KR" b="1" dirty="0">
-                <a:solidFill>
-                  <a:schemeClr val="tx2">
-                    <a:lumMod val="50000"/>
-                  </a:schemeClr>
-                </a:solidFill>
-              </a:rPr>
-              <a:t>2</a:t>
-            </a:r>
-            <a:r>
-              <a:rPr lang="ko-KR" altLang="en-US" b="1" dirty="0">
-                <a:solidFill>
-                  <a:schemeClr val="tx2">
-                    <a:lumMod val="50000"/>
-                  </a:schemeClr>
-                </a:solidFill>
-              </a:rPr>
-              <a:t>페이지 </a:t>
-            </a:r>
-            <a:r>
-              <a:rPr lang="en-US" altLang="ko-KR" b="1" dirty="0">
-                <a:solidFill>
-                  <a:schemeClr val="tx2">
-                    <a:lumMod val="50000"/>
-                  </a:schemeClr>
-                </a:solidFill>
-              </a:rPr>
-              <a:t>(</a:t>
-            </a:r>
-            <a:r>
-              <a:rPr lang="ko-KR" altLang="en-US" b="1" dirty="0">
-                <a:solidFill>
-                  <a:schemeClr val="tx2">
-                    <a:lumMod val="50000"/>
-                  </a:schemeClr>
-                </a:solidFill>
-              </a:rPr>
-              <a:t>시스템 전체 기능 이미지</a:t>
-            </a:r>
-            <a:r>
-              <a:rPr lang="en-US" altLang="ko-KR" b="1" dirty="0">
-                <a:solidFill>
-                  <a:schemeClr val="tx2">
-                    <a:lumMod val="50000"/>
-                  </a:schemeClr>
-                </a:solidFill>
-              </a:rPr>
-              <a:t>, </a:t>
-            </a:r>
-            <a:r>
-              <a:rPr lang="ko-KR" altLang="en-US" b="1" dirty="0">
-                <a:solidFill>
-                  <a:schemeClr val="tx2">
-                    <a:lumMod val="50000"/>
-                  </a:schemeClr>
-                </a:solidFill>
-              </a:rPr>
-              <a:t>글</a:t>
-            </a:r>
-            <a:r>
-              <a:rPr lang="en-US" altLang="ko-KR" b="1" dirty="0">
-                <a:solidFill>
-                  <a:schemeClr val="tx2">
-                    <a:lumMod val="50000"/>
-                  </a:schemeClr>
-                </a:solidFill>
-              </a:rPr>
-              <a:t>, </a:t>
-            </a:r>
-            <a:r>
-              <a:rPr lang="ko-KR" altLang="en-US" b="1" dirty="0">
-                <a:solidFill>
-                  <a:schemeClr val="tx2">
-                    <a:lumMod val="50000"/>
-                  </a:schemeClr>
-                </a:solidFill>
-              </a:rPr>
-              <a:t>그림 등 포함</a:t>
-            </a:r>
-            <a:r>
-              <a:rPr lang="en-US" altLang="ko-KR" b="1" dirty="0">
-                <a:solidFill>
-                  <a:schemeClr val="tx2">
-                    <a:lumMod val="50000"/>
-                  </a:schemeClr>
-                </a:solidFill>
-              </a:rPr>
-              <a:t>)</a:t>
-            </a:r>
-            <a:endParaRPr lang="ko-KR" altLang="en-US" b="1" dirty="0">
-              <a:solidFill>
-                <a:schemeClr val="tx2">
-                  <a:lumMod val="50000"/>
-                </a:schemeClr>
-              </a:solidFill>
-            </a:endParaRPr>
-          </a:p>
-        </p:txBody>
-      </p:sp>
-      <p:pic>
-        <p:nvPicPr>
-          <p:cNvPr id="103" name="그림 102">
+      <p:graphicFrame>
+        <p:nvGraphicFramePr>
+          <p:cNvPr id="2" name="표 1">
             <a:extLst>
               <a:ext uri="{FF2B5EF4-FFF2-40B4-BE49-F238E27FC236}">
-                <a16:creationId xmlns:a16="http://schemas.microsoft.com/office/drawing/2014/main" id="{08BB8D95-B3C6-5F9A-396B-7F4630C8729F}"/>
+                <a16:creationId xmlns:a16="http://schemas.microsoft.com/office/drawing/2014/main" id="{49B20209-A125-DE1D-7112-77531A049F65}"/>
               </a:ext>
             </a:extLst>
           </p:cNvPr>
-          <p:cNvPicPr>
-            <a:picLocks noChangeAspect="1"/>
-          </p:cNvPicPr>
-          <p:nvPr/>
-        </p:nvPicPr>
-        <p:blipFill>
-          <a:blip r:embed="rId3"/>
-          <a:stretch>
-            <a:fillRect/>
-          </a:stretch>
-        </p:blipFill>
-        <p:spPr>
-          <a:xfrm>
-            <a:off x="1240766" y="2230115"/>
-            <a:ext cx="6662468" cy="4350260"/>
-          </a:xfrm>
-          <a:prstGeom prst="rect">
-            <a:avLst/>
-          </a:prstGeom>
-        </p:spPr>
-      </p:pic>
-      <p:sp>
-        <p:nvSpPr>
-          <p:cNvPr id="104" name="TextBox 103">
-            <a:extLst>
-              <a:ext uri="{FF2B5EF4-FFF2-40B4-BE49-F238E27FC236}">
-                <a16:creationId xmlns:a16="http://schemas.microsoft.com/office/drawing/2014/main" id="{DDDBAFE4-93A3-EC74-8118-B226BFBEB022}"/>
-              </a:ext>
-            </a:extLst>
-          </p:cNvPr>
-          <p:cNvSpPr txBox="1"/>
-          <p:nvPr/>
-        </p:nvSpPr>
-        <p:spPr>
-          <a:xfrm>
-            <a:off x="8244408" y="5373216"/>
-            <a:ext cx="646331" cy="369332"/>
-          </a:xfrm>
-          <a:prstGeom prst="rect">
-            <a:avLst/>
-          </a:prstGeom>
-          <a:noFill/>
-        </p:spPr>
-        <p:txBody>
-          <a:bodyPr wrap="none" rtlCol="0">
-            <a:spAutoFit/>
-          </a:bodyPr>
-          <a:lstStyle/>
-          <a:p>
-            <a:r>
-              <a:rPr lang="ko-KR" altLang="en-US" b="1" dirty="0">
-                <a:solidFill>
-                  <a:srgbClr val="FF0000"/>
-                </a:solidFill>
-              </a:rPr>
-              <a:t>예시</a:t>
-            </a:r>
-          </a:p>
-        </p:txBody>
-      </p:sp>
+          <p:cNvGraphicFramePr>
+            <a:graphicFrameLocks noGrp="1"/>
+          </p:cNvGraphicFramePr>
+          <p:nvPr>
+            <p:extLst>
+              <p:ext uri="{D42A27DB-BD31-4B8C-83A1-F6EECF244321}">
+                <p14:modId xmlns:p14="http://schemas.microsoft.com/office/powerpoint/2010/main" val="71535152"/>
+              </p:ext>
+            </p:extLst>
+          </p:nvPr>
+        </p:nvGraphicFramePr>
+        <p:xfrm>
+          <a:off x="585402" y="1295172"/>
+          <a:ext cx="7947038" cy="4654108"/>
+        </p:xfrm>
+        <a:graphic>
+          <a:graphicData uri="http://schemas.openxmlformats.org/drawingml/2006/table">
+            <a:tbl>
+              <a:tblPr firstRow="1" bandRow="1">
+                <a:tableStyleId>{5C22544A-7EE6-4342-B048-85BDC9FD1C3A}</a:tableStyleId>
+              </a:tblPr>
+              <a:tblGrid>
+                <a:gridCol w="1626692">
+                  <a:extLst>
+                    <a:ext uri="{9D8B030D-6E8A-4147-A177-3AD203B41FA5}">
+                      <a16:colId xmlns:a16="http://schemas.microsoft.com/office/drawing/2014/main" val="310445458"/>
+                    </a:ext>
+                  </a:extLst>
+                </a:gridCol>
+                <a:gridCol w="6320346">
+                  <a:extLst>
+                    <a:ext uri="{9D8B030D-6E8A-4147-A177-3AD203B41FA5}">
+                      <a16:colId xmlns:a16="http://schemas.microsoft.com/office/drawing/2014/main" val="512031058"/>
+                    </a:ext>
+                  </a:extLst>
+                </a:gridCol>
+              </a:tblGrid>
+              <a:tr h="1163527">
+                <a:tc>
+                  <a:txBody>
+                    <a:bodyPr/>
+                    <a:lstStyle/>
+                    <a:p>
+                      <a:pPr lvl="0" algn="ctr" latinLnBrk="1">
+                        <a:lnSpc>
+                          <a:spcPct val="100000"/>
+                        </a:lnSpc>
+                      </a:pPr>
+                      <a:r>
+                        <a:rPr lang="en-US" altLang="ko-KR" sz="1200" dirty="0">
+                          <a:solidFill>
+                            <a:schemeClr val="bg1"/>
+                          </a:solidFill>
+                        </a:rPr>
+                        <a:t>CREATE</a:t>
+                      </a:r>
+                      <a:endParaRPr lang="ko-KR" altLang="en-US" sz="1200" dirty="0">
+                        <a:solidFill>
+                          <a:schemeClr val="bg1"/>
+                        </a:solidFill>
+                      </a:endParaRPr>
+                    </a:p>
+                  </a:txBody>
+                  <a:tcPr anchor="ctr">
+                    <a:solidFill>
+                      <a:srgbClr val="FF9900"/>
+                    </a:solidFill>
+                  </a:tcPr>
+                </a:tc>
+                <a:tc>
+                  <a:txBody>
+                    <a:bodyPr/>
+                    <a:lstStyle/>
+                    <a:p>
+                      <a:pPr lvl="0" algn="ctr">
+                        <a:lnSpc>
+                          <a:spcPct val="100000"/>
+                        </a:lnSpc>
+                      </a:pPr>
+                      <a:r>
+                        <a:rPr lang="en-US" altLang="ko-KR" sz="1200" b="0" i="0" kern="1200" dirty="0">
+                          <a:solidFill>
+                            <a:schemeClr val="tx1"/>
+                          </a:solidFill>
+                          <a:effectLst/>
+                          <a:latin typeface="+mn-lt"/>
+                          <a:ea typeface="+mn-ea"/>
+                          <a:cs typeface="+mn-cs"/>
+                        </a:rPr>
+                        <a:t>-</a:t>
+                      </a:r>
+                      <a:r>
+                        <a:rPr lang="ko-KR" altLang="en-US" sz="1200" b="0" i="0" kern="1200" dirty="0">
+                          <a:solidFill>
+                            <a:schemeClr val="tx1"/>
+                          </a:solidFill>
+                          <a:effectLst/>
+                          <a:latin typeface="+mn-lt"/>
+                          <a:ea typeface="+mn-ea"/>
+                          <a:cs typeface="+mn-cs"/>
+                        </a:rPr>
+                        <a:t>사용자는 자신의 관심사나 필요에 맞는 알림 포스트를 생성할 수 있습니다</a:t>
+                      </a:r>
+                      <a:r>
+                        <a:rPr lang="en-US" altLang="ko-KR" sz="1200" b="0" i="0" kern="1200" dirty="0">
+                          <a:solidFill>
+                            <a:schemeClr val="tx1"/>
+                          </a:solidFill>
+                          <a:effectLst/>
+                          <a:latin typeface="+mn-lt"/>
+                          <a:ea typeface="+mn-ea"/>
+                          <a:cs typeface="+mn-cs"/>
+                        </a:rPr>
+                        <a:t>.</a:t>
+                      </a:r>
+                    </a:p>
+                    <a:p>
+                      <a:pPr lvl="0" algn="ctr">
+                        <a:lnSpc>
+                          <a:spcPct val="100000"/>
+                        </a:lnSpc>
+                      </a:pPr>
+                      <a:r>
+                        <a:rPr lang="en-US" altLang="ko-KR" sz="1200" b="0" i="0" kern="1200" dirty="0">
+                          <a:solidFill>
+                            <a:schemeClr val="tx1"/>
+                          </a:solidFill>
+                          <a:effectLst/>
+                          <a:latin typeface="+mn-lt"/>
+                          <a:ea typeface="+mn-ea"/>
+                          <a:cs typeface="+mn-cs"/>
+                        </a:rPr>
+                        <a:t>-</a:t>
+                      </a:r>
+                      <a:r>
+                        <a:rPr lang="ko-KR" altLang="en-US" sz="1200" b="0" i="0" kern="1200" dirty="0">
+                          <a:solidFill>
+                            <a:schemeClr val="tx1"/>
+                          </a:solidFill>
+                          <a:effectLst/>
+                          <a:latin typeface="+mn-lt"/>
+                          <a:ea typeface="+mn-ea"/>
+                          <a:cs typeface="+mn-cs"/>
+                        </a:rPr>
+                        <a:t>이를 위해 시스템은 사용자의 설정과 관심사를 고려하여 맞춤형 알림을 생성합니다</a:t>
+                      </a:r>
+                      <a:r>
+                        <a:rPr lang="en-US" altLang="ko-KR" sz="1200" b="0" i="0" kern="1200" dirty="0">
+                          <a:solidFill>
+                            <a:schemeClr val="tx1"/>
+                          </a:solidFill>
+                          <a:effectLst/>
+                          <a:latin typeface="+mn-lt"/>
+                          <a:ea typeface="+mn-ea"/>
+                          <a:cs typeface="+mn-cs"/>
+                        </a:rPr>
+                        <a:t>.</a:t>
+                      </a:r>
+                    </a:p>
+                    <a:p>
+                      <a:pPr lvl="0" algn="ctr">
+                        <a:lnSpc>
+                          <a:spcPct val="100000"/>
+                        </a:lnSpc>
+                      </a:pPr>
+                      <a:r>
+                        <a:rPr lang="en-US" altLang="ko-KR" sz="1200" b="0" i="0" kern="1200" dirty="0">
+                          <a:solidFill>
+                            <a:schemeClr val="tx1"/>
+                          </a:solidFill>
+                          <a:effectLst/>
+                          <a:latin typeface="+mn-lt"/>
+                          <a:ea typeface="+mn-ea"/>
+                          <a:cs typeface="+mn-cs"/>
+                        </a:rPr>
+                        <a:t>-</a:t>
+                      </a:r>
+                      <a:r>
+                        <a:rPr lang="ko-KR" altLang="en-US" sz="1200" b="0" i="0" kern="1200" dirty="0">
+                          <a:solidFill>
+                            <a:schemeClr val="tx1"/>
+                          </a:solidFill>
+                          <a:effectLst/>
+                          <a:latin typeface="+mn-lt"/>
+                          <a:ea typeface="+mn-ea"/>
+                          <a:cs typeface="+mn-cs"/>
+                        </a:rPr>
+                        <a:t>생성된 알림 포스트는 사용자가 원하는 형식과 내용으로 제공됩니다</a:t>
+                      </a:r>
+                      <a:r>
+                        <a:rPr lang="en-US" altLang="ko-KR" sz="1200" b="0" i="0" kern="1200" dirty="0">
+                          <a:solidFill>
+                            <a:schemeClr val="tx1"/>
+                          </a:solidFill>
+                          <a:effectLst/>
+                          <a:latin typeface="+mn-lt"/>
+                          <a:ea typeface="+mn-ea"/>
+                          <a:cs typeface="+mn-cs"/>
+                        </a:rPr>
+                        <a:t>.</a:t>
+                      </a:r>
+                    </a:p>
+                    <a:p>
+                      <a:pPr lvl="0" algn="ctr" latinLnBrk="1">
+                        <a:lnSpc>
+                          <a:spcPct val="100000"/>
+                        </a:lnSpc>
+                      </a:pPr>
+                      <a:endParaRPr lang="ko-KR" altLang="en-US" sz="1200" dirty="0">
+                        <a:solidFill>
+                          <a:schemeClr val="tx1"/>
+                        </a:solidFill>
+                      </a:endParaRPr>
+                    </a:p>
+                  </a:txBody>
+                  <a:tcPr anchor="ctr">
+                    <a:solidFill>
+                      <a:schemeClr val="bg1"/>
+                    </a:solidFill>
+                  </a:tcPr>
+                </a:tc>
+                <a:extLst>
+                  <a:ext uri="{0D108BD9-81ED-4DB2-BD59-A6C34878D82A}">
+                    <a16:rowId xmlns:a16="http://schemas.microsoft.com/office/drawing/2014/main" val="3442372189"/>
+                  </a:ext>
+                </a:extLst>
+              </a:tr>
+              <a:tr h="1163527">
+                <a:tc>
+                  <a:txBody>
+                    <a:bodyPr/>
+                    <a:lstStyle/>
+                    <a:p>
+                      <a:pPr lvl="0" algn="ctr" latinLnBrk="1">
+                        <a:lnSpc>
+                          <a:spcPct val="100000"/>
+                        </a:lnSpc>
+                      </a:pPr>
+                      <a:r>
+                        <a:rPr lang="en" altLang="ko-KR" sz="1200" b="1" i="0" kern="1200" dirty="0">
+                          <a:solidFill>
+                            <a:schemeClr val="bg1"/>
+                          </a:solidFill>
+                          <a:effectLst/>
+                          <a:latin typeface="+mn-lt"/>
+                          <a:ea typeface="+mn-ea"/>
+                          <a:cs typeface="+mn-cs"/>
+                        </a:rPr>
+                        <a:t>Read</a:t>
+                      </a:r>
+                      <a:endParaRPr lang="ko-KR" altLang="en-US" sz="1200" dirty="0">
+                        <a:solidFill>
+                          <a:schemeClr val="bg1"/>
+                        </a:solidFill>
+                      </a:endParaRPr>
+                    </a:p>
+                  </a:txBody>
+                  <a:tcPr anchor="ctr">
+                    <a:solidFill>
+                      <a:srgbClr val="FF9900"/>
+                    </a:solidFill>
+                  </a:tcPr>
+                </a:tc>
+                <a:tc>
+                  <a:txBody>
+                    <a:bodyPr/>
+                    <a:lstStyle/>
+                    <a:p>
+                      <a:pPr lvl="0" algn="ctr">
+                        <a:lnSpc>
+                          <a:spcPct val="100000"/>
+                        </a:lnSpc>
+                      </a:pPr>
+                      <a:r>
+                        <a:rPr lang="en-US" altLang="ko-KR" sz="1200" b="0" i="0" kern="1200" dirty="0">
+                          <a:solidFill>
+                            <a:schemeClr val="tx1"/>
+                          </a:solidFill>
+                          <a:effectLst/>
+                          <a:latin typeface="+mn-lt"/>
+                          <a:ea typeface="+mn-ea"/>
+                          <a:cs typeface="+mn-cs"/>
+                        </a:rPr>
+                        <a:t>-</a:t>
+                      </a:r>
+                      <a:r>
+                        <a:rPr lang="ko-KR" altLang="en-US" sz="1200" b="0" i="0" kern="1200" dirty="0">
+                          <a:solidFill>
+                            <a:schemeClr val="tx1"/>
+                          </a:solidFill>
+                          <a:effectLst/>
+                          <a:latin typeface="+mn-lt"/>
+                          <a:ea typeface="+mn-ea"/>
+                          <a:cs typeface="+mn-cs"/>
+                        </a:rPr>
+                        <a:t>사용자는 생성된 알림을 한눈에 볼 수 있습니다</a:t>
+                      </a:r>
+                      <a:r>
+                        <a:rPr lang="en-US" altLang="ko-KR" sz="1200" b="0" i="0" kern="1200" dirty="0">
+                          <a:solidFill>
+                            <a:schemeClr val="tx1"/>
+                          </a:solidFill>
+                          <a:effectLst/>
+                          <a:latin typeface="+mn-lt"/>
+                          <a:ea typeface="+mn-ea"/>
+                          <a:cs typeface="+mn-cs"/>
+                        </a:rPr>
+                        <a:t>.</a:t>
+                      </a:r>
+                    </a:p>
+                    <a:p>
+                      <a:pPr lvl="0" algn="ctr">
+                        <a:lnSpc>
+                          <a:spcPct val="100000"/>
+                        </a:lnSpc>
+                      </a:pPr>
+                      <a:r>
+                        <a:rPr lang="en-US" altLang="ko-KR" sz="1200" b="0" i="0" kern="1200" dirty="0">
+                          <a:solidFill>
+                            <a:schemeClr val="tx1"/>
+                          </a:solidFill>
+                          <a:effectLst/>
+                          <a:latin typeface="+mn-lt"/>
+                          <a:ea typeface="+mn-ea"/>
+                          <a:cs typeface="+mn-cs"/>
+                        </a:rPr>
+                        <a:t>-</a:t>
+                      </a:r>
+                      <a:r>
+                        <a:rPr lang="ko-KR" altLang="en-US" sz="1200" b="0" i="0" kern="1200" dirty="0">
+                          <a:solidFill>
+                            <a:schemeClr val="tx1"/>
+                          </a:solidFill>
+                          <a:effectLst/>
+                          <a:latin typeface="+mn-lt"/>
+                          <a:ea typeface="+mn-ea"/>
+                          <a:cs typeface="+mn-cs"/>
+                        </a:rPr>
+                        <a:t>필요에 따라 필터를 적용하여 특정 기준에 따라 알림을 볼 수 있습니다</a:t>
+                      </a:r>
+                      <a:r>
+                        <a:rPr lang="en-US" altLang="ko-KR" sz="1200" b="0" i="0" kern="1200" dirty="0">
+                          <a:solidFill>
+                            <a:schemeClr val="tx1"/>
+                          </a:solidFill>
+                          <a:effectLst/>
+                          <a:latin typeface="+mn-lt"/>
+                          <a:ea typeface="+mn-ea"/>
+                          <a:cs typeface="+mn-cs"/>
+                        </a:rPr>
+                        <a:t>.</a:t>
+                      </a:r>
+                    </a:p>
+                    <a:p>
+                      <a:pPr lvl="0" algn="ctr">
+                        <a:lnSpc>
+                          <a:spcPct val="100000"/>
+                        </a:lnSpc>
+                      </a:pPr>
+                      <a:r>
+                        <a:rPr lang="en-US" altLang="ko-KR" sz="1200" b="0" i="0" kern="1200" dirty="0">
+                          <a:solidFill>
+                            <a:schemeClr val="tx1"/>
+                          </a:solidFill>
+                          <a:effectLst/>
+                          <a:latin typeface="+mn-lt"/>
+                          <a:ea typeface="+mn-ea"/>
+                          <a:cs typeface="+mn-cs"/>
+                        </a:rPr>
+                        <a:t>-</a:t>
+                      </a:r>
+                      <a:r>
+                        <a:rPr lang="ko-KR" altLang="en-US" sz="1200" b="0" i="0" kern="1200" dirty="0">
+                          <a:solidFill>
+                            <a:schemeClr val="tx1"/>
+                          </a:solidFill>
+                          <a:effectLst/>
+                          <a:latin typeface="+mn-lt"/>
+                          <a:ea typeface="+mn-ea"/>
+                          <a:cs typeface="+mn-cs"/>
+                        </a:rPr>
+                        <a:t>이를 통해 사용자는 효율적으로 원하는 정보를 찾고 확인할 수 있습니다</a:t>
+                      </a:r>
+                      <a:r>
+                        <a:rPr lang="en-US" altLang="ko-KR" sz="1200" b="0" i="0" kern="1200" dirty="0">
+                          <a:solidFill>
+                            <a:schemeClr val="tx1"/>
+                          </a:solidFill>
+                          <a:effectLst/>
+                          <a:latin typeface="+mn-lt"/>
+                          <a:ea typeface="+mn-ea"/>
+                          <a:cs typeface="+mn-cs"/>
+                        </a:rPr>
+                        <a:t>.</a:t>
+                      </a:r>
+                    </a:p>
+                    <a:p>
+                      <a:pPr lvl="0" algn="ctr" latinLnBrk="1">
+                        <a:lnSpc>
+                          <a:spcPct val="100000"/>
+                        </a:lnSpc>
+                      </a:pPr>
+                      <a:endParaRPr lang="ko-KR" altLang="en-US" sz="1200" dirty="0">
+                        <a:solidFill>
+                          <a:schemeClr val="tx1"/>
+                        </a:solidFill>
+                      </a:endParaRPr>
+                    </a:p>
+                  </a:txBody>
+                  <a:tcPr anchor="ctr">
+                    <a:solidFill>
+                      <a:schemeClr val="bg1"/>
+                    </a:solidFill>
+                  </a:tcPr>
+                </a:tc>
+                <a:extLst>
+                  <a:ext uri="{0D108BD9-81ED-4DB2-BD59-A6C34878D82A}">
+                    <a16:rowId xmlns:a16="http://schemas.microsoft.com/office/drawing/2014/main" val="3413792551"/>
+                  </a:ext>
+                </a:extLst>
+              </a:tr>
+              <a:tr h="1163527">
+                <a:tc>
+                  <a:txBody>
+                    <a:bodyPr/>
+                    <a:lstStyle/>
+                    <a:p>
+                      <a:pPr lvl="0" algn="ctr" latinLnBrk="1">
+                        <a:lnSpc>
+                          <a:spcPct val="100000"/>
+                        </a:lnSpc>
+                      </a:pPr>
+                      <a:r>
+                        <a:rPr lang="en" altLang="ko-KR" sz="1200" b="1" i="0" kern="1200" dirty="0">
+                          <a:solidFill>
+                            <a:schemeClr val="bg1"/>
+                          </a:solidFill>
+                          <a:effectLst/>
+                          <a:latin typeface="+mn-lt"/>
+                          <a:ea typeface="+mn-ea"/>
+                          <a:cs typeface="+mn-cs"/>
+                        </a:rPr>
+                        <a:t>Update</a:t>
+                      </a:r>
+                      <a:endParaRPr lang="ko-KR" altLang="en-US" sz="1200" dirty="0">
+                        <a:solidFill>
+                          <a:schemeClr val="bg1"/>
+                        </a:solidFill>
+                      </a:endParaRPr>
+                    </a:p>
+                  </a:txBody>
+                  <a:tcPr anchor="ctr">
+                    <a:solidFill>
+                      <a:srgbClr val="FF9900"/>
+                    </a:solidFill>
+                  </a:tcPr>
+                </a:tc>
+                <a:tc>
+                  <a:txBody>
+                    <a:bodyPr/>
+                    <a:lstStyle/>
+                    <a:p>
+                      <a:pPr lvl="0" algn="ctr">
+                        <a:lnSpc>
+                          <a:spcPct val="100000"/>
+                        </a:lnSpc>
+                      </a:pPr>
+                      <a:r>
+                        <a:rPr lang="en-US" altLang="ko-KR" sz="1200" b="0" i="0" kern="1200" dirty="0">
+                          <a:solidFill>
+                            <a:schemeClr val="tx1"/>
+                          </a:solidFill>
+                          <a:effectLst/>
+                          <a:latin typeface="+mn-lt"/>
+                          <a:ea typeface="+mn-ea"/>
+                          <a:cs typeface="+mn-cs"/>
+                        </a:rPr>
+                        <a:t>-</a:t>
+                      </a:r>
+                      <a:r>
+                        <a:rPr lang="ko-KR" altLang="en-US" sz="1200" b="0" i="0" kern="1200" dirty="0">
+                          <a:solidFill>
+                            <a:schemeClr val="tx1"/>
+                          </a:solidFill>
+                          <a:effectLst/>
+                          <a:latin typeface="+mn-lt"/>
+                          <a:ea typeface="+mn-ea"/>
+                          <a:cs typeface="+mn-cs"/>
+                        </a:rPr>
+                        <a:t>사용자는 자신의 관심 분야를 업데이트할 수 있습니다</a:t>
+                      </a:r>
+                      <a:r>
+                        <a:rPr lang="en-US" altLang="ko-KR" sz="1200" b="0" i="0" kern="1200" dirty="0">
+                          <a:solidFill>
+                            <a:schemeClr val="tx1"/>
+                          </a:solidFill>
+                          <a:effectLst/>
+                          <a:latin typeface="+mn-lt"/>
+                          <a:ea typeface="+mn-ea"/>
+                          <a:cs typeface="+mn-cs"/>
+                        </a:rPr>
+                        <a:t>.</a:t>
+                      </a:r>
+                    </a:p>
+                    <a:p>
+                      <a:pPr lvl="0" algn="ctr">
+                        <a:lnSpc>
+                          <a:spcPct val="100000"/>
+                        </a:lnSpc>
+                      </a:pPr>
+                      <a:r>
+                        <a:rPr lang="en-US" altLang="ko-KR" sz="1200" b="0" i="0" kern="1200" dirty="0">
+                          <a:solidFill>
+                            <a:schemeClr val="tx1"/>
+                          </a:solidFill>
+                          <a:effectLst/>
+                          <a:latin typeface="+mn-lt"/>
+                          <a:ea typeface="+mn-ea"/>
+                          <a:cs typeface="+mn-cs"/>
+                        </a:rPr>
+                        <a:t>-</a:t>
+                      </a:r>
+                      <a:r>
+                        <a:rPr lang="ko-KR" altLang="en-US" sz="1200" b="0" i="0" kern="1200" dirty="0">
+                          <a:solidFill>
+                            <a:schemeClr val="tx1"/>
+                          </a:solidFill>
+                          <a:effectLst/>
+                          <a:latin typeface="+mn-lt"/>
+                          <a:ea typeface="+mn-ea"/>
+                          <a:cs typeface="+mn-cs"/>
+                        </a:rPr>
+                        <a:t>알림 포스트에 대한 좋아요 설정을 추가하거나 해제할 수 있습니다</a:t>
+                      </a:r>
+                      <a:r>
+                        <a:rPr lang="en-US" altLang="ko-KR" sz="1200" b="0" i="0" kern="1200" dirty="0">
+                          <a:solidFill>
+                            <a:schemeClr val="tx1"/>
+                          </a:solidFill>
+                          <a:effectLst/>
+                          <a:latin typeface="+mn-lt"/>
+                          <a:ea typeface="+mn-ea"/>
+                          <a:cs typeface="+mn-cs"/>
+                        </a:rPr>
+                        <a:t>.</a:t>
+                      </a:r>
+                    </a:p>
+                    <a:p>
+                      <a:pPr lvl="0" algn="ctr">
+                        <a:lnSpc>
+                          <a:spcPct val="100000"/>
+                        </a:lnSpc>
+                      </a:pPr>
+                      <a:r>
+                        <a:rPr lang="en-US" altLang="ko-KR" sz="1200" b="0" i="0" kern="1200" dirty="0">
+                          <a:solidFill>
+                            <a:schemeClr val="tx1"/>
+                          </a:solidFill>
+                          <a:effectLst/>
+                          <a:latin typeface="+mn-lt"/>
+                          <a:ea typeface="+mn-ea"/>
+                          <a:cs typeface="+mn-cs"/>
+                        </a:rPr>
+                        <a:t>-</a:t>
+                      </a:r>
+                      <a:r>
+                        <a:rPr lang="ko-KR" altLang="en-US" sz="1200" b="0" i="0" kern="1200" dirty="0">
+                          <a:solidFill>
+                            <a:schemeClr val="tx1"/>
+                          </a:solidFill>
+                          <a:effectLst/>
+                          <a:latin typeface="+mn-lt"/>
+                          <a:ea typeface="+mn-ea"/>
+                          <a:cs typeface="+mn-cs"/>
+                        </a:rPr>
+                        <a:t>메모를 수정하여 필요한 내용을 업데이트할 수 있습니다</a:t>
+                      </a:r>
+                      <a:r>
+                        <a:rPr lang="en-US" altLang="ko-KR" sz="1200" b="0" i="0" kern="1200" dirty="0">
+                          <a:solidFill>
+                            <a:schemeClr val="tx1"/>
+                          </a:solidFill>
+                          <a:effectLst/>
+                          <a:latin typeface="+mn-lt"/>
+                          <a:ea typeface="+mn-ea"/>
+                          <a:cs typeface="+mn-cs"/>
+                        </a:rPr>
+                        <a:t>.</a:t>
+                      </a:r>
+                    </a:p>
+                    <a:p>
+                      <a:pPr lvl="0" algn="ctr" latinLnBrk="1">
+                        <a:lnSpc>
+                          <a:spcPct val="100000"/>
+                        </a:lnSpc>
+                      </a:pPr>
+                      <a:endParaRPr lang="ko-KR" altLang="en-US" sz="1200" dirty="0">
+                        <a:solidFill>
+                          <a:schemeClr val="tx1"/>
+                        </a:solidFill>
+                      </a:endParaRPr>
+                    </a:p>
+                  </a:txBody>
+                  <a:tcPr anchor="ctr">
+                    <a:solidFill>
+                      <a:schemeClr val="bg1"/>
+                    </a:solidFill>
+                  </a:tcPr>
+                </a:tc>
+                <a:extLst>
+                  <a:ext uri="{0D108BD9-81ED-4DB2-BD59-A6C34878D82A}">
+                    <a16:rowId xmlns:a16="http://schemas.microsoft.com/office/drawing/2014/main" val="3960858160"/>
+                  </a:ext>
+                </a:extLst>
+              </a:tr>
+              <a:tr h="1163527">
+                <a:tc>
+                  <a:txBody>
+                    <a:bodyPr/>
+                    <a:lstStyle/>
+                    <a:p>
+                      <a:pPr lvl="0" algn="ctr" latinLnBrk="1">
+                        <a:lnSpc>
+                          <a:spcPct val="100000"/>
+                        </a:lnSpc>
+                      </a:pPr>
+                      <a:r>
+                        <a:rPr lang="en" altLang="ko-KR" sz="1200" b="1" i="0" kern="1200" dirty="0">
+                          <a:solidFill>
+                            <a:schemeClr val="bg1"/>
+                          </a:solidFill>
+                          <a:effectLst/>
+                          <a:latin typeface="+mn-lt"/>
+                          <a:ea typeface="+mn-ea"/>
+                          <a:cs typeface="+mn-cs"/>
+                        </a:rPr>
+                        <a:t>Delete </a:t>
+                      </a:r>
+                      <a:endParaRPr lang="ko-KR" altLang="en-US" sz="1200" dirty="0">
+                        <a:solidFill>
+                          <a:schemeClr val="bg1"/>
+                        </a:solidFill>
+                      </a:endParaRPr>
+                    </a:p>
+                  </a:txBody>
+                  <a:tcPr anchor="ctr">
+                    <a:solidFill>
+                      <a:srgbClr val="FF9900"/>
+                    </a:solidFill>
+                  </a:tcPr>
+                </a:tc>
+                <a:tc>
+                  <a:txBody>
+                    <a:bodyPr/>
+                    <a:lstStyle/>
+                    <a:p>
+                      <a:pPr lvl="0" algn="ctr">
+                        <a:lnSpc>
+                          <a:spcPct val="100000"/>
+                        </a:lnSpc>
+                      </a:pPr>
+                      <a:r>
+                        <a:rPr lang="en-US" altLang="ko-KR" sz="1200" b="0" i="0" kern="1200" dirty="0">
+                          <a:solidFill>
+                            <a:schemeClr val="tx1"/>
+                          </a:solidFill>
+                          <a:effectLst/>
+                          <a:latin typeface="+mn-lt"/>
+                          <a:ea typeface="+mn-ea"/>
+                          <a:cs typeface="+mn-cs"/>
+                        </a:rPr>
+                        <a:t>-</a:t>
+                      </a:r>
+                      <a:r>
+                        <a:rPr lang="ko-KR" altLang="en-US" sz="1200" b="0" i="0" kern="1200" dirty="0">
+                          <a:solidFill>
+                            <a:schemeClr val="tx1"/>
+                          </a:solidFill>
+                          <a:effectLst/>
+                          <a:latin typeface="+mn-lt"/>
+                          <a:ea typeface="+mn-ea"/>
+                          <a:cs typeface="+mn-cs"/>
+                        </a:rPr>
+                        <a:t>오래된 알림 포스트나 사용자가 더 이상 관심이 없는 알림은 자동으로 삭제됩니다</a:t>
+                      </a:r>
+                      <a:r>
+                        <a:rPr lang="en-US" altLang="ko-KR" sz="1200" b="0" i="0" kern="1200" dirty="0">
+                          <a:solidFill>
+                            <a:schemeClr val="tx1"/>
+                          </a:solidFill>
+                          <a:effectLst/>
+                          <a:latin typeface="+mn-lt"/>
+                          <a:ea typeface="+mn-ea"/>
+                          <a:cs typeface="+mn-cs"/>
+                        </a:rPr>
+                        <a:t>.</a:t>
+                      </a:r>
+                    </a:p>
+                    <a:p>
+                      <a:pPr lvl="0" algn="ctr">
+                        <a:lnSpc>
+                          <a:spcPct val="100000"/>
+                        </a:lnSpc>
+                      </a:pPr>
+                      <a:r>
+                        <a:rPr lang="en-US" altLang="ko-KR" sz="1200" b="0" i="0" kern="1200" dirty="0">
+                          <a:solidFill>
+                            <a:schemeClr val="tx1"/>
+                          </a:solidFill>
+                          <a:effectLst/>
+                          <a:latin typeface="+mn-lt"/>
+                          <a:ea typeface="+mn-ea"/>
+                          <a:cs typeface="+mn-cs"/>
+                        </a:rPr>
+                        <a:t>-</a:t>
+                      </a:r>
+                      <a:r>
+                        <a:rPr lang="ko-KR" altLang="en-US" sz="1200" b="0" i="0" kern="1200" dirty="0">
+                          <a:solidFill>
+                            <a:schemeClr val="tx1"/>
+                          </a:solidFill>
+                          <a:effectLst/>
+                          <a:latin typeface="+mn-lt"/>
+                          <a:ea typeface="+mn-ea"/>
+                          <a:cs typeface="+mn-cs"/>
+                        </a:rPr>
+                        <a:t>사용자가 필요로 하면 임의로 알림 포스트를 삭제할 수도 있습니다</a:t>
+                      </a:r>
+                      <a:r>
+                        <a:rPr lang="en-US" altLang="ko-KR" sz="1200" b="0" i="0" kern="1200" dirty="0">
+                          <a:solidFill>
+                            <a:schemeClr val="tx1"/>
+                          </a:solidFill>
+                          <a:effectLst/>
+                          <a:latin typeface="+mn-lt"/>
+                          <a:ea typeface="+mn-ea"/>
+                          <a:cs typeface="+mn-cs"/>
+                        </a:rPr>
+                        <a:t>.</a:t>
+                      </a:r>
+                    </a:p>
+                    <a:p>
+                      <a:pPr lvl="0" algn="ctr">
+                        <a:lnSpc>
+                          <a:spcPct val="100000"/>
+                        </a:lnSpc>
+                      </a:pPr>
+                      <a:r>
+                        <a:rPr lang="en-US" altLang="ko-KR" sz="1200" b="0" i="0" kern="1200" dirty="0">
+                          <a:solidFill>
+                            <a:schemeClr val="tx1"/>
+                          </a:solidFill>
+                          <a:effectLst/>
+                          <a:latin typeface="+mn-lt"/>
+                          <a:ea typeface="+mn-ea"/>
+                          <a:cs typeface="+mn-cs"/>
+                        </a:rPr>
+                        <a:t>-</a:t>
+                      </a:r>
+                      <a:r>
+                        <a:rPr lang="ko-KR" altLang="en-US" sz="1200" b="0" i="0" kern="1200" dirty="0">
+                          <a:solidFill>
+                            <a:schemeClr val="tx1"/>
+                          </a:solidFill>
+                          <a:effectLst/>
+                          <a:latin typeface="+mn-lt"/>
+                          <a:ea typeface="+mn-ea"/>
+                          <a:cs typeface="+mn-cs"/>
+                        </a:rPr>
+                        <a:t>사용자는 시스템에서 더 이상 필요하지 않은 정보를 청소하고 관리할 수 있습니다</a:t>
+                      </a:r>
+                      <a:r>
+                        <a:rPr lang="en-US" altLang="ko-KR" sz="1200" b="0" i="0" kern="1200" dirty="0">
+                          <a:solidFill>
+                            <a:schemeClr val="tx1"/>
+                          </a:solidFill>
+                          <a:effectLst/>
+                          <a:latin typeface="+mn-lt"/>
+                          <a:ea typeface="+mn-ea"/>
+                          <a:cs typeface="+mn-cs"/>
+                        </a:rPr>
+                        <a:t>.</a:t>
+                      </a:r>
+                    </a:p>
+                    <a:p>
+                      <a:pPr lvl="0" algn="ctr" latinLnBrk="1">
+                        <a:lnSpc>
+                          <a:spcPct val="100000"/>
+                        </a:lnSpc>
+                      </a:pPr>
+                      <a:endParaRPr lang="ko-KR" altLang="en-US" sz="1200" dirty="0">
+                        <a:solidFill>
+                          <a:schemeClr val="tx1"/>
+                        </a:solidFill>
+                      </a:endParaRPr>
+                    </a:p>
+                  </a:txBody>
+                  <a:tcPr anchor="ctr">
+                    <a:solidFill>
+                      <a:schemeClr val="bg1"/>
+                    </a:solidFill>
+                  </a:tcPr>
+                </a:tc>
+                <a:extLst>
+                  <a:ext uri="{0D108BD9-81ED-4DB2-BD59-A6C34878D82A}">
+                    <a16:rowId xmlns:a16="http://schemas.microsoft.com/office/drawing/2014/main" val="4054836133"/>
+                  </a:ext>
+                </a:extLst>
+              </a:tr>
+            </a:tbl>
+          </a:graphicData>
+        </a:graphic>
+      </p:graphicFrame>
     </p:spTree>
   </p:cSld>
   <p:clrMapOvr>
@@ -8914,7 +9622,7 @@
 </p:sld>
 </file>
 
-<file path=ppt/slides/slide5.xml><?xml version="1.0" encoding="utf-8"?>
+<file path=ppt/slides/slide6.xml><?xml version="1.0" encoding="utf-8"?>
 <p:sld xmlns:a="http://schemas.openxmlformats.org/drawingml/2006/main" xmlns:r="http://schemas.openxmlformats.org/officeDocument/2006/relationships" xmlns:p="http://schemas.openxmlformats.org/presentationml/2006/main">
   <p:cSld>
     <p:spTree>
@@ -8933,6 +9641,208 @@
       </p:grpSpPr>
       <p:sp>
         <p:nvSpPr>
+          <p:cNvPr id="4" name="슬라이드 번호 개체 틀 3">
+            <a:extLst>
+              <a:ext uri="{FF2B5EF4-FFF2-40B4-BE49-F238E27FC236}">
+                <a16:creationId xmlns:a16="http://schemas.microsoft.com/office/drawing/2014/main" id="{EA2704FE-228C-8D07-6C8D-340E8958CF4C}"/>
+              </a:ext>
+            </a:extLst>
+          </p:cNvPr>
+          <p:cNvSpPr>
+            <a:spLocks noGrp="1"/>
+          </p:cNvSpPr>
+          <p:nvPr>
+            <p:ph type="sldNum" sz="quarter" idx="12"/>
+          </p:nvPr>
+        </p:nvSpPr>
+        <p:spPr>
+          <a:xfrm>
+            <a:off x="7010400" y="6588022"/>
+            <a:ext cx="2133600" cy="250342"/>
+          </a:xfrm>
+        </p:spPr>
+        <p:txBody>
+          <a:bodyPr/>
+          <a:lstStyle/>
+          <a:p>
+            <a:fld id="{10230FE5-3BAE-4443-96A1-370C1FED1CD3}" type="slidenum">
+              <a:rPr lang="ko-KR" altLang="en-US" smtClean="0"/>
+              <a:pPr/>
+              <a:t>6</a:t>
+            </a:fld>
+            <a:endParaRPr lang="ko-KR" altLang="en-US" dirty="0"/>
+          </a:p>
+        </p:txBody>
+      </p:sp>
+      <p:cxnSp>
+        <p:nvCxnSpPr>
+          <p:cNvPr id="29" name="직선 연결선 2">
+            <a:extLst>
+              <a:ext uri="{FF2B5EF4-FFF2-40B4-BE49-F238E27FC236}">
+                <a16:creationId xmlns:a16="http://schemas.microsoft.com/office/drawing/2014/main" id="{D93D0499-8F3A-18E9-04C9-5AB64FB32A54}"/>
+              </a:ext>
+            </a:extLst>
+          </p:cNvPr>
+          <p:cNvCxnSpPr/>
+          <p:nvPr/>
+        </p:nvCxnSpPr>
+        <p:spPr>
+          <a:xfrm>
+            <a:off x="179512" y="908720"/>
+            <a:ext cx="8784976" cy="0"/>
+          </a:xfrm>
+          <a:prstGeom prst="line">
+            <a:avLst/>
+          </a:prstGeom>
+          <a:ln w="19050">
+            <a:solidFill>
+              <a:schemeClr val="accent6">
+                <a:lumMod val="75000"/>
+              </a:schemeClr>
+            </a:solidFill>
+          </a:ln>
+        </p:spPr>
+        <p:style>
+          <a:lnRef idx="1">
+            <a:schemeClr val="accent1"/>
+          </a:lnRef>
+          <a:fillRef idx="0">
+            <a:schemeClr val="accent1"/>
+          </a:fillRef>
+          <a:effectRef idx="0">
+            <a:schemeClr val="accent1"/>
+          </a:effectRef>
+          <a:fontRef idx="minor">
+            <a:schemeClr val="tx1"/>
+          </a:fontRef>
+        </p:style>
+      </p:cxnSp>
+      <p:sp>
+        <p:nvSpPr>
+          <p:cNvPr id="30" name="TextBox 29">
+            <a:extLst>
+              <a:ext uri="{FF2B5EF4-FFF2-40B4-BE49-F238E27FC236}">
+                <a16:creationId xmlns:a16="http://schemas.microsoft.com/office/drawing/2014/main" id="{1DB544F9-BBC4-2D11-6A13-90A71B43A391}"/>
+              </a:ext>
+            </a:extLst>
+          </p:cNvPr>
+          <p:cNvSpPr txBox="1"/>
+          <p:nvPr/>
+        </p:nvSpPr>
+        <p:spPr>
+          <a:xfrm>
+            <a:off x="585402" y="188640"/>
+            <a:ext cx="3834704" cy="584775"/>
+          </a:xfrm>
+          <a:prstGeom prst="rect">
+            <a:avLst/>
+          </a:prstGeom>
+          <a:noFill/>
+        </p:spPr>
+        <p:txBody>
+          <a:bodyPr wrap="none" rtlCol="0">
+            <a:spAutoFit/>
+          </a:bodyPr>
+          <a:lstStyle/>
+          <a:p>
+            <a:r>
+              <a:rPr lang="en-US" altLang="ko-KR" sz="3200" b="1" dirty="0">
+                <a:solidFill>
+                  <a:schemeClr val="tx2">
+                    <a:lumMod val="75000"/>
+                  </a:schemeClr>
+                </a:solidFill>
+              </a:rPr>
+              <a:t>3. </a:t>
+            </a:r>
+            <a:r>
+              <a:rPr lang="ko-KR" altLang="en-US" sz="3200" b="1" dirty="0">
+                <a:solidFill>
+                  <a:schemeClr val="tx2">
+                    <a:lumMod val="75000"/>
+                  </a:schemeClr>
+                </a:solidFill>
+              </a:rPr>
+              <a:t>시스템 주요 기능</a:t>
+            </a:r>
+            <a:endParaRPr lang="ko-KR" altLang="en-US" sz="2400" b="1" dirty="0">
+              <a:solidFill>
+                <a:schemeClr val="tx2">
+                  <a:lumMod val="75000"/>
+                </a:schemeClr>
+              </a:solidFill>
+            </a:endParaRPr>
+          </a:p>
+        </p:txBody>
+      </p:sp>
+      <p:pic>
+        <p:nvPicPr>
+          <p:cNvPr id="11" name="그림 10" descr="도표, 포스트잇 노트, 노랑, 평면도이(가) 표시된 사진&#10;&#10;자동 생성된 설명">
+            <a:extLst>
+              <a:ext uri="{FF2B5EF4-FFF2-40B4-BE49-F238E27FC236}">
+                <a16:creationId xmlns:a16="http://schemas.microsoft.com/office/drawing/2014/main" id="{581DC9D4-E622-DACD-9BF0-431C974E25FB}"/>
+              </a:ext>
+            </a:extLst>
+          </p:cNvPr>
+          <p:cNvPicPr>
+            <a:picLocks noChangeAspect="1"/>
+          </p:cNvPicPr>
+          <p:nvPr/>
+        </p:nvPicPr>
+        <p:blipFill>
+          <a:blip r:embed="rId2">
+            <a:extLst>
+              <a:ext uri="{28A0092B-C50C-407E-A947-70E740481C1C}">
+                <a14:useLocalDpi xmlns:a14="http://schemas.microsoft.com/office/drawing/2010/main" val="0"/>
+              </a:ext>
+            </a:extLst>
+          </a:blip>
+          <a:stretch>
+            <a:fillRect/>
+          </a:stretch>
+        </p:blipFill>
+        <p:spPr>
+          <a:xfrm>
+            <a:off x="395536" y="1619857"/>
+            <a:ext cx="8441152" cy="4329416"/>
+          </a:xfrm>
+          <a:prstGeom prst="rect">
+            <a:avLst/>
+          </a:prstGeom>
+        </p:spPr>
+      </p:pic>
+    </p:spTree>
+    <p:extLst>
+      <p:ext uri="{BB962C8B-B14F-4D97-AF65-F5344CB8AC3E}">
+        <p14:creationId xmlns:p14="http://schemas.microsoft.com/office/powerpoint/2010/main" val="1049879635"/>
+      </p:ext>
+    </p:extLst>
+  </p:cSld>
+  <p:clrMapOvr>
+    <a:masterClrMapping/>
+  </p:clrMapOvr>
+</p:sld>
+</file>
+
+<file path=ppt/slides/slide7.xml><?xml version="1.0" encoding="utf-8"?>
+<p:sld xmlns:a="http://schemas.openxmlformats.org/drawingml/2006/main" xmlns:r="http://schemas.openxmlformats.org/officeDocument/2006/relationships" xmlns:p="http://schemas.openxmlformats.org/presentationml/2006/main">
+  <p:cSld>
+    <p:spTree>
+      <p:nvGrpSpPr>
+        <p:cNvPr id="1" name=""/>
+        <p:cNvGrpSpPr/>
+        <p:nvPr/>
+      </p:nvGrpSpPr>
+      <p:grpSpPr>
+        <a:xfrm>
+          <a:off x="0" y="0"/>
+          <a:ext cx="0" cy="0"/>
+          <a:chOff x="0" y="0"/>
+          <a:chExt cx="0" cy="0"/>
+        </a:xfrm>
+      </p:grpSpPr>
+      <p:sp>
+        <p:nvSpPr>
           <p:cNvPr id="4" name="TextBox 3"/>
           <p:cNvSpPr txBox="1"/>
           <p:nvPr/>
@@ -8961,7 +9871,7 @@
                   </a:schemeClr>
                 </a:solidFill>
               </a:rPr>
-              <a:t>3. </a:t>
+              <a:t>4. </a:t>
             </a:r>
             <a:r>
               <a:rPr lang="ko-KR" altLang="en-US" sz="3200" b="1" dirty="0">
@@ -8980,216 +9890,6 @@
                 </a:schemeClr>
               </a:solidFill>
             </a:endParaRPr>
-          </a:p>
-        </p:txBody>
-      </p:sp>
-      <p:sp>
-        <p:nvSpPr>
-          <p:cNvPr id="26" name="TextBox 25"/>
-          <p:cNvSpPr txBox="1"/>
-          <p:nvPr/>
-        </p:nvSpPr>
-        <p:spPr>
-          <a:xfrm>
-            <a:off x="683568" y="1268760"/>
-            <a:ext cx="4579074" cy="1200329"/>
-          </a:xfrm>
-          <a:prstGeom prst="rect">
-            <a:avLst/>
-          </a:prstGeom>
-          <a:noFill/>
-        </p:spPr>
-        <p:txBody>
-          <a:bodyPr wrap="none" rtlCol="0">
-            <a:spAutoFit/>
-          </a:bodyPr>
-          <a:lstStyle/>
-          <a:p>
-            <a:pPr>
-              <a:buFont typeface="Arial" pitchFamily="34" charset="0"/>
-              <a:buChar char="•"/>
-            </a:pPr>
-            <a:r>
-              <a:rPr lang="ko-KR" altLang="en-US" b="1" dirty="0">
-                <a:solidFill>
-                  <a:schemeClr val="tx2">
-                    <a:lumMod val="50000"/>
-                  </a:schemeClr>
-                </a:solidFill>
-              </a:rPr>
-              <a:t> 기능 상세 설계</a:t>
-            </a:r>
-            <a:endParaRPr lang="en-US" altLang="ko-KR" b="1" dirty="0">
-              <a:solidFill>
-                <a:schemeClr val="tx2">
-                  <a:lumMod val="50000"/>
-                </a:schemeClr>
-              </a:solidFill>
-            </a:endParaRPr>
-          </a:p>
-          <a:p>
-            <a:r>
-              <a:rPr lang="ko-KR" altLang="en-US" b="1" dirty="0">
-                <a:solidFill>
-                  <a:schemeClr val="tx2">
-                    <a:lumMod val="50000"/>
-                  </a:schemeClr>
-                </a:solidFill>
-              </a:rPr>
-              <a:t>  </a:t>
-            </a:r>
-            <a:r>
-              <a:rPr lang="en-US" altLang="ko-KR" b="1" dirty="0">
-                <a:solidFill>
-                  <a:schemeClr val="tx2">
-                    <a:lumMod val="50000"/>
-                  </a:schemeClr>
-                </a:solidFill>
-              </a:rPr>
-              <a:t>-</a:t>
-            </a:r>
-            <a:r>
-              <a:rPr lang="ko-KR" altLang="en-US" b="1" dirty="0">
-                <a:solidFill>
-                  <a:schemeClr val="tx2">
-                    <a:lumMod val="50000"/>
-                  </a:schemeClr>
-                </a:solidFill>
-              </a:rPr>
-              <a:t> 기능별 </a:t>
-            </a:r>
-            <a:r>
-              <a:rPr lang="en-US" altLang="ko-KR" b="1" dirty="0">
-                <a:solidFill>
-                  <a:schemeClr val="tx2">
-                    <a:lumMod val="50000"/>
-                  </a:schemeClr>
-                </a:solidFill>
-              </a:rPr>
-              <a:t>web </a:t>
-            </a:r>
-            <a:r>
-              <a:rPr lang="ko-KR" altLang="en-US" b="1" dirty="0">
-                <a:solidFill>
-                  <a:schemeClr val="tx2">
-                    <a:lumMod val="50000"/>
-                  </a:schemeClr>
-                </a:solidFill>
-              </a:rPr>
-              <a:t>화면</a:t>
-            </a:r>
-            <a:endParaRPr lang="en-US" altLang="ko-KR" b="1" dirty="0">
-              <a:solidFill>
-                <a:schemeClr val="tx2">
-                  <a:lumMod val="50000"/>
-                </a:schemeClr>
-              </a:solidFill>
-            </a:endParaRPr>
-          </a:p>
-          <a:p>
-            <a:r>
-              <a:rPr lang="en-US" altLang="ko-KR" b="1" dirty="0">
-                <a:solidFill>
-                  <a:schemeClr val="tx2">
-                    <a:lumMod val="50000"/>
-                  </a:schemeClr>
-                </a:solidFill>
-              </a:rPr>
-              <a:t>  - </a:t>
-            </a:r>
-            <a:r>
-              <a:rPr lang="ko-KR" altLang="en-US" b="1" dirty="0">
-                <a:solidFill>
-                  <a:schemeClr val="tx2">
-                    <a:lumMod val="50000"/>
-                  </a:schemeClr>
-                </a:solidFill>
-              </a:rPr>
-              <a:t>테이블 </a:t>
-            </a:r>
-            <a:r>
-              <a:rPr lang="en-US" altLang="ko-KR" b="1" dirty="0">
-                <a:solidFill>
-                  <a:schemeClr val="tx2">
-                    <a:lumMod val="50000"/>
-                  </a:schemeClr>
-                </a:solidFill>
-              </a:rPr>
-              <a:t>ERD</a:t>
-            </a:r>
-            <a:r>
-              <a:rPr lang="ko-KR" altLang="en-US" b="1" dirty="0">
-                <a:solidFill>
-                  <a:schemeClr val="tx2">
-                    <a:lumMod val="50000"/>
-                  </a:schemeClr>
-                </a:solidFill>
-              </a:rPr>
-              <a:t>등</a:t>
-            </a:r>
-            <a:endParaRPr lang="en-US" altLang="ko-KR" b="1" dirty="0">
-              <a:solidFill>
-                <a:schemeClr val="tx2">
-                  <a:lumMod val="50000"/>
-                </a:schemeClr>
-              </a:solidFill>
-            </a:endParaRPr>
-          </a:p>
-          <a:p>
-            <a:pPr>
-              <a:buFont typeface="Arial" pitchFamily="34" charset="0"/>
-              <a:buChar char="•"/>
-            </a:pPr>
-            <a:r>
-              <a:rPr lang="en-US" altLang="ko-KR" b="1" dirty="0">
-                <a:solidFill>
-                  <a:schemeClr val="tx2">
-                    <a:lumMod val="50000"/>
-                  </a:schemeClr>
-                </a:solidFill>
-              </a:rPr>
-              <a:t> </a:t>
-            </a:r>
-            <a:r>
-              <a:rPr lang="ko-KR" altLang="en-US" b="1" dirty="0">
-                <a:solidFill>
-                  <a:schemeClr val="tx2">
-                    <a:lumMod val="50000"/>
-                  </a:schemeClr>
-                </a:solidFill>
-              </a:rPr>
-              <a:t>시스템 구축 환경 </a:t>
-            </a:r>
-            <a:r>
-              <a:rPr lang="en-US" altLang="ko-KR" b="1" dirty="0">
-                <a:solidFill>
-                  <a:schemeClr val="tx2">
-                    <a:lumMod val="50000"/>
-                  </a:schemeClr>
-                </a:solidFill>
-              </a:rPr>
-              <a:t>(HW </a:t>
-            </a:r>
-            <a:r>
-              <a:rPr lang="ko-KR" altLang="en-US" b="1" dirty="0">
-                <a:solidFill>
-                  <a:schemeClr val="tx2">
-                    <a:lumMod val="50000"/>
-                  </a:schemeClr>
-                </a:solidFill>
-              </a:rPr>
-              <a:t>및</a:t>
-            </a:r>
-            <a:r>
-              <a:rPr lang="en-US" altLang="ko-KR" b="1" dirty="0">
-                <a:solidFill>
-                  <a:schemeClr val="tx2">
-                    <a:lumMod val="50000"/>
-                  </a:schemeClr>
-                </a:solidFill>
-              </a:rPr>
-              <a:t> SW platform)</a:t>
-            </a:r>
           </a:p>
         </p:txBody>
       </p:sp>
@@ -9230,6 +9930,42 @@
           </a:fontRef>
         </p:style>
       </p:cxnSp>
+      <p:pic>
+        <p:nvPicPr>
+          <p:cNvPr id="6" name="그림 5" descr="텍스트, 소프트웨어, 멀티미디어 소프트웨어, 스크린샷이(가) 표시된 사진&#10;&#10;자동 생성된 설명">
+            <a:extLst>
+              <a:ext uri="{FF2B5EF4-FFF2-40B4-BE49-F238E27FC236}">
+                <a16:creationId xmlns:a16="http://schemas.microsoft.com/office/drawing/2014/main" id="{C6F92BBE-17B2-38BA-6BCE-D0956A689FDD}"/>
+              </a:ext>
+            </a:extLst>
+          </p:cNvPr>
+          <p:cNvPicPr>
+            <a:picLocks noChangeAspect="1"/>
+          </p:cNvPicPr>
+          <p:nvPr/>
+        </p:nvPicPr>
+        <p:blipFill>
+          <a:blip r:embed="rId3">
+            <a:extLst>
+              <a:ext uri="{28A0092B-C50C-407E-A947-70E740481C1C}">
+                <a14:useLocalDpi xmlns:a14="http://schemas.microsoft.com/office/drawing/2010/main" val="0"/>
+              </a:ext>
+            </a:extLst>
+          </a:blip>
+          <a:stretch>
+            <a:fillRect/>
+          </a:stretch>
+        </p:blipFill>
+        <p:spPr>
+          <a:xfrm>
+            <a:off x="0" y="1674306"/>
+            <a:ext cx="9145560" cy="5183694"/>
+          </a:xfrm>
+          <a:prstGeom prst="rect">
+            <a:avLst/>
+          </a:prstGeom>
+        </p:spPr>
+      </p:pic>
     </p:spTree>
     <p:extLst>
       <p:ext uri="{BB962C8B-B14F-4D97-AF65-F5344CB8AC3E}">
@@ -9243,7 +9979,7 @@
 </p:sld>
 </file>
 
-<file path=ppt/slides/slide6.xml><?xml version="1.0" encoding="utf-8"?>
+<file path=ppt/slides/slide8.xml><?xml version="1.0" encoding="utf-8"?>
 <p:sld xmlns:a="http://schemas.openxmlformats.org/drawingml/2006/main" xmlns:r="http://schemas.openxmlformats.org/officeDocument/2006/relationships" xmlns:p="http://schemas.openxmlformats.org/presentationml/2006/main">
   <p:cSld>
     <p:spTree>
@@ -9260,53 +9996,52 @@
           <a:chExt cx="0" cy="0"/>
         </a:xfrm>
       </p:grpSpPr>
-      <p:cxnSp>
-        <p:nvCxnSpPr>
-          <p:cNvPr id="2" name="직선 연결선 1"/>
-          <p:cNvCxnSpPr/>
-          <p:nvPr/>
-        </p:nvCxnSpPr>
-        <p:spPr>
-          <a:xfrm>
-            <a:off x="179512" y="908720"/>
-            <a:ext cx="8784976" cy="0"/>
-          </a:xfrm>
-          <a:prstGeom prst="line">
-            <a:avLst/>
-          </a:prstGeom>
-          <a:ln w="19050">
-            <a:solidFill>
-              <a:schemeClr val="accent6">
-                <a:lumMod val="75000"/>
-              </a:schemeClr>
-            </a:solidFill>
-          </a:ln>
-        </p:spPr>
-        <p:style>
-          <a:lnRef idx="1">
-            <a:schemeClr val="accent1"/>
-          </a:lnRef>
-          <a:fillRef idx="0">
-            <a:schemeClr val="accent1"/>
-          </a:fillRef>
-          <a:effectRef idx="0">
-            <a:schemeClr val="accent1"/>
-          </a:effectRef>
-          <a:fontRef idx="minor">
-            <a:schemeClr val="tx1"/>
-          </a:fontRef>
-        </p:style>
-      </p:cxnSp>
-      <p:sp>
-        <p:nvSpPr>
-          <p:cNvPr id="8" name="TextBox 7"/>
+      <p:sp>
+        <p:nvSpPr>
+          <p:cNvPr id="4" name="슬라이드 번호 개체 틀 3">
+            <a:extLst>
+              <a:ext uri="{FF2B5EF4-FFF2-40B4-BE49-F238E27FC236}">
+                <a16:creationId xmlns:a16="http://schemas.microsoft.com/office/drawing/2014/main" id="{0A8A5FDF-EE02-C1E4-D5F8-B78F51F1C614}"/>
+              </a:ext>
+            </a:extLst>
+          </p:cNvPr>
+          <p:cNvSpPr>
+            <a:spLocks noGrp="1"/>
+          </p:cNvSpPr>
+          <p:nvPr>
+            <p:ph type="sldNum" sz="quarter" idx="12"/>
+          </p:nvPr>
+        </p:nvSpPr>
+        <p:spPr/>
+        <p:txBody>
+          <a:bodyPr/>
+          <a:lstStyle/>
+          <a:p>
+            <a:fld id="{10230FE5-3BAE-4443-96A1-370C1FED1CD3}" type="slidenum">
+              <a:rPr lang="ko-KR" altLang="en-US" smtClean="0"/>
+              <a:pPr/>
+              <a:t>8</a:t>
+            </a:fld>
+            <a:endParaRPr lang="ko-KR" altLang="en-US" dirty="0"/>
+          </a:p>
+        </p:txBody>
+      </p:sp>
+      <p:sp>
+        <p:nvSpPr>
+          <p:cNvPr id="5" name="TextBox 4">
+            <a:extLst>
+              <a:ext uri="{FF2B5EF4-FFF2-40B4-BE49-F238E27FC236}">
+                <a16:creationId xmlns:a16="http://schemas.microsoft.com/office/drawing/2014/main" id="{F519F103-FD9B-0EDA-CDD4-F16294F337A5}"/>
+              </a:ext>
+            </a:extLst>
+          </p:cNvPr>
           <p:cNvSpPr txBox="1"/>
           <p:nvPr/>
         </p:nvSpPr>
         <p:spPr>
           <a:xfrm>
             <a:off x="585402" y="188640"/>
-            <a:ext cx="4245073" cy="584775"/>
+            <a:ext cx="2869696" cy="584775"/>
           </a:xfrm>
           <a:prstGeom prst="rect">
             <a:avLst/>
@@ -9337,7 +10072,7 @@
                   </a:schemeClr>
                 </a:solidFill>
               </a:rPr>
-              <a:t>프로젝트 전체 일정</a:t>
+              <a:t>시스템 설계</a:t>
             </a:r>
             <a:endParaRPr lang="ko-KR" altLang="en-US" sz="2400" b="1" dirty="0">
               <a:solidFill>
@@ -9351,14 +10086,20 @@
       </p:sp>
       <p:sp>
         <p:nvSpPr>
-          <p:cNvPr id="136" name="TextBox 135"/>
+          <p:cNvPr id="6" name="TextBox 5">
+            <a:extLst>
+              <a:ext uri="{FF2B5EF4-FFF2-40B4-BE49-F238E27FC236}">
+                <a16:creationId xmlns:a16="http://schemas.microsoft.com/office/drawing/2014/main" id="{A5B7DA3D-C11E-374C-2F60-60B9A931255F}"/>
+              </a:ext>
+            </a:extLst>
+          </p:cNvPr>
           <p:cNvSpPr txBox="1"/>
           <p:nvPr/>
         </p:nvSpPr>
         <p:spPr>
           <a:xfrm>
-            <a:off x="323528" y="1196752"/>
-            <a:ext cx="8258992" cy="646331"/>
+            <a:off x="683568" y="1268760"/>
+            <a:ext cx="4579074" cy="1200329"/>
           </a:xfrm>
           <a:prstGeom prst="rect">
             <a:avLst/>
@@ -9371,6 +10112,10 @@
           </a:bodyPr>
           <a:lstStyle/>
           <a:p>
+            <a:pPr>
+              <a:buFont typeface="Arial" pitchFamily="34" charset="0"/>
+              <a:buChar char="•"/>
+            </a:pPr>
             <a:r>
               <a:rPr lang="ko-KR" altLang="en-US" b="1" dirty="0">
                 <a:solidFill>
@@ -9379,7 +10124,26 @@
                   </a:schemeClr>
                 </a:solidFill>
               </a:rPr>
-              <a:t>정보수집 등 해결방안</a:t>
+              <a:t> 기능 상세 설계</a:t>
+            </a:r>
+            <a:endParaRPr lang="en-US" altLang="ko-KR" b="1" dirty="0">
+              <a:solidFill>
+                <a:schemeClr val="tx2">
+                  <a:lumMod val="50000"/>
+                </a:schemeClr>
+              </a:solidFill>
+            </a:endParaRPr>
+          </a:p>
+          <a:p>
+            <a:r>
+              <a:rPr lang="ko-KR" altLang="en-US" b="1" dirty="0">
+                <a:solidFill>
+                  <a:schemeClr val="tx2">
+                    <a:lumMod val="50000"/>
+                  </a:schemeClr>
+                </a:solidFill>
+              </a:rPr>
+              <a:t>  </a:t>
             </a:r>
             <a:r>
               <a:rPr lang="en-US" altLang="ko-KR" b="1" dirty="0">
@@ -9389,7 +10153,7 @@
                   </a:schemeClr>
                 </a:solidFill>
               </a:rPr>
-              <a:t>(</a:t>
+              <a:t>-</a:t>
             </a:r>
             <a:r>
               <a:rPr lang="ko-KR" altLang="en-US" b="1" dirty="0">
@@ -9399,7 +10163,7 @@
                   </a:schemeClr>
                 </a:solidFill>
               </a:rPr>
-              <a:t>솔루션</a:t>
+              <a:t> 기능별 </a:t>
             </a:r>
             <a:r>
               <a:rPr lang="en-US" altLang="ko-KR" b="1" dirty="0">
@@ -9409,7 +10173,7 @@
                   </a:schemeClr>
                 </a:solidFill>
               </a:rPr>
-              <a:t>) </a:t>
+              <a:t>web </a:t>
             </a:r>
             <a:r>
               <a:rPr lang="ko-KR" altLang="en-US" b="1" dirty="0">
@@ -9419,8 +10183,17 @@
                   </a:schemeClr>
                 </a:solidFill>
               </a:rPr>
-              <a:t>활동</a:t>
-            </a:r>
+              <a:t>화면</a:t>
+            </a:r>
+            <a:endParaRPr lang="en-US" altLang="ko-KR" b="1" dirty="0">
+              <a:solidFill>
+                <a:schemeClr val="tx2">
+                  <a:lumMod val="50000"/>
+                </a:schemeClr>
+              </a:solidFill>
+            </a:endParaRPr>
+          </a:p>
+          <a:p>
             <a:r>
               <a:rPr lang="en-US" altLang="ko-KR" b="1" dirty="0">
                 <a:solidFill>
@@ -9429,7 +10202,7 @@
                   </a:schemeClr>
                 </a:solidFill>
               </a:rPr>
-              <a:t>, </a:t>
+              <a:t>  - </a:t>
             </a:r>
             <a:r>
               <a:rPr lang="ko-KR" altLang="en-US" b="1" dirty="0">
@@ -9439,7 +10212,7 @@
                   </a:schemeClr>
                 </a:solidFill>
               </a:rPr>
-              <a:t>해결방안 확정</a:t>
+              <a:t>테이블 </a:t>
             </a:r>
             <a:r>
               <a:rPr lang="en-US" altLang="ko-KR" b="1" dirty="0">
@@ -9449,7 +10222,7 @@
                   </a:schemeClr>
                 </a:solidFill>
               </a:rPr>
-              <a:t>, </a:t>
+              <a:t>ERD</a:t>
             </a:r>
             <a:r>
               <a:rPr lang="ko-KR" altLang="en-US" b="1" dirty="0">
@@ -9459,329 +10232,7 @@
                   </a:schemeClr>
                 </a:solidFill>
               </a:rPr>
-              <a:t>설계</a:t>
-            </a:r>
-            <a:r>
-              <a:rPr lang="en-US" altLang="ko-KR" b="1" dirty="0">
-                <a:solidFill>
-                  <a:schemeClr val="tx2">
-                    <a:lumMod val="50000"/>
-                  </a:schemeClr>
-                </a:solidFill>
-              </a:rPr>
-              <a:t>(</a:t>
-            </a:r>
-            <a:r>
-              <a:rPr lang="ko-KR" altLang="en-US" b="1" dirty="0">
-                <a:solidFill>
-                  <a:schemeClr val="tx2">
-                    <a:lumMod val="50000"/>
-                  </a:schemeClr>
-                </a:solidFill>
-              </a:rPr>
-              <a:t>기본설계</a:t>
-            </a:r>
-            <a:r>
-              <a:rPr lang="en-US" altLang="ko-KR" b="1" dirty="0">
-                <a:solidFill>
-                  <a:schemeClr val="tx2">
-                    <a:lumMod val="50000"/>
-                  </a:schemeClr>
-                </a:solidFill>
-              </a:rPr>
-              <a:t>, </a:t>
-            </a:r>
-            <a:r>
-              <a:rPr lang="ko-KR" altLang="en-US" b="1" dirty="0">
-                <a:solidFill>
-                  <a:schemeClr val="tx2">
-                    <a:lumMod val="50000"/>
-                  </a:schemeClr>
-                </a:solidFill>
-              </a:rPr>
-              <a:t>상세설계</a:t>
-            </a:r>
-            <a:r>
-              <a:rPr lang="en-US" altLang="ko-KR" b="1" dirty="0">
-                <a:solidFill>
-                  <a:schemeClr val="tx2">
-                    <a:lumMod val="50000"/>
-                  </a:schemeClr>
-                </a:solidFill>
-              </a:rPr>
-              <a:t>),</a:t>
-            </a:r>
-          </a:p>
-          <a:p>
-            <a:r>
-              <a:rPr lang="ko-KR" altLang="en-US" b="1" dirty="0">
-                <a:solidFill>
-                  <a:schemeClr val="tx2">
-                    <a:lumMod val="50000"/>
-                  </a:schemeClr>
-                </a:solidFill>
-              </a:rPr>
-              <a:t>시스템 구현</a:t>
-            </a:r>
-            <a:r>
-              <a:rPr lang="en-US" altLang="ko-KR" b="1" dirty="0">
-                <a:solidFill>
-                  <a:schemeClr val="tx2">
-                    <a:lumMod val="50000"/>
-                  </a:schemeClr>
-                </a:solidFill>
-              </a:rPr>
-              <a:t>, </a:t>
-            </a:r>
-            <a:r>
-              <a:rPr lang="ko-KR" altLang="en-US" b="1" dirty="0">
-                <a:solidFill>
-                  <a:schemeClr val="tx2">
-                    <a:lumMod val="50000"/>
-                  </a:schemeClr>
-                </a:solidFill>
-              </a:rPr>
-              <a:t>테스트 등 전체 추진 일정 작성 </a:t>
-            </a:r>
-            <a:r>
-              <a:rPr lang="en-US" altLang="ko-KR" b="1" dirty="0">
-                <a:solidFill>
-                  <a:schemeClr val="tx2">
-                    <a:lumMod val="50000"/>
-                  </a:schemeClr>
-                </a:solidFill>
-              </a:rPr>
-              <a:t>(1~2 page)</a:t>
-            </a:r>
-          </a:p>
-        </p:txBody>
-      </p:sp>
-      <p:pic>
-        <p:nvPicPr>
-          <p:cNvPr id="3" name="그림 2">
-            <a:extLst>
-              <a:ext uri="{FF2B5EF4-FFF2-40B4-BE49-F238E27FC236}">
-                <a16:creationId xmlns:a16="http://schemas.microsoft.com/office/drawing/2014/main" id="{49B73C06-BE4D-655E-D3DD-CD2DF5C8853C}"/>
-              </a:ext>
-            </a:extLst>
-          </p:cNvPr>
-          <p:cNvPicPr>
-            <a:picLocks noChangeAspect="1"/>
-          </p:cNvPicPr>
-          <p:nvPr/>
-        </p:nvPicPr>
-        <p:blipFill>
-          <a:blip r:embed="rId3"/>
-          <a:stretch>
-            <a:fillRect/>
-          </a:stretch>
-        </p:blipFill>
-        <p:spPr>
-          <a:xfrm>
-            <a:off x="899592" y="2276872"/>
-            <a:ext cx="6781222" cy="3960440"/>
-          </a:xfrm>
-          <a:prstGeom prst="rect">
-            <a:avLst/>
-          </a:prstGeom>
-        </p:spPr>
-      </p:pic>
-      <p:sp>
-        <p:nvSpPr>
-          <p:cNvPr id="4" name="TextBox 3">
-            <a:extLst>
-              <a:ext uri="{FF2B5EF4-FFF2-40B4-BE49-F238E27FC236}">
-                <a16:creationId xmlns:a16="http://schemas.microsoft.com/office/drawing/2014/main" id="{CE2934D6-8FD6-00A0-09F8-708F534DF48C}"/>
-              </a:ext>
-            </a:extLst>
-          </p:cNvPr>
-          <p:cNvSpPr txBox="1"/>
-          <p:nvPr/>
-        </p:nvSpPr>
-        <p:spPr>
-          <a:xfrm>
-            <a:off x="8100392" y="4645586"/>
-            <a:ext cx="646331" cy="369332"/>
-          </a:xfrm>
-          <a:prstGeom prst="rect">
-            <a:avLst/>
-          </a:prstGeom>
-          <a:noFill/>
-        </p:spPr>
-        <p:txBody>
-          <a:bodyPr wrap="none" rtlCol="0">
-            <a:spAutoFit/>
-          </a:bodyPr>
-          <a:lstStyle/>
-          <a:p>
-            <a:r>
-              <a:rPr lang="ko-KR" altLang="en-US" b="1" dirty="0">
-                <a:solidFill>
-                  <a:srgbClr val="FF0000"/>
-                </a:solidFill>
-              </a:rPr>
-              <a:t>예시</a:t>
-            </a:r>
-          </a:p>
-        </p:txBody>
-      </p:sp>
-    </p:spTree>
-    <p:extLst>
-      <p:ext uri="{BB962C8B-B14F-4D97-AF65-F5344CB8AC3E}">
-        <p14:creationId xmlns:p14="http://schemas.microsoft.com/office/powerpoint/2010/main" val="4281779000"/>
-      </p:ext>
-    </p:extLst>
-  </p:cSld>
-  <p:clrMapOvr>
-    <a:masterClrMapping/>
-  </p:clrMapOvr>
-</p:sld>
-</file>
-
-<file path=ppt/slides/slide7.xml><?xml version="1.0" encoding="utf-8"?>
-<p:sld xmlns:a="http://schemas.openxmlformats.org/drawingml/2006/main" xmlns:r="http://schemas.openxmlformats.org/officeDocument/2006/relationships" xmlns:p="http://schemas.openxmlformats.org/presentationml/2006/main">
-  <p:cSld>
-    <p:spTree>
-      <p:nvGrpSpPr>
-        <p:cNvPr id="1" name=""/>
-        <p:cNvGrpSpPr/>
-        <p:nvPr/>
-      </p:nvGrpSpPr>
-      <p:grpSpPr>
-        <a:xfrm>
-          <a:off x="0" y="0"/>
-          <a:ext cx="0" cy="0"/>
-          <a:chOff x="0" y="0"/>
-          <a:chExt cx="0" cy="0"/>
-        </a:xfrm>
-      </p:grpSpPr>
-      <p:sp>
-        <p:nvSpPr>
-          <p:cNvPr id="4" name="TextBox 3"/>
-          <p:cNvSpPr txBox="1"/>
-          <p:nvPr/>
-        </p:nvSpPr>
-        <p:spPr>
-          <a:xfrm>
-            <a:off x="585402" y="188640"/>
-            <a:ext cx="4943982" cy="584775"/>
-          </a:xfrm>
-          <a:prstGeom prst="rect">
-            <a:avLst/>
-          </a:prstGeom>
-          <a:noFill/>
-        </p:spPr>
-        <p:txBody>
-          <a:bodyPr wrap="none" rtlCol="0">
-            <a:spAutoFit/>
-          </a:bodyPr>
-          <a:lstStyle/>
-          <a:p>
-            <a:r>
-              <a:rPr lang="en-US" altLang="ko-KR" sz="3200" b="1" dirty="0">
-                <a:solidFill>
-                  <a:schemeClr val="tx2">
-                    <a:lumMod val="75000"/>
-                  </a:schemeClr>
-                </a:solidFill>
-              </a:rPr>
-              <a:t>5</a:t>
-            </a:r>
-            <a:r>
-              <a:rPr lang="en-US" altLang="ko-KR" sz="3200" b="1">
-                <a:solidFill>
-                  <a:schemeClr val="tx2">
-                    <a:lumMod val="75000"/>
-                  </a:schemeClr>
-                </a:solidFill>
-              </a:rPr>
-              <a:t>. </a:t>
-            </a:r>
-            <a:r>
-              <a:rPr lang="ko-KR" altLang="en-US" sz="3200" b="1">
-                <a:solidFill>
-                  <a:schemeClr val="tx2">
-                    <a:lumMod val="75000"/>
-                  </a:schemeClr>
-                </a:solidFill>
-              </a:rPr>
-              <a:t>팀원 </a:t>
-            </a:r>
-            <a:r>
-              <a:rPr lang="ko-KR" altLang="en-US" sz="3200" b="1" dirty="0">
-                <a:solidFill>
-                  <a:schemeClr val="tx2">
-                    <a:lumMod val="75000"/>
-                  </a:schemeClr>
-                </a:solidFill>
-              </a:rPr>
-              <a:t>역할 및 활동 내용</a:t>
-            </a:r>
-            <a:endParaRPr lang="ko-KR" altLang="en-US" sz="2400" b="1" dirty="0">
-              <a:solidFill>
-                <a:schemeClr val="tx2">
-                  <a:lumMod val="75000"/>
-                </a:schemeClr>
-              </a:solidFill>
-            </a:endParaRPr>
-          </a:p>
-        </p:txBody>
-      </p:sp>
-      <p:sp>
-        <p:nvSpPr>
-          <p:cNvPr id="26" name="TextBox 25"/>
-          <p:cNvSpPr txBox="1"/>
-          <p:nvPr/>
-        </p:nvSpPr>
-        <p:spPr>
-          <a:xfrm>
-            <a:off x="899592" y="1124744"/>
-            <a:ext cx="3607078" cy="646331"/>
-          </a:xfrm>
-          <a:prstGeom prst="rect">
-            <a:avLst/>
-          </a:prstGeom>
-          <a:noFill/>
-        </p:spPr>
-        <p:txBody>
-          <a:bodyPr wrap="none" rtlCol="0">
-            <a:spAutoFit/>
-          </a:bodyPr>
-          <a:lstStyle/>
-          <a:p>
-            <a:pPr>
-              <a:buFont typeface="Arial" pitchFamily="34" charset="0"/>
-              <a:buChar char="•"/>
-            </a:pPr>
-            <a:r>
-              <a:rPr lang="ko-KR" altLang="en-US" b="1" dirty="0">
-                <a:solidFill>
-                  <a:schemeClr val="tx2">
-                    <a:lumMod val="50000"/>
-                  </a:schemeClr>
-                </a:solidFill>
-              </a:rPr>
-              <a:t> </a:t>
-            </a:r>
-            <a:r>
-              <a:rPr lang="ko-KR" altLang="en-US" b="1" dirty="0" err="1">
-                <a:solidFill>
-                  <a:schemeClr val="tx2">
-                    <a:lumMod val="50000"/>
-                  </a:schemeClr>
-                </a:solidFill>
-              </a:rPr>
-              <a:t>팀원별</a:t>
-            </a:r>
-            <a:r>
-              <a:rPr lang="ko-KR" altLang="en-US" b="1" dirty="0">
-                <a:solidFill>
-                  <a:schemeClr val="tx2">
-                    <a:lumMod val="50000"/>
-                  </a:schemeClr>
-                </a:solidFill>
-              </a:rPr>
-              <a:t> 역할 및 활동 내용 기술 </a:t>
+              <a:t>등</a:t>
             </a:r>
             <a:endParaRPr lang="en-US" altLang="ko-KR" b="1" dirty="0">
               <a:solidFill>
@@ -9814,7 +10265,7 @@
                   </a:schemeClr>
                 </a:solidFill>
               </a:rPr>
-              <a:t>최소 </a:t>
+              <a:t>시스템 구축 환경 </a:t>
             </a:r>
             <a:r>
               <a:rPr lang="en-US" altLang="ko-KR" b="1" dirty="0">
@@ -9824,7 +10275,7 @@
                   </a:schemeClr>
                 </a:solidFill>
               </a:rPr>
-              <a:t>1 </a:t>
+              <a:t>(HW </a:t>
             </a:r>
             <a:r>
               <a:rPr lang="ko-KR" altLang="en-US" b="1" dirty="0">
@@ -9834,14 +10285,30 @@
                   </a:schemeClr>
                 </a:solidFill>
               </a:rPr>
-              <a:t>페이지</a:t>
+              <a:t>및</a:t>
+            </a:r>
+            <a:r>
+              <a:rPr lang="en-US" altLang="ko-KR" b="1" dirty="0">
+                <a:solidFill>
+                  <a:schemeClr val="tx2">
+                    <a:lumMod val="50000"/>
+                  </a:schemeClr>
+                </a:solidFill>
+              </a:rPr>
+              <a:t> SW platform)</a:t>
             </a:r>
           </a:p>
         </p:txBody>
       </p:sp>
       <p:cxnSp>
         <p:nvCxnSpPr>
-          <p:cNvPr id="31" name="직선 연결선 30"/>
+          <p:cNvPr id="7" name="직선 연결선 30">
+            <a:extLst>
+              <a:ext uri="{FF2B5EF4-FFF2-40B4-BE49-F238E27FC236}">
+                <a16:creationId xmlns:a16="http://schemas.microsoft.com/office/drawing/2014/main" id="{70C27E98-5473-57C0-AC5C-89D150B46E59}"/>
+              </a:ext>
+            </a:extLst>
+          </p:cNvPr>
           <p:cNvCxnSpPr/>
           <p:nvPr/>
         </p:nvCxnSpPr>
@@ -9879,7 +10346,7 @@
     </p:spTree>
     <p:extLst>
       <p:ext uri="{BB962C8B-B14F-4D97-AF65-F5344CB8AC3E}">
-        <p14:creationId xmlns:p14="http://schemas.microsoft.com/office/powerpoint/2010/main" val="798409213"/>
+        <p14:creationId xmlns:p14="http://schemas.microsoft.com/office/powerpoint/2010/main" val="3461392663"/>
       </p:ext>
     </p:extLst>
   </p:cSld>
@@ -9889,7 +10356,7 @@
 </p:sld>
 </file>
 
-<file path=ppt/slides/slide8.xml><?xml version="1.0" encoding="utf-8"?>
+<file path=ppt/slides/slide9.xml><?xml version="1.0" encoding="utf-8"?>
 <p:sld xmlns:a="http://schemas.openxmlformats.org/drawingml/2006/main" xmlns:r="http://schemas.openxmlformats.org/officeDocument/2006/relationships" xmlns:p="http://schemas.openxmlformats.org/presentationml/2006/main">
   <p:cSld>
     <p:spTree>
@@ -9906,9 +10373,45 @@
           <a:chExt cx="0" cy="0"/>
         </a:xfrm>
       </p:grpSpPr>
+      <p:sp>
+        <p:nvSpPr>
+          <p:cNvPr id="4" name="슬라이드 번호 개체 틀 3">
+            <a:extLst>
+              <a:ext uri="{FF2B5EF4-FFF2-40B4-BE49-F238E27FC236}">
+                <a16:creationId xmlns:a16="http://schemas.microsoft.com/office/drawing/2014/main" id="{BB603C27-7BFB-FE44-3436-F637C5847962}"/>
+              </a:ext>
+            </a:extLst>
+          </p:cNvPr>
+          <p:cNvSpPr>
+            <a:spLocks noGrp="1"/>
+          </p:cNvSpPr>
+          <p:nvPr>
+            <p:ph type="sldNum" sz="quarter" idx="12"/>
+          </p:nvPr>
+        </p:nvSpPr>
+        <p:spPr/>
+        <p:txBody>
+          <a:bodyPr/>
+          <a:lstStyle/>
+          <a:p>
+            <a:fld id="{10230FE5-3BAE-4443-96A1-370C1FED1CD3}" type="slidenum">
+              <a:rPr lang="ko-KR" altLang="en-US" smtClean="0"/>
+              <a:pPr/>
+              <a:t>9</a:t>
+            </a:fld>
+            <a:endParaRPr lang="ko-KR" altLang="en-US" dirty="0"/>
+          </a:p>
+        </p:txBody>
+      </p:sp>
       <p:cxnSp>
         <p:nvCxnSpPr>
-          <p:cNvPr id="2" name="직선 연결선 1"/>
+          <p:cNvPr id="5" name="직선 연결선 1">
+            <a:extLst>
+              <a:ext uri="{FF2B5EF4-FFF2-40B4-BE49-F238E27FC236}">
+                <a16:creationId xmlns:a16="http://schemas.microsoft.com/office/drawing/2014/main" id="{1ABEC266-B610-8FCD-CBCE-F5847B2A4E1A}"/>
+              </a:ext>
+            </a:extLst>
+          </p:cNvPr>
           <p:cNvCxnSpPr/>
           <p:nvPr/>
         </p:nvCxnSpPr>
@@ -9945,7 +10448,13 @@
       </p:cxnSp>
       <p:sp>
         <p:nvSpPr>
-          <p:cNvPr id="8" name="TextBox 7"/>
+          <p:cNvPr id="6" name="TextBox 5">
+            <a:extLst>
+              <a:ext uri="{FF2B5EF4-FFF2-40B4-BE49-F238E27FC236}">
+                <a16:creationId xmlns:a16="http://schemas.microsoft.com/office/drawing/2014/main" id="{4DD47100-BD40-7F99-21E8-21E2D640E972}"/>
+              </a:ext>
+            </a:extLst>
+          </p:cNvPr>
           <p:cNvSpPr txBox="1"/>
           <p:nvPr/>
         </p:nvSpPr>
@@ -9969,21 +10478,21 @@
               <a:rPr lang="en-US" altLang="ko-KR" sz="3200" b="1" dirty="0">
                 <a:solidFill>
                   <a:schemeClr val="tx2">
-                    <a:lumMod val="50000"/>
+                    <a:lumMod val="75000"/>
                   </a:schemeClr>
                 </a:solidFill>
               </a:rPr>
-              <a:t>6. </a:t>
+              <a:t>4. </a:t>
             </a:r>
             <a:r>
               <a:rPr lang="ko-KR" altLang="en-US" sz="3200" b="1" dirty="0">
                 <a:solidFill>
                   <a:schemeClr val="tx2">
-                    <a:lumMod val="50000"/>
+                    <a:lumMod val="75000"/>
                   </a:schemeClr>
                 </a:solidFill>
               </a:rPr>
-              <a:t>프로젝트 수행 소감</a:t>
+              <a:t>프로젝트 전체 일정</a:t>
             </a:r>
             <a:endParaRPr lang="ko-KR" altLang="en-US" sz="2400" b="1" dirty="0">
               <a:solidFill>
@@ -9995,72 +10504,2314 @@
           </a:p>
         </p:txBody>
       </p:sp>
-      <p:sp>
-        <p:nvSpPr>
-          <p:cNvPr id="136" name="TextBox 135"/>
-          <p:cNvSpPr txBox="1"/>
-          <p:nvPr/>
-        </p:nvSpPr>
-        <p:spPr>
-          <a:xfrm>
-            <a:off x="323528" y="1196752"/>
-            <a:ext cx="3661580" cy="369332"/>
-          </a:xfrm>
-          <a:prstGeom prst="rect">
-            <a:avLst/>
-          </a:prstGeom>
-          <a:noFill/>
-        </p:spPr>
-        <p:txBody>
-          <a:bodyPr wrap="none" rtlCol="0">
-            <a:spAutoFit/>
-          </a:bodyPr>
-          <a:lstStyle/>
-          <a:p>
-            <a:r>
-              <a:rPr lang="ko-KR" altLang="en-US" b="1" dirty="0">
-                <a:solidFill>
-                  <a:schemeClr val="tx2">
-                    <a:lumMod val="50000"/>
-                  </a:schemeClr>
-                </a:solidFill>
-              </a:rPr>
-              <a:t>프로젝트 수행하면서 </a:t>
-            </a:r>
-            <a:r>
-              <a:rPr lang="ko-KR" altLang="en-US" b="1" dirty="0" err="1">
-                <a:solidFill>
-                  <a:schemeClr val="tx2">
-                    <a:lumMod val="50000"/>
-                  </a:schemeClr>
-                </a:solidFill>
-              </a:rPr>
-              <a:t>느낀점</a:t>
-            </a:r>
-            <a:r>
-              <a:rPr lang="ko-KR" altLang="en-US" b="1" dirty="0">
-                <a:solidFill>
-                  <a:schemeClr val="tx2">
-                    <a:lumMod val="50000"/>
-                  </a:schemeClr>
-                </a:solidFill>
-              </a:rPr>
-              <a:t> 기술</a:t>
-            </a:r>
-            <a:endParaRPr lang="en-US" altLang="ko-KR" b="1" dirty="0">
-              <a:solidFill>
-                <a:schemeClr val="tx2">
-                  <a:lumMod val="50000"/>
-                </a:schemeClr>
-              </a:solidFill>
-            </a:endParaRPr>
-          </a:p>
-        </p:txBody>
-      </p:sp>
+      <p:graphicFrame>
+        <p:nvGraphicFramePr>
+          <p:cNvPr id="2" name="표 1">
+            <a:extLst>
+              <a:ext uri="{FF2B5EF4-FFF2-40B4-BE49-F238E27FC236}">
+                <a16:creationId xmlns:a16="http://schemas.microsoft.com/office/drawing/2014/main" id="{FDEF17F2-ABDD-BF5A-A184-F3BA9AAB6F03}"/>
+              </a:ext>
+            </a:extLst>
+          </p:cNvPr>
+          <p:cNvGraphicFramePr>
+            <a:graphicFrameLocks noGrp="1"/>
+          </p:cNvGraphicFramePr>
+          <p:nvPr>
+            <p:extLst>
+              <p:ext uri="{D42A27DB-BD31-4B8C-83A1-F6EECF244321}">
+                <p14:modId xmlns:p14="http://schemas.microsoft.com/office/powerpoint/2010/main" val="3789171181"/>
+              </p:ext>
+            </p:extLst>
+          </p:nvPr>
+        </p:nvGraphicFramePr>
+        <p:xfrm>
+          <a:off x="683568" y="1340766"/>
+          <a:ext cx="7848869" cy="4752517"/>
+        </p:xfrm>
+        <a:graphic>
+          <a:graphicData uri="http://schemas.openxmlformats.org/drawingml/2006/table">
+            <a:tbl>
+              <a:tblPr firstRow="1" bandRow="1">
+                <a:tableStyleId>{5C22544A-7EE6-4342-B048-85BDC9FD1C3A}</a:tableStyleId>
+              </a:tblPr>
+              <a:tblGrid>
+                <a:gridCol w="1121267">
+                  <a:extLst>
+                    <a:ext uri="{9D8B030D-6E8A-4147-A177-3AD203B41FA5}">
+                      <a16:colId xmlns:a16="http://schemas.microsoft.com/office/drawing/2014/main" val="2988394317"/>
+                    </a:ext>
+                  </a:extLst>
+                </a:gridCol>
+                <a:gridCol w="1121267">
+                  <a:extLst>
+                    <a:ext uri="{9D8B030D-6E8A-4147-A177-3AD203B41FA5}">
+                      <a16:colId xmlns:a16="http://schemas.microsoft.com/office/drawing/2014/main" val="400065549"/>
+                    </a:ext>
+                  </a:extLst>
+                </a:gridCol>
+                <a:gridCol w="1121267">
+                  <a:extLst>
+                    <a:ext uri="{9D8B030D-6E8A-4147-A177-3AD203B41FA5}">
+                      <a16:colId xmlns:a16="http://schemas.microsoft.com/office/drawing/2014/main" val="2810885687"/>
+                    </a:ext>
+                  </a:extLst>
+                </a:gridCol>
+                <a:gridCol w="1121267">
+                  <a:extLst>
+                    <a:ext uri="{9D8B030D-6E8A-4147-A177-3AD203B41FA5}">
+                      <a16:colId xmlns:a16="http://schemas.microsoft.com/office/drawing/2014/main" val="3235470092"/>
+                    </a:ext>
+                  </a:extLst>
+                </a:gridCol>
+                <a:gridCol w="1121267">
+                  <a:extLst>
+                    <a:ext uri="{9D8B030D-6E8A-4147-A177-3AD203B41FA5}">
+                      <a16:colId xmlns:a16="http://schemas.microsoft.com/office/drawing/2014/main" val="449407477"/>
+                    </a:ext>
+                  </a:extLst>
+                </a:gridCol>
+                <a:gridCol w="1121267">
+                  <a:extLst>
+                    <a:ext uri="{9D8B030D-6E8A-4147-A177-3AD203B41FA5}">
+                      <a16:colId xmlns:a16="http://schemas.microsoft.com/office/drawing/2014/main" val="2914157657"/>
+                    </a:ext>
+                  </a:extLst>
+                </a:gridCol>
+                <a:gridCol w="1121267">
+                  <a:extLst>
+                    <a:ext uri="{9D8B030D-6E8A-4147-A177-3AD203B41FA5}">
+                      <a16:colId xmlns:a16="http://schemas.microsoft.com/office/drawing/2014/main" val="2886493533"/>
+                    </a:ext>
+                  </a:extLst>
+                </a:gridCol>
+              </a:tblGrid>
+              <a:tr h="678931">
+                <a:tc>
+                  <a:txBody>
+                    <a:bodyPr/>
+                    <a:lstStyle/>
+                    <a:p>
+                      <a:pPr algn="ctr" latinLnBrk="1"/>
+                      <a:r>
+                        <a:rPr lang="ko-KR" altLang="en-US" sz="1000" dirty="0">
+                          <a:solidFill>
+                            <a:schemeClr val="bg1"/>
+                          </a:solidFill>
+                        </a:rPr>
+                        <a:t>구분</a:t>
+                      </a:r>
+                    </a:p>
+                  </a:txBody>
+                  <a:tcPr anchor="ctr">
+                    <a:lnL w="12700" cap="flat" cmpd="sng" algn="ctr">
+                      <a:noFill/>
+                      <a:prstDash val="solid"/>
+                      <a:round/>
+                      <a:headEnd type="none" w="med" len="med"/>
+                      <a:tailEnd type="none" w="med" len="med"/>
+                    </a:lnL>
+                    <a:lnR w="12700" cap="flat" cmpd="sng" algn="ctr">
+                      <a:noFill/>
+                      <a:prstDash val="solid"/>
+                      <a:round/>
+                      <a:headEnd type="none" w="med" len="med"/>
+                      <a:tailEnd type="none" w="med" len="med"/>
+                    </a:lnR>
+                    <a:lnT w="12700" cap="flat" cmpd="sng" algn="ctr">
+                      <a:noFill/>
+                      <a:prstDash val="solid"/>
+                      <a:round/>
+                      <a:headEnd type="none" w="med" len="med"/>
+                      <a:tailEnd type="none" w="med" len="med"/>
+                    </a:lnT>
+                    <a:lnB w="12700" cap="flat" cmpd="sng" algn="ctr">
+                      <a:noFill/>
+                      <a:prstDash val="solid"/>
+                      <a:round/>
+                      <a:headEnd type="none" w="med" len="med"/>
+                      <a:tailEnd type="none" w="med" len="med"/>
+                    </a:lnB>
+                    <a:solidFill>
+                      <a:schemeClr val="tx1"/>
+                    </a:solidFill>
+                  </a:tcPr>
+                </a:tc>
+                <a:tc>
+                  <a:txBody>
+                    <a:bodyPr/>
+                    <a:lstStyle/>
+                    <a:p>
+                      <a:pPr algn="ctr" latinLnBrk="1"/>
+                      <a:r>
+                        <a:rPr lang="ko-KR" altLang="en-US" sz="1000" dirty="0">
+                          <a:solidFill>
+                            <a:schemeClr val="bg1"/>
+                          </a:solidFill>
+                        </a:rPr>
+                        <a:t>활동</a:t>
+                      </a:r>
+                    </a:p>
+                  </a:txBody>
+                  <a:tcPr anchor="ctr">
+                    <a:lnL w="12700" cap="flat" cmpd="sng" algn="ctr">
+                      <a:noFill/>
+                      <a:prstDash val="solid"/>
+                      <a:round/>
+                      <a:headEnd type="none" w="med" len="med"/>
+                      <a:tailEnd type="none" w="med" len="med"/>
+                    </a:lnL>
+                    <a:lnR w="12700" cap="flat" cmpd="sng" algn="ctr">
+                      <a:noFill/>
+                      <a:prstDash val="solid"/>
+                      <a:round/>
+                      <a:headEnd type="none" w="med" len="med"/>
+                      <a:tailEnd type="none" w="med" len="med"/>
+                    </a:lnR>
+                    <a:lnT w="12700" cap="flat" cmpd="sng" algn="ctr">
+                      <a:noFill/>
+                      <a:prstDash val="solid"/>
+                      <a:round/>
+                      <a:headEnd type="none" w="med" len="med"/>
+                      <a:tailEnd type="none" w="med" len="med"/>
+                    </a:lnT>
+                    <a:lnB w="12700" cap="flat" cmpd="sng" algn="ctr">
+                      <a:noFill/>
+                      <a:prstDash val="solid"/>
+                      <a:round/>
+                      <a:headEnd type="none" w="med" len="med"/>
+                      <a:tailEnd type="none" w="med" len="med"/>
+                    </a:lnB>
+                    <a:solidFill>
+                      <a:schemeClr val="tx1"/>
+                    </a:solidFill>
+                  </a:tcPr>
+                </a:tc>
+                <a:tc>
+                  <a:txBody>
+                    <a:bodyPr/>
+                    <a:lstStyle/>
+                    <a:p>
+                      <a:pPr algn="ctr" latinLnBrk="1"/>
+                      <a:r>
+                        <a:rPr lang="en-US" altLang="ko-KR" sz="1000" dirty="0">
+                          <a:solidFill>
+                            <a:schemeClr val="bg1"/>
+                          </a:solidFill>
+                        </a:rPr>
+                        <a:t>1</a:t>
+                      </a:r>
+                      <a:r>
+                        <a:rPr lang="ko-KR" altLang="en-US" sz="1000" dirty="0">
+                          <a:solidFill>
+                            <a:schemeClr val="bg1"/>
+                          </a:solidFill>
+                        </a:rPr>
+                        <a:t>차</a:t>
+                      </a:r>
+                      <a:endParaRPr lang="en-US" altLang="ko-KR" sz="1000" dirty="0">
+                        <a:solidFill>
+                          <a:schemeClr val="bg1"/>
+                        </a:solidFill>
+                      </a:endParaRPr>
+                    </a:p>
+                  </a:txBody>
+                  <a:tcPr anchor="ctr">
+                    <a:lnL w="12700" cap="flat" cmpd="sng" algn="ctr">
+                      <a:noFill/>
+                      <a:prstDash val="solid"/>
+                      <a:round/>
+                      <a:headEnd type="none" w="med" len="med"/>
+                      <a:tailEnd type="none" w="med" len="med"/>
+                    </a:lnL>
+                    <a:lnR w="12700" cap="flat" cmpd="sng" algn="ctr">
+                      <a:noFill/>
+                      <a:prstDash val="solid"/>
+                      <a:round/>
+                      <a:headEnd type="none" w="med" len="med"/>
+                      <a:tailEnd type="none" w="med" len="med"/>
+                    </a:lnR>
+                    <a:lnT w="12700" cap="flat" cmpd="sng" algn="ctr">
+                      <a:noFill/>
+                      <a:prstDash val="solid"/>
+                      <a:round/>
+                      <a:headEnd type="none" w="med" len="med"/>
+                      <a:tailEnd type="none" w="med" len="med"/>
+                    </a:lnT>
+                    <a:lnB w="12700" cap="flat" cmpd="sng" algn="ctr">
+                      <a:noFill/>
+                      <a:prstDash val="solid"/>
+                      <a:round/>
+                      <a:headEnd type="none" w="med" len="med"/>
+                      <a:tailEnd type="none" w="med" len="med"/>
+                    </a:lnB>
+                    <a:solidFill>
+                      <a:schemeClr val="tx1"/>
+                    </a:solidFill>
+                  </a:tcPr>
+                </a:tc>
+                <a:tc>
+                  <a:txBody>
+                    <a:bodyPr/>
+                    <a:lstStyle/>
+                    <a:p>
+                      <a:pPr algn="ctr" latinLnBrk="1"/>
+                      <a:r>
+                        <a:rPr lang="en-US" altLang="ko-KR" sz="1000" dirty="0">
+                          <a:solidFill>
+                            <a:schemeClr val="bg1"/>
+                          </a:solidFill>
+                        </a:rPr>
+                        <a:t>2</a:t>
+                      </a:r>
+                      <a:r>
+                        <a:rPr lang="ko-KR" altLang="en-US" sz="1000" dirty="0">
+                          <a:solidFill>
+                            <a:schemeClr val="bg1"/>
+                          </a:solidFill>
+                        </a:rPr>
+                        <a:t>차</a:t>
+                      </a:r>
+                      <a:endParaRPr lang="en-US" altLang="ko-KR" sz="1000" dirty="0">
+                        <a:solidFill>
+                          <a:schemeClr val="bg1"/>
+                        </a:solidFill>
+                      </a:endParaRPr>
+                    </a:p>
+                  </a:txBody>
+                  <a:tcPr anchor="ctr">
+                    <a:lnL w="12700" cap="flat" cmpd="sng" algn="ctr">
+                      <a:noFill/>
+                      <a:prstDash val="solid"/>
+                      <a:round/>
+                      <a:headEnd type="none" w="med" len="med"/>
+                      <a:tailEnd type="none" w="med" len="med"/>
+                    </a:lnL>
+                    <a:lnR w="12700" cap="flat" cmpd="sng" algn="ctr">
+                      <a:noFill/>
+                      <a:prstDash val="solid"/>
+                      <a:round/>
+                      <a:headEnd type="none" w="med" len="med"/>
+                      <a:tailEnd type="none" w="med" len="med"/>
+                    </a:lnR>
+                    <a:lnT w="12700" cap="flat" cmpd="sng" algn="ctr">
+                      <a:noFill/>
+                      <a:prstDash val="solid"/>
+                      <a:round/>
+                      <a:headEnd type="none" w="med" len="med"/>
+                      <a:tailEnd type="none" w="med" len="med"/>
+                    </a:lnT>
+                    <a:lnB w="12700" cap="flat" cmpd="sng" algn="ctr">
+                      <a:noFill/>
+                      <a:prstDash val="solid"/>
+                      <a:round/>
+                      <a:headEnd type="none" w="med" len="med"/>
+                      <a:tailEnd type="none" w="med" len="med"/>
+                    </a:lnB>
+                    <a:solidFill>
+                      <a:schemeClr val="tx1"/>
+                    </a:solidFill>
+                  </a:tcPr>
+                </a:tc>
+                <a:tc>
+                  <a:txBody>
+                    <a:bodyPr/>
+                    <a:lstStyle/>
+                    <a:p>
+                      <a:pPr algn="ctr" latinLnBrk="1"/>
+                      <a:r>
+                        <a:rPr lang="en-US" altLang="ko-KR" sz="1000" dirty="0">
+                          <a:solidFill>
+                            <a:schemeClr val="bg1"/>
+                          </a:solidFill>
+                        </a:rPr>
+                        <a:t>3</a:t>
+                      </a:r>
+                      <a:r>
+                        <a:rPr lang="ko-KR" altLang="en-US" sz="1000" dirty="0">
+                          <a:solidFill>
+                            <a:schemeClr val="bg1"/>
+                          </a:solidFill>
+                        </a:rPr>
+                        <a:t>차</a:t>
+                      </a:r>
+                    </a:p>
+                  </a:txBody>
+                  <a:tcPr anchor="ctr">
+                    <a:lnL w="12700" cap="flat" cmpd="sng" algn="ctr">
+                      <a:noFill/>
+                      <a:prstDash val="solid"/>
+                      <a:round/>
+                      <a:headEnd type="none" w="med" len="med"/>
+                      <a:tailEnd type="none" w="med" len="med"/>
+                    </a:lnL>
+                    <a:lnR w="12700" cap="flat" cmpd="sng" algn="ctr">
+                      <a:noFill/>
+                      <a:prstDash val="solid"/>
+                      <a:round/>
+                      <a:headEnd type="none" w="med" len="med"/>
+                      <a:tailEnd type="none" w="med" len="med"/>
+                    </a:lnR>
+                    <a:lnT w="12700" cap="flat" cmpd="sng" algn="ctr">
+                      <a:noFill/>
+                      <a:prstDash val="solid"/>
+                      <a:round/>
+                      <a:headEnd type="none" w="med" len="med"/>
+                      <a:tailEnd type="none" w="med" len="med"/>
+                    </a:lnT>
+                    <a:lnB w="12700" cap="flat" cmpd="sng" algn="ctr">
+                      <a:noFill/>
+                      <a:prstDash val="solid"/>
+                      <a:round/>
+                      <a:headEnd type="none" w="med" len="med"/>
+                      <a:tailEnd type="none" w="med" len="med"/>
+                    </a:lnB>
+                    <a:solidFill>
+                      <a:schemeClr val="tx1"/>
+                    </a:solidFill>
+                  </a:tcPr>
+                </a:tc>
+                <a:tc>
+                  <a:txBody>
+                    <a:bodyPr/>
+                    <a:lstStyle/>
+                    <a:p>
+                      <a:pPr algn="ctr" latinLnBrk="1"/>
+                      <a:r>
+                        <a:rPr lang="en-US" altLang="ko-KR" sz="1000" dirty="0">
+                          <a:solidFill>
+                            <a:schemeClr val="bg1"/>
+                          </a:solidFill>
+                        </a:rPr>
+                        <a:t>4</a:t>
+                      </a:r>
+                      <a:r>
+                        <a:rPr lang="ko-KR" altLang="en-US" sz="1000" dirty="0">
+                          <a:solidFill>
+                            <a:schemeClr val="bg1"/>
+                          </a:solidFill>
+                        </a:rPr>
+                        <a:t>차</a:t>
+                      </a:r>
+                    </a:p>
+                  </a:txBody>
+                  <a:tcPr anchor="ctr">
+                    <a:lnL w="12700" cap="flat" cmpd="sng" algn="ctr">
+                      <a:noFill/>
+                      <a:prstDash val="solid"/>
+                      <a:round/>
+                      <a:headEnd type="none" w="med" len="med"/>
+                      <a:tailEnd type="none" w="med" len="med"/>
+                    </a:lnL>
+                    <a:lnR w="12700" cap="flat" cmpd="sng" algn="ctr">
+                      <a:noFill/>
+                      <a:prstDash val="solid"/>
+                      <a:round/>
+                      <a:headEnd type="none" w="med" len="med"/>
+                      <a:tailEnd type="none" w="med" len="med"/>
+                    </a:lnR>
+                    <a:lnT w="12700" cap="flat" cmpd="sng" algn="ctr">
+                      <a:noFill/>
+                      <a:prstDash val="solid"/>
+                      <a:round/>
+                      <a:headEnd type="none" w="med" len="med"/>
+                      <a:tailEnd type="none" w="med" len="med"/>
+                    </a:lnT>
+                    <a:lnB w="12700" cap="flat" cmpd="sng" algn="ctr">
+                      <a:noFill/>
+                      <a:prstDash val="solid"/>
+                      <a:round/>
+                      <a:headEnd type="none" w="med" len="med"/>
+                      <a:tailEnd type="none" w="med" len="med"/>
+                    </a:lnB>
+                    <a:solidFill>
+                      <a:schemeClr val="tx1"/>
+                    </a:solidFill>
+                  </a:tcPr>
+                </a:tc>
+                <a:tc>
+                  <a:txBody>
+                    <a:bodyPr/>
+                    <a:lstStyle/>
+                    <a:p>
+                      <a:pPr algn="ctr" latinLnBrk="1"/>
+                      <a:r>
+                        <a:rPr lang="en-US" altLang="ko-KR" sz="1000" dirty="0">
+                          <a:solidFill>
+                            <a:schemeClr val="bg1"/>
+                          </a:solidFill>
+                        </a:rPr>
+                        <a:t>5</a:t>
+                      </a:r>
+                      <a:r>
+                        <a:rPr lang="ko-KR" altLang="en-US" sz="1000" dirty="0">
+                          <a:solidFill>
+                            <a:schemeClr val="bg1"/>
+                          </a:solidFill>
+                        </a:rPr>
+                        <a:t>차</a:t>
+                      </a:r>
+                    </a:p>
+                  </a:txBody>
+                  <a:tcPr anchor="ctr">
+                    <a:lnL w="12700" cap="flat" cmpd="sng" algn="ctr">
+                      <a:noFill/>
+                      <a:prstDash val="solid"/>
+                      <a:round/>
+                      <a:headEnd type="none" w="med" len="med"/>
+                      <a:tailEnd type="none" w="med" len="med"/>
+                    </a:lnL>
+                    <a:lnR w="12700" cap="flat" cmpd="sng" algn="ctr">
+                      <a:noFill/>
+                      <a:prstDash val="solid"/>
+                      <a:round/>
+                      <a:headEnd type="none" w="med" len="med"/>
+                      <a:tailEnd type="none" w="med" len="med"/>
+                    </a:lnR>
+                    <a:lnT w="12700" cap="flat" cmpd="sng" algn="ctr">
+                      <a:noFill/>
+                      <a:prstDash val="solid"/>
+                      <a:round/>
+                      <a:headEnd type="none" w="med" len="med"/>
+                      <a:tailEnd type="none" w="med" len="med"/>
+                    </a:lnT>
+                    <a:lnB w="12700" cap="flat" cmpd="sng" algn="ctr">
+                      <a:noFill/>
+                      <a:prstDash val="solid"/>
+                      <a:round/>
+                      <a:headEnd type="none" w="med" len="med"/>
+                      <a:tailEnd type="none" w="med" len="med"/>
+                    </a:lnB>
+                    <a:solidFill>
+                      <a:schemeClr val="tx1"/>
+                    </a:solidFill>
+                  </a:tcPr>
+                </a:tc>
+                <a:extLst>
+                  <a:ext uri="{0D108BD9-81ED-4DB2-BD59-A6C34878D82A}">
+                    <a16:rowId xmlns:a16="http://schemas.microsoft.com/office/drawing/2014/main" val="423366939"/>
+                  </a:ext>
+                </a:extLst>
+              </a:tr>
+              <a:tr h="678931">
+                <a:tc rowSpan="6">
+                  <a:txBody>
+                    <a:bodyPr/>
+                    <a:lstStyle/>
+                    <a:p>
+                      <a:pPr algn="ctr" latinLnBrk="1"/>
+                      <a:r>
+                        <a:rPr lang="ko-KR" altLang="en-US" sz="1000" dirty="0"/>
+                        <a:t>개발 및 설계</a:t>
+                      </a:r>
+                    </a:p>
+                  </a:txBody>
+                  <a:tcPr anchor="ctr">
+                    <a:lnL w="12700" cap="flat" cmpd="sng" algn="ctr">
+                      <a:noFill/>
+                      <a:prstDash val="solid"/>
+                      <a:round/>
+                      <a:headEnd type="none" w="med" len="med"/>
+                      <a:tailEnd type="none" w="med" len="med"/>
+                    </a:lnL>
+                    <a:lnR w="12700" cap="flat" cmpd="sng" algn="ctr">
+                      <a:noFill/>
+                      <a:prstDash val="solid"/>
+                      <a:round/>
+                      <a:headEnd type="none" w="med" len="med"/>
+                      <a:tailEnd type="none" w="med" len="med"/>
+                    </a:lnR>
+                    <a:lnT w="12700" cap="flat" cmpd="sng" algn="ctr">
+                      <a:noFill/>
+                      <a:prstDash val="solid"/>
+                      <a:round/>
+                      <a:headEnd type="none" w="med" len="med"/>
+                      <a:tailEnd type="none" w="med" len="med"/>
+                    </a:lnT>
+                    <a:lnB w="12700" cap="flat" cmpd="sng" algn="ctr">
+                      <a:noFill/>
+                      <a:prstDash val="solid"/>
+                      <a:round/>
+                      <a:headEnd type="none" w="med" len="med"/>
+                      <a:tailEnd type="none" w="med" len="med"/>
+                    </a:lnB>
+                    <a:solidFill>
+                      <a:schemeClr val="bg1"/>
+                    </a:solidFill>
+                  </a:tcPr>
+                </a:tc>
+                <a:tc>
+                  <a:txBody>
+                    <a:bodyPr/>
+                    <a:lstStyle/>
+                    <a:p>
+                      <a:pPr algn="ctr" latinLnBrk="1"/>
+                      <a:r>
+                        <a:rPr lang="ko-KR" altLang="en-US" sz="900" dirty="0"/>
+                        <a:t>주제 선정</a:t>
+                      </a:r>
+                    </a:p>
+                  </a:txBody>
+                  <a:tcPr anchor="ctr">
+                    <a:lnL w="12700" cap="flat" cmpd="sng" algn="ctr">
+                      <a:noFill/>
+                      <a:prstDash val="solid"/>
+                      <a:round/>
+                      <a:headEnd type="none" w="med" len="med"/>
+                      <a:tailEnd type="none" w="med" len="med"/>
+                    </a:lnL>
+                    <a:lnR w="12700" cap="flat" cmpd="sng" algn="ctr">
+                      <a:noFill/>
+                      <a:prstDash val="solid"/>
+                      <a:round/>
+                      <a:headEnd type="none" w="med" len="med"/>
+                      <a:tailEnd type="none" w="med" len="med"/>
+                    </a:lnR>
+                    <a:lnT w="12700" cap="flat" cmpd="sng" algn="ctr">
+                      <a:noFill/>
+                      <a:prstDash val="solid"/>
+                      <a:round/>
+                      <a:headEnd type="none" w="med" len="med"/>
+                      <a:tailEnd type="none" w="med" len="med"/>
+                    </a:lnT>
+                    <a:lnB w="12700" cap="flat" cmpd="sng" algn="ctr">
+                      <a:noFill/>
+                      <a:prstDash val="solid"/>
+                      <a:round/>
+                      <a:headEnd type="none" w="med" len="med"/>
+                      <a:tailEnd type="none" w="med" len="med"/>
+                    </a:lnB>
+                    <a:solidFill>
+                      <a:srgbClr val="FF9900"/>
+                    </a:solidFill>
+                  </a:tcPr>
+                </a:tc>
+                <a:tc>
+                  <a:txBody>
+                    <a:bodyPr/>
+                    <a:lstStyle/>
+                    <a:p>
+                      <a:pPr algn="ctr" latinLnBrk="1"/>
+                      <a:r>
+                        <a:rPr lang="en-US" altLang="ko-KR" sz="3000" dirty="0">
+                          <a:solidFill>
+                            <a:srgbClr val="FF9900"/>
+                          </a:solidFill>
+                        </a:rPr>
+                        <a:t>O</a:t>
+                      </a:r>
+                      <a:endParaRPr lang="ko-KR" altLang="en-US" sz="3000" dirty="0">
+                        <a:solidFill>
+                          <a:srgbClr val="FF9900"/>
+                        </a:solidFill>
+                      </a:endParaRPr>
+                    </a:p>
+                  </a:txBody>
+                  <a:tcPr anchor="ctr">
+                    <a:lnL w="12700" cap="flat" cmpd="sng" algn="ctr">
+                      <a:noFill/>
+                      <a:prstDash val="solid"/>
+                      <a:round/>
+                      <a:headEnd type="none" w="med" len="med"/>
+                      <a:tailEnd type="none" w="med" len="med"/>
+                    </a:lnL>
+                    <a:lnR w="12700" cap="flat" cmpd="sng" algn="ctr">
+                      <a:noFill/>
+                      <a:prstDash val="solid"/>
+                      <a:round/>
+                      <a:headEnd type="none" w="med" len="med"/>
+                      <a:tailEnd type="none" w="med" len="med"/>
+                    </a:lnR>
+                    <a:lnT w="12700" cap="flat" cmpd="sng" algn="ctr">
+                      <a:noFill/>
+                      <a:prstDash val="solid"/>
+                      <a:round/>
+                      <a:headEnd type="none" w="med" len="med"/>
+                      <a:tailEnd type="none" w="med" len="med"/>
+                    </a:lnT>
+                    <a:lnB w="12700" cap="flat" cmpd="sng" algn="ctr">
+                      <a:noFill/>
+                      <a:prstDash val="solid"/>
+                      <a:round/>
+                      <a:headEnd type="none" w="med" len="med"/>
+                      <a:tailEnd type="none" w="med" len="med"/>
+                    </a:lnB>
+                    <a:solidFill>
+                      <a:schemeClr val="bg1"/>
+                    </a:solidFill>
+                  </a:tcPr>
+                </a:tc>
+                <a:tc>
+                  <a:txBody>
+                    <a:bodyPr/>
+                    <a:lstStyle/>
+                    <a:p>
+                      <a:pPr algn="ctr" latinLnBrk="1"/>
+                      <a:endParaRPr lang="ko-KR" altLang="en-US" sz="1000"/>
+                    </a:p>
+                  </a:txBody>
+                  <a:tcPr anchor="ctr">
+                    <a:lnL w="12700" cap="flat" cmpd="sng" algn="ctr">
+                      <a:noFill/>
+                      <a:prstDash val="solid"/>
+                      <a:round/>
+                      <a:headEnd type="none" w="med" len="med"/>
+                      <a:tailEnd type="none" w="med" len="med"/>
+                    </a:lnL>
+                    <a:lnR w="12700" cap="flat" cmpd="sng" algn="ctr">
+                      <a:noFill/>
+                      <a:prstDash val="solid"/>
+                      <a:round/>
+                      <a:headEnd type="none" w="med" len="med"/>
+                      <a:tailEnd type="none" w="med" len="med"/>
+                    </a:lnR>
+                    <a:lnT w="12700" cap="flat" cmpd="sng" algn="ctr">
+                      <a:noFill/>
+                      <a:prstDash val="solid"/>
+                      <a:round/>
+                      <a:headEnd type="none" w="med" len="med"/>
+                      <a:tailEnd type="none" w="med" len="med"/>
+                    </a:lnT>
+                    <a:lnB w="12700" cap="flat" cmpd="sng" algn="ctr">
+                      <a:noFill/>
+                      <a:prstDash val="solid"/>
+                      <a:round/>
+                      <a:headEnd type="none" w="med" len="med"/>
+                      <a:tailEnd type="none" w="med" len="med"/>
+                    </a:lnB>
+                    <a:solidFill>
+                      <a:schemeClr val="bg1"/>
+                    </a:solidFill>
+                  </a:tcPr>
+                </a:tc>
+                <a:tc>
+                  <a:txBody>
+                    <a:bodyPr/>
+                    <a:lstStyle/>
+                    <a:p>
+                      <a:pPr algn="ctr" latinLnBrk="1"/>
+                      <a:endParaRPr lang="ko-KR" altLang="en-US" sz="1000"/>
+                    </a:p>
+                  </a:txBody>
+                  <a:tcPr anchor="ctr">
+                    <a:lnL w="12700" cap="flat" cmpd="sng" algn="ctr">
+                      <a:noFill/>
+                      <a:prstDash val="solid"/>
+                      <a:round/>
+                      <a:headEnd type="none" w="med" len="med"/>
+                      <a:tailEnd type="none" w="med" len="med"/>
+                    </a:lnL>
+                    <a:lnR w="12700" cap="flat" cmpd="sng" algn="ctr">
+                      <a:noFill/>
+                      <a:prstDash val="solid"/>
+                      <a:round/>
+                      <a:headEnd type="none" w="med" len="med"/>
+                      <a:tailEnd type="none" w="med" len="med"/>
+                    </a:lnR>
+                    <a:lnT w="12700" cap="flat" cmpd="sng" algn="ctr">
+                      <a:noFill/>
+                      <a:prstDash val="solid"/>
+                      <a:round/>
+                      <a:headEnd type="none" w="med" len="med"/>
+                      <a:tailEnd type="none" w="med" len="med"/>
+                    </a:lnT>
+                    <a:lnB w="12700" cap="flat" cmpd="sng" algn="ctr">
+                      <a:noFill/>
+                      <a:prstDash val="solid"/>
+                      <a:round/>
+                      <a:headEnd type="none" w="med" len="med"/>
+                      <a:tailEnd type="none" w="med" len="med"/>
+                    </a:lnB>
+                    <a:solidFill>
+                      <a:schemeClr val="bg1"/>
+                    </a:solidFill>
+                  </a:tcPr>
+                </a:tc>
+                <a:tc>
+                  <a:txBody>
+                    <a:bodyPr/>
+                    <a:lstStyle/>
+                    <a:p>
+                      <a:pPr algn="ctr" latinLnBrk="1"/>
+                      <a:endParaRPr lang="ko-KR" altLang="en-US" sz="1000"/>
+                    </a:p>
+                  </a:txBody>
+                  <a:tcPr anchor="ctr">
+                    <a:lnL w="12700" cap="flat" cmpd="sng" algn="ctr">
+                      <a:noFill/>
+                      <a:prstDash val="solid"/>
+                      <a:round/>
+                      <a:headEnd type="none" w="med" len="med"/>
+                      <a:tailEnd type="none" w="med" len="med"/>
+                    </a:lnL>
+                    <a:lnR w="12700" cap="flat" cmpd="sng" algn="ctr">
+                      <a:noFill/>
+                      <a:prstDash val="solid"/>
+                      <a:round/>
+                      <a:headEnd type="none" w="med" len="med"/>
+                      <a:tailEnd type="none" w="med" len="med"/>
+                    </a:lnR>
+                    <a:lnT w="12700" cap="flat" cmpd="sng" algn="ctr">
+                      <a:noFill/>
+                      <a:prstDash val="solid"/>
+                      <a:round/>
+                      <a:headEnd type="none" w="med" len="med"/>
+                      <a:tailEnd type="none" w="med" len="med"/>
+                    </a:lnT>
+                    <a:lnB w="12700" cap="flat" cmpd="sng" algn="ctr">
+                      <a:noFill/>
+                      <a:prstDash val="solid"/>
+                      <a:round/>
+                      <a:headEnd type="none" w="med" len="med"/>
+                      <a:tailEnd type="none" w="med" len="med"/>
+                    </a:lnB>
+                    <a:solidFill>
+                      <a:schemeClr val="bg1"/>
+                    </a:solidFill>
+                  </a:tcPr>
+                </a:tc>
+                <a:tc>
+                  <a:txBody>
+                    <a:bodyPr/>
+                    <a:lstStyle/>
+                    <a:p>
+                      <a:pPr algn="ctr" latinLnBrk="1"/>
+                      <a:endParaRPr lang="ko-KR" altLang="en-US" sz="1000"/>
+                    </a:p>
+                  </a:txBody>
+                  <a:tcPr anchor="ctr">
+                    <a:lnL w="12700" cap="flat" cmpd="sng" algn="ctr">
+                      <a:noFill/>
+                      <a:prstDash val="solid"/>
+                      <a:round/>
+                      <a:headEnd type="none" w="med" len="med"/>
+                      <a:tailEnd type="none" w="med" len="med"/>
+                    </a:lnL>
+                    <a:lnR w="12700" cap="flat" cmpd="sng" algn="ctr">
+                      <a:noFill/>
+                      <a:prstDash val="solid"/>
+                      <a:round/>
+                      <a:headEnd type="none" w="med" len="med"/>
+                      <a:tailEnd type="none" w="med" len="med"/>
+                    </a:lnR>
+                    <a:lnT w="12700" cap="flat" cmpd="sng" algn="ctr">
+                      <a:noFill/>
+                      <a:prstDash val="solid"/>
+                      <a:round/>
+                      <a:headEnd type="none" w="med" len="med"/>
+                      <a:tailEnd type="none" w="med" len="med"/>
+                    </a:lnT>
+                    <a:lnB w="12700" cap="flat" cmpd="sng" algn="ctr">
+                      <a:noFill/>
+                      <a:prstDash val="solid"/>
+                      <a:round/>
+                      <a:headEnd type="none" w="med" len="med"/>
+                      <a:tailEnd type="none" w="med" len="med"/>
+                    </a:lnB>
+                    <a:solidFill>
+                      <a:schemeClr val="bg1"/>
+                    </a:solidFill>
+                  </a:tcPr>
+                </a:tc>
+                <a:extLst>
+                  <a:ext uri="{0D108BD9-81ED-4DB2-BD59-A6C34878D82A}">
+                    <a16:rowId xmlns:a16="http://schemas.microsoft.com/office/drawing/2014/main" val="1158987087"/>
+                  </a:ext>
+                </a:extLst>
+              </a:tr>
+              <a:tr h="678931">
+                <a:tc vMerge="1">
+                  <a:txBody>
+                    <a:bodyPr/>
+                    <a:lstStyle/>
+                    <a:p>
+                      <a:pPr latinLnBrk="1"/>
+                      <a:endParaRPr lang="ko-KR" altLang="en-US" dirty="0"/>
+                    </a:p>
+                  </a:txBody>
+                  <a:tcPr/>
+                </a:tc>
+                <a:tc>
+                  <a:txBody>
+                    <a:bodyPr/>
+                    <a:lstStyle/>
+                    <a:p>
+                      <a:pPr algn="ctr" latinLnBrk="1"/>
+                      <a:r>
+                        <a:rPr lang="ko-KR" altLang="en-US" sz="900" dirty="0"/>
+                        <a:t>시스템 주요 기능 설계</a:t>
+                      </a:r>
+                    </a:p>
+                  </a:txBody>
+                  <a:tcPr anchor="ctr">
+                    <a:lnL w="12700" cap="flat" cmpd="sng" algn="ctr">
+                      <a:noFill/>
+                      <a:prstDash val="solid"/>
+                      <a:round/>
+                      <a:headEnd type="none" w="med" len="med"/>
+                      <a:tailEnd type="none" w="med" len="med"/>
+                    </a:lnL>
+                    <a:lnR w="12700" cap="flat" cmpd="sng" algn="ctr">
+                      <a:noFill/>
+                      <a:prstDash val="solid"/>
+                      <a:round/>
+                      <a:headEnd type="none" w="med" len="med"/>
+                      <a:tailEnd type="none" w="med" len="med"/>
+                    </a:lnR>
+                    <a:lnT w="12700" cap="flat" cmpd="sng" algn="ctr">
+                      <a:noFill/>
+                      <a:prstDash val="solid"/>
+                      <a:round/>
+                      <a:headEnd type="none" w="med" len="med"/>
+                      <a:tailEnd type="none" w="med" len="med"/>
+                    </a:lnT>
+                    <a:lnB w="12700" cap="flat" cmpd="sng" algn="ctr">
+                      <a:noFill/>
+                      <a:prstDash val="solid"/>
+                      <a:round/>
+                      <a:headEnd type="none" w="med" len="med"/>
+                      <a:tailEnd type="none" w="med" len="med"/>
+                    </a:lnB>
+                    <a:solidFill>
+                      <a:srgbClr val="FF9900"/>
+                    </a:solidFill>
+                  </a:tcPr>
+                </a:tc>
+                <a:tc>
+                  <a:txBody>
+                    <a:bodyPr/>
+                    <a:lstStyle/>
+                    <a:p>
+                      <a:pPr marL="0" marR="0" lvl="0" indent="0" algn="ctr" defTabSz="914400" rtl="0" eaLnBrk="1" fontAlgn="auto" latinLnBrk="1" hangingPunct="1">
+                        <a:lnSpc>
+                          <a:spcPct val="100000"/>
+                        </a:lnSpc>
+                        <a:spcBef>
+                          <a:spcPts val="0"/>
+                        </a:spcBef>
+                        <a:spcAft>
+                          <a:spcPts val="0"/>
+                        </a:spcAft>
+                        <a:buClrTx/>
+                        <a:buSzTx/>
+                        <a:buFontTx/>
+                        <a:buNone/>
+                        <a:tabLst/>
+                        <a:defRPr/>
+                      </a:pPr>
+                      <a:r>
+                        <a:rPr lang="en-US" altLang="ko-KR" sz="3000" dirty="0">
+                          <a:solidFill>
+                            <a:srgbClr val="FF9900"/>
+                          </a:solidFill>
+                        </a:rPr>
+                        <a:t>O</a:t>
+                      </a:r>
+                      <a:endParaRPr lang="ko-KR" altLang="en-US" sz="3000" dirty="0">
+                        <a:solidFill>
+                          <a:srgbClr val="FF9900"/>
+                        </a:solidFill>
+                      </a:endParaRPr>
+                    </a:p>
+                  </a:txBody>
+                  <a:tcPr anchor="ctr">
+                    <a:lnL w="12700" cap="flat" cmpd="sng" algn="ctr">
+                      <a:noFill/>
+                      <a:prstDash val="solid"/>
+                      <a:round/>
+                      <a:headEnd type="none" w="med" len="med"/>
+                      <a:tailEnd type="none" w="med" len="med"/>
+                    </a:lnL>
+                    <a:lnR w="12700" cap="flat" cmpd="sng" algn="ctr">
+                      <a:noFill/>
+                      <a:prstDash val="solid"/>
+                      <a:round/>
+                      <a:headEnd type="none" w="med" len="med"/>
+                      <a:tailEnd type="none" w="med" len="med"/>
+                    </a:lnR>
+                    <a:lnT w="12700" cap="flat" cmpd="sng" algn="ctr">
+                      <a:noFill/>
+                      <a:prstDash val="solid"/>
+                      <a:round/>
+                      <a:headEnd type="none" w="med" len="med"/>
+                      <a:tailEnd type="none" w="med" len="med"/>
+                    </a:lnT>
+                    <a:lnB w="12700" cap="flat" cmpd="sng" algn="ctr">
+                      <a:noFill/>
+                      <a:prstDash val="solid"/>
+                      <a:round/>
+                      <a:headEnd type="none" w="med" len="med"/>
+                      <a:tailEnd type="none" w="med" len="med"/>
+                    </a:lnB>
+                    <a:solidFill>
+                      <a:schemeClr val="bg1"/>
+                    </a:solidFill>
+                  </a:tcPr>
+                </a:tc>
+                <a:tc>
+                  <a:txBody>
+                    <a:bodyPr/>
+                    <a:lstStyle/>
+                    <a:p>
+                      <a:pPr algn="ctr" latinLnBrk="1"/>
+                      <a:endParaRPr lang="ko-KR" altLang="en-US" sz="1000" dirty="0"/>
+                    </a:p>
+                  </a:txBody>
+                  <a:tcPr anchor="ctr">
+                    <a:lnL w="12700" cap="flat" cmpd="sng" algn="ctr">
+                      <a:noFill/>
+                      <a:prstDash val="solid"/>
+                      <a:round/>
+                      <a:headEnd type="none" w="med" len="med"/>
+                      <a:tailEnd type="none" w="med" len="med"/>
+                    </a:lnL>
+                    <a:lnR w="12700" cap="flat" cmpd="sng" algn="ctr">
+                      <a:noFill/>
+                      <a:prstDash val="solid"/>
+                      <a:round/>
+                      <a:headEnd type="none" w="med" len="med"/>
+                      <a:tailEnd type="none" w="med" len="med"/>
+                    </a:lnR>
+                    <a:lnT w="12700" cap="flat" cmpd="sng" algn="ctr">
+                      <a:noFill/>
+                      <a:prstDash val="solid"/>
+                      <a:round/>
+                      <a:headEnd type="none" w="med" len="med"/>
+                      <a:tailEnd type="none" w="med" len="med"/>
+                    </a:lnT>
+                    <a:lnB w="12700" cap="flat" cmpd="sng" algn="ctr">
+                      <a:noFill/>
+                      <a:prstDash val="solid"/>
+                      <a:round/>
+                      <a:headEnd type="none" w="med" len="med"/>
+                      <a:tailEnd type="none" w="med" len="med"/>
+                    </a:lnB>
+                    <a:solidFill>
+                      <a:schemeClr val="bg1"/>
+                    </a:solidFill>
+                  </a:tcPr>
+                </a:tc>
+                <a:tc>
+                  <a:txBody>
+                    <a:bodyPr/>
+                    <a:lstStyle/>
+                    <a:p>
+                      <a:pPr algn="ctr" latinLnBrk="1"/>
+                      <a:endParaRPr lang="ko-KR" altLang="en-US" sz="1000" dirty="0"/>
+                    </a:p>
+                  </a:txBody>
+                  <a:tcPr anchor="ctr">
+                    <a:lnL w="12700" cap="flat" cmpd="sng" algn="ctr">
+                      <a:noFill/>
+                      <a:prstDash val="solid"/>
+                      <a:round/>
+                      <a:headEnd type="none" w="med" len="med"/>
+                      <a:tailEnd type="none" w="med" len="med"/>
+                    </a:lnL>
+                    <a:lnR w="12700" cap="flat" cmpd="sng" algn="ctr">
+                      <a:noFill/>
+                      <a:prstDash val="solid"/>
+                      <a:round/>
+                      <a:headEnd type="none" w="med" len="med"/>
+                      <a:tailEnd type="none" w="med" len="med"/>
+                    </a:lnR>
+                    <a:lnT w="12700" cap="flat" cmpd="sng" algn="ctr">
+                      <a:noFill/>
+                      <a:prstDash val="solid"/>
+                      <a:round/>
+                      <a:headEnd type="none" w="med" len="med"/>
+                      <a:tailEnd type="none" w="med" len="med"/>
+                    </a:lnT>
+                    <a:lnB w="12700" cap="flat" cmpd="sng" algn="ctr">
+                      <a:noFill/>
+                      <a:prstDash val="solid"/>
+                      <a:round/>
+                      <a:headEnd type="none" w="med" len="med"/>
+                      <a:tailEnd type="none" w="med" len="med"/>
+                    </a:lnB>
+                    <a:solidFill>
+                      <a:schemeClr val="bg1"/>
+                    </a:solidFill>
+                  </a:tcPr>
+                </a:tc>
+                <a:tc>
+                  <a:txBody>
+                    <a:bodyPr/>
+                    <a:lstStyle/>
+                    <a:p>
+                      <a:pPr algn="ctr" latinLnBrk="1"/>
+                      <a:endParaRPr lang="ko-KR" altLang="en-US" sz="1000"/>
+                    </a:p>
+                  </a:txBody>
+                  <a:tcPr anchor="ctr">
+                    <a:lnL w="12700" cap="flat" cmpd="sng" algn="ctr">
+                      <a:noFill/>
+                      <a:prstDash val="solid"/>
+                      <a:round/>
+                      <a:headEnd type="none" w="med" len="med"/>
+                      <a:tailEnd type="none" w="med" len="med"/>
+                    </a:lnL>
+                    <a:lnR w="12700" cap="flat" cmpd="sng" algn="ctr">
+                      <a:noFill/>
+                      <a:prstDash val="solid"/>
+                      <a:round/>
+                      <a:headEnd type="none" w="med" len="med"/>
+                      <a:tailEnd type="none" w="med" len="med"/>
+                    </a:lnR>
+                    <a:lnT w="12700" cap="flat" cmpd="sng" algn="ctr">
+                      <a:noFill/>
+                      <a:prstDash val="solid"/>
+                      <a:round/>
+                      <a:headEnd type="none" w="med" len="med"/>
+                      <a:tailEnd type="none" w="med" len="med"/>
+                    </a:lnT>
+                    <a:lnB w="12700" cap="flat" cmpd="sng" algn="ctr">
+                      <a:noFill/>
+                      <a:prstDash val="solid"/>
+                      <a:round/>
+                      <a:headEnd type="none" w="med" len="med"/>
+                      <a:tailEnd type="none" w="med" len="med"/>
+                    </a:lnB>
+                    <a:solidFill>
+                      <a:schemeClr val="bg1"/>
+                    </a:solidFill>
+                  </a:tcPr>
+                </a:tc>
+                <a:tc>
+                  <a:txBody>
+                    <a:bodyPr/>
+                    <a:lstStyle/>
+                    <a:p>
+                      <a:pPr algn="ctr" latinLnBrk="1"/>
+                      <a:endParaRPr lang="ko-KR" altLang="en-US" sz="1000"/>
+                    </a:p>
+                  </a:txBody>
+                  <a:tcPr anchor="ctr">
+                    <a:lnL w="12700" cap="flat" cmpd="sng" algn="ctr">
+                      <a:noFill/>
+                      <a:prstDash val="solid"/>
+                      <a:round/>
+                      <a:headEnd type="none" w="med" len="med"/>
+                      <a:tailEnd type="none" w="med" len="med"/>
+                    </a:lnL>
+                    <a:lnR w="12700" cap="flat" cmpd="sng" algn="ctr">
+                      <a:noFill/>
+                      <a:prstDash val="solid"/>
+                      <a:round/>
+                      <a:headEnd type="none" w="med" len="med"/>
+                      <a:tailEnd type="none" w="med" len="med"/>
+                    </a:lnR>
+                    <a:lnT w="12700" cap="flat" cmpd="sng" algn="ctr">
+                      <a:noFill/>
+                      <a:prstDash val="solid"/>
+                      <a:round/>
+                      <a:headEnd type="none" w="med" len="med"/>
+                      <a:tailEnd type="none" w="med" len="med"/>
+                    </a:lnT>
+                    <a:lnB w="12700" cap="flat" cmpd="sng" algn="ctr">
+                      <a:noFill/>
+                      <a:prstDash val="solid"/>
+                      <a:round/>
+                      <a:headEnd type="none" w="med" len="med"/>
+                      <a:tailEnd type="none" w="med" len="med"/>
+                    </a:lnB>
+                    <a:solidFill>
+                      <a:schemeClr val="bg1"/>
+                    </a:solidFill>
+                  </a:tcPr>
+                </a:tc>
+                <a:extLst>
+                  <a:ext uri="{0D108BD9-81ED-4DB2-BD59-A6C34878D82A}">
+                    <a16:rowId xmlns:a16="http://schemas.microsoft.com/office/drawing/2014/main" val="1634557624"/>
+                  </a:ext>
+                </a:extLst>
+              </a:tr>
+              <a:tr h="678931">
+                <a:tc vMerge="1">
+                  <a:txBody>
+                    <a:bodyPr/>
+                    <a:lstStyle/>
+                    <a:p>
+                      <a:pPr latinLnBrk="1"/>
+                      <a:endParaRPr lang="ko-KR" altLang="en-US" dirty="0"/>
+                    </a:p>
+                  </a:txBody>
+                  <a:tcPr/>
+                </a:tc>
+                <a:tc>
+                  <a:txBody>
+                    <a:bodyPr/>
+                    <a:lstStyle/>
+                    <a:p>
+                      <a:pPr algn="ctr" latinLnBrk="1"/>
+                      <a:r>
+                        <a:rPr lang="ko-KR" altLang="en-US" sz="900" dirty="0"/>
+                        <a:t>시스템 주요 기능 구현</a:t>
+                      </a:r>
+                    </a:p>
+                  </a:txBody>
+                  <a:tcPr anchor="ctr">
+                    <a:lnL w="12700" cap="flat" cmpd="sng" algn="ctr">
+                      <a:noFill/>
+                      <a:prstDash val="solid"/>
+                      <a:round/>
+                      <a:headEnd type="none" w="med" len="med"/>
+                      <a:tailEnd type="none" w="med" len="med"/>
+                    </a:lnL>
+                    <a:lnR w="12700" cap="flat" cmpd="sng" algn="ctr">
+                      <a:noFill/>
+                      <a:prstDash val="solid"/>
+                      <a:round/>
+                      <a:headEnd type="none" w="med" len="med"/>
+                      <a:tailEnd type="none" w="med" len="med"/>
+                    </a:lnR>
+                    <a:lnT w="12700" cap="flat" cmpd="sng" algn="ctr">
+                      <a:noFill/>
+                      <a:prstDash val="solid"/>
+                      <a:round/>
+                      <a:headEnd type="none" w="med" len="med"/>
+                      <a:tailEnd type="none" w="med" len="med"/>
+                    </a:lnT>
+                    <a:lnB w="12700" cap="flat" cmpd="sng" algn="ctr">
+                      <a:noFill/>
+                      <a:prstDash val="solid"/>
+                      <a:round/>
+                      <a:headEnd type="none" w="med" len="med"/>
+                      <a:tailEnd type="none" w="med" len="med"/>
+                    </a:lnB>
+                    <a:solidFill>
+                      <a:srgbClr val="FF9900"/>
+                    </a:solidFill>
+                  </a:tcPr>
+                </a:tc>
+                <a:tc>
+                  <a:txBody>
+                    <a:bodyPr/>
+                    <a:lstStyle/>
+                    <a:p>
+                      <a:pPr marL="0" marR="0" lvl="0" indent="0" algn="ctr" defTabSz="914400" rtl="0" eaLnBrk="1" fontAlgn="auto" latinLnBrk="1" hangingPunct="1">
+                        <a:lnSpc>
+                          <a:spcPct val="100000"/>
+                        </a:lnSpc>
+                        <a:spcBef>
+                          <a:spcPts val="0"/>
+                        </a:spcBef>
+                        <a:spcAft>
+                          <a:spcPts val="0"/>
+                        </a:spcAft>
+                        <a:buClrTx/>
+                        <a:buSzTx/>
+                        <a:buFontTx/>
+                        <a:buNone/>
+                        <a:tabLst/>
+                        <a:defRPr/>
+                      </a:pPr>
+                      <a:endParaRPr lang="ko-KR" altLang="en-US" sz="1000" dirty="0">
+                        <a:solidFill>
+                          <a:srgbClr val="FF9900"/>
+                        </a:solidFill>
+                      </a:endParaRPr>
+                    </a:p>
+                  </a:txBody>
+                  <a:tcPr anchor="ctr">
+                    <a:lnL w="12700" cap="flat" cmpd="sng" algn="ctr">
+                      <a:noFill/>
+                      <a:prstDash val="solid"/>
+                      <a:round/>
+                      <a:headEnd type="none" w="med" len="med"/>
+                      <a:tailEnd type="none" w="med" len="med"/>
+                    </a:lnL>
+                    <a:lnR w="12700" cap="flat" cmpd="sng" algn="ctr">
+                      <a:noFill/>
+                      <a:prstDash val="solid"/>
+                      <a:round/>
+                      <a:headEnd type="none" w="med" len="med"/>
+                      <a:tailEnd type="none" w="med" len="med"/>
+                    </a:lnR>
+                    <a:lnT w="12700" cap="flat" cmpd="sng" algn="ctr">
+                      <a:noFill/>
+                      <a:prstDash val="solid"/>
+                      <a:round/>
+                      <a:headEnd type="none" w="med" len="med"/>
+                      <a:tailEnd type="none" w="med" len="med"/>
+                    </a:lnT>
+                    <a:lnB w="12700" cap="flat" cmpd="sng" algn="ctr">
+                      <a:noFill/>
+                      <a:prstDash val="solid"/>
+                      <a:round/>
+                      <a:headEnd type="none" w="med" len="med"/>
+                      <a:tailEnd type="none" w="med" len="med"/>
+                    </a:lnB>
+                    <a:solidFill>
+                      <a:schemeClr val="bg1"/>
+                    </a:solidFill>
+                  </a:tcPr>
+                </a:tc>
+                <a:tc>
+                  <a:txBody>
+                    <a:bodyPr/>
+                    <a:lstStyle/>
+                    <a:p>
+                      <a:pPr algn="ctr" latinLnBrk="1"/>
+                      <a:endParaRPr lang="ko-KR" altLang="en-US" sz="1000" dirty="0"/>
+                    </a:p>
+                  </a:txBody>
+                  <a:tcPr anchor="ctr">
+                    <a:lnL w="12700" cap="flat" cmpd="sng" algn="ctr">
+                      <a:noFill/>
+                      <a:prstDash val="solid"/>
+                      <a:round/>
+                      <a:headEnd type="none" w="med" len="med"/>
+                      <a:tailEnd type="none" w="med" len="med"/>
+                    </a:lnL>
+                    <a:lnR w="12700" cap="flat" cmpd="sng" algn="ctr">
+                      <a:noFill/>
+                      <a:prstDash val="solid"/>
+                      <a:round/>
+                      <a:headEnd type="none" w="med" len="med"/>
+                      <a:tailEnd type="none" w="med" len="med"/>
+                    </a:lnR>
+                    <a:lnT w="12700" cap="flat" cmpd="sng" algn="ctr">
+                      <a:noFill/>
+                      <a:prstDash val="solid"/>
+                      <a:round/>
+                      <a:headEnd type="none" w="med" len="med"/>
+                      <a:tailEnd type="none" w="med" len="med"/>
+                    </a:lnT>
+                    <a:lnB w="12700" cap="flat" cmpd="sng" algn="ctr">
+                      <a:noFill/>
+                      <a:prstDash val="solid"/>
+                      <a:round/>
+                      <a:headEnd type="none" w="med" len="med"/>
+                      <a:tailEnd type="none" w="med" len="med"/>
+                    </a:lnB>
+                    <a:solidFill>
+                      <a:schemeClr val="bg1"/>
+                    </a:solidFill>
+                  </a:tcPr>
+                </a:tc>
+                <a:tc>
+                  <a:txBody>
+                    <a:bodyPr/>
+                    <a:lstStyle/>
+                    <a:p>
+                      <a:pPr algn="ctr" latinLnBrk="1"/>
+                      <a:endParaRPr lang="ko-KR" altLang="en-US" sz="1000" dirty="0"/>
+                    </a:p>
+                  </a:txBody>
+                  <a:tcPr anchor="ctr">
+                    <a:lnL w="12700" cap="flat" cmpd="sng" algn="ctr">
+                      <a:noFill/>
+                      <a:prstDash val="solid"/>
+                      <a:round/>
+                      <a:headEnd type="none" w="med" len="med"/>
+                      <a:tailEnd type="none" w="med" len="med"/>
+                    </a:lnL>
+                    <a:lnR w="12700" cap="flat" cmpd="sng" algn="ctr">
+                      <a:noFill/>
+                      <a:prstDash val="solid"/>
+                      <a:round/>
+                      <a:headEnd type="none" w="med" len="med"/>
+                      <a:tailEnd type="none" w="med" len="med"/>
+                    </a:lnR>
+                    <a:lnT w="12700" cap="flat" cmpd="sng" algn="ctr">
+                      <a:noFill/>
+                      <a:prstDash val="solid"/>
+                      <a:round/>
+                      <a:headEnd type="none" w="med" len="med"/>
+                      <a:tailEnd type="none" w="med" len="med"/>
+                    </a:lnT>
+                    <a:lnB w="12700" cap="flat" cmpd="sng" algn="ctr">
+                      <a:noFill/>
+                      <a:prstDash val="solid"/>
+                      <a:round/>
+                      <a:headEnd type="none" w="med" len="med"/>
+                      <a:tailEnd type="none" w="med" len="med"/>
+                    </a:lnB>
+                    <a:solidFill>
+                      <a:schemeClr val="bg1"/>
+                    </a:solidFill>
+                  </a:tcPr>
+                </a:tc>
+                <a:tc>
+                  <a:txBody>
+                    <a:bodyPr/>
+                    <a:lstStyle/>
+                    <a:p>
+                      <a:pPr algn="ctr" latinLnBrk="1"/>
+                      <a:endParaRPr lang="ko-KR" altLang="en-US" sz="1000"/>
+                    </a:p>
+                  </a:txBody>
+                  <a:tcPr anchor="ctr">
+                    <a:lnL w="12700" cap="flat" cmpd="sng" algn="ctr">
+                      <a:noFill/>
+                      <a:prstDash val="solid"/>
+                      <a:round/>
+                      <a:headEnd type="none" w="med" len="med"/>
+                      <a:tailEnd type="none" w="med" len="med"/>
+                    </a:lnL>
+                    <a:lnR w="12700" cap="flat" cmpd="sng" algn="ctr">
+                      <a:noFill/>
+                      <a:prstDash val="solid"/>
+                      <a:round/>
+                      <a:headEnd type="none" w="med" len="med"/>
+                      <a:tailEnd type="none" w="med" len="med"/>
+                    </a:lnR>
+                    <a:lnT w="12700" cap="flat" cmpd="sng" algn="ctr">
+                      <a:noFill/>
+                      <a:prstDash val="solid"/>
+                      <a:round/>
+                      <a:headEnd type="none" w="med" len="med"/>
+                      <a:tailEnd type="none" w="med" len="med"/>
+                    </a:lnT>
+                    <a:lnB w="12700" cap="flat" cmpd="sng" algn="ctr">
+                      <a:noFill/>
+                      <a:prstDash val="solid"/>
+                      <a:round/>
+                      <a:headEnd type="none" w="med" len="med"/>
+                      <a:tailEnd type="none" w="med" len="med"/>
+                    </a:lnB>
+                    <a:solidFill>
+                      <a:schemeClr val="bg1"/>
+                    </a:solidFill>
+                  </a:tcPr>
+                </a:tc>
+                <a:tc>
+                  <a:txBody>
+                    <a:bodyPr/>
+                    <a:lstStyle/>
+                    <a:p>
+                      <a:pPr algn="ctr" latinLnBrk="1"/>
+                      <a:endParaRPr lang="ko-KR" altLang="en-US" sz="1000"/>
+                    </a:p>
+                  </a:txBody>
+                  <a:tcPr anchor="ctr">
+                    <a:lnL w="12700" cap="flat" cmpd="sng" algn="ctr">
+                      <a:noFill/>
+                      <a:prstDash val="solid"/>
+                      <a:round/>
+                      <a:headEnd type="none" w="med" len="med"/>
+                      <a:tailEnd type="none" w="med" len="med"/>
+                    </a:lnL>
+                    <a:lnR w="12700" cap="flat" cmpd="sng" algn="ctr">
+                      <a:noFill/>
+                      <a:prstDash val="solid"/>
+                      <a:round/>
+                      <a:headEnd type="none" w="med" len="med"/>
+                      <a:tailEnd type="none" w="med" len="med"/>
+                    </a:lnR>
+                    <a:lnT w="12700" cap="flat" cmpd="sng" algn="ctr">
+                      <a:noFill/>
+                      <a:prstDash val="solid"/>
+                      <a:round/>
+                      <a:headEnd type="none" w="med" len="med"/>
+                      <a:tailEnd type="none" w="med" len="med"/>
+                    </a:lnT>
+                    <a:lnB w="12700" cap="flat" cmpd="sng" algn="ctr">
+                      <a:noFill/>
+                      <a:prstDash val="solid"/>
+                      <a:round/>
+                      <a:headEnd type="none" w="med" len="med"/>
+                      <a:tailEnd type="none" w="med" len="med"/>
+                    </a:lnB>
+                    <a:solidFill>
+                      <a:schemeClr val="bg1"/>
+                    </a:solidFill>
+                  </a:tcPr>
+                </a:tc>
+                <a:extLst>
+                  <a:ext uri="{0D108BD9-81ED-4DB2-BD59-A6C34878D82A}">
+                    <a16:rowId xmlns:a16="http://schemas.microsoft.com/office/drawing/2014/main" val="186801980"/>
+                  </a:ext>
+                </a:extLst>
+              </a:tr>
+              <a:tr h="678931">
+                <a:tc vMerge="1">
+                  <a:txBody>
+                    <a:bodyPr/>
+                    <a:lstStyle/>
+                    <a:p>
+                      <a:pPr algn="ctr" latinLnBrk="1"/>
+                      <a:endParaRPr lang="ko-KR" altLang="en-US" sz="1000" dirty="0"/>
+                    </a:p>
+                  </a:txBody>
+                  <a:tcPr/>
+                </a:tc>
+                <a:tc>
+                  <a:txBody>
+                    <a:bodyPr/>
+                    <a:lstStyle/>
+                    <a:p>
+                      <a:pPr algn="ctr" latinLnBrk="1"/>
+                      <a:r>
+                        <a:rPr lang="en-US" altLang="ko-KR" sz="900" dirty="0"/>
+                        <a:t>UI(user interface)</a:t>
+                      </a:r>
+                    </a:p>
+                    <a:p>
+                      <a:pPr algn="ctr" latinLnBrk="1"/>
+                      <a:r>
+                        <a:rPr lang="ko-KR" altLang="en-US" sz="900" dirty="0"/>
+                        <a:t>구상</a:t>
+                      </a:r>
+                    </a:p>
+                  </a:txBody>
+                  <a:tcPr anchor="ctr">
+                    <a:lnL w="12700" cap="flat" cmpd="sng" algn="ctr">
+                      <a:noFill/>
+                      <a:prstDash val="solid"/>
+                      <a:round/>
+                      <a:headEnd type="none" w="med" len="med"/>
+                      <a:tailEnd type="none" w="med" len="med"/>
+                    </a:lnL>
+                    <a:lnR w="12700" cap="flat" cmpd="sng" algn="ctr">
+                      <a:noFill/>
+                      <a:prstDash val="solid"/>
+                      <a:round/>
+                      <a:headEnd type="none" w="med" len="med"/>
+                      <a:tailEnd type="none" w="med" len="med"/>
+                    </a:lnR>
+                    <a:lnT w="12700" cap="flat" cmpd="sng" algn="ctr">
+                      <a:noFill/>
+                      <a:prstDash val="solid"/>
+                      <a:round/>
+                      <a:headEnd type="none" w="med" len="med"/>
+                      <a:tailEnd type="none" w="med" len="med"/>
+                    </a:lnT>
+                    <a:lnB w="12700" cap="flat" cmpd="sng" algn="ctr">
+                      <a:noFill/>
+                      <a:prstDash val="solid"/>
+                      <a:round/>
+                      <a:headEnd type="none" w="med" len="med"/>
+                      <a:tailEnd type="none" w="med" len="med"/>
+                    </a:lnB>
+                    <a:solidFill>
+                      <a:srgbClr val="FF9900"/>
+                    </a:solidFill>
+                  </a:tcPr>
+                </a:tc>
+                <a:tc>
+                  <a:txBody>
+                    <a:bodyPr/>
+                    <a:lstStyle/>
+                    <a:p>
+                      <a:pPr marL="0" marR="0" lvl="0" indent="0" algn="ctr" defTabSz="914400" rtl="0" eaLnBrk="1" fontAlgn="auto" latinLnBrk="1" hangingPunct="1">
+                        <a:lnSpc>
+                          <a:spcPct val="100000"/>
+                        </a:lnSpc>
+                        <a:spcBef>
+                          <a:spcPts val="0"/>
+                        </a:spcBef>
+                        <a:spcAft>
+                          <a:spcPts val="0"/>
+                        </a:spcAft>
+                        <a:buClrTx/>
+                        <a:buSzTx/>
+                        <a:buFontTx/>
+                        <a:buNone/>
+                        <a:tabLst/>
+                        <a:defRPr/>
+                      </a:pPr>
+                      <a:r>
+                        <a:rPr lang="en-US" altLang="ko-KR" sz="3000" dirty="0">
+                          <a:solidFill>
+                            <a:srgbClr val="FF9900"/>
+                          </a:solidFill>
+                        </a:rPr>
+                        <a:t>O</a:t>
+                      </a:r>
+                      <a:endParaRPr lang="ko-KR" altLang="en-US" sz="3000" dirty="0">
+                        <a:solidFill>
+                          <a:srgbClr val="FF9900"/>
+                        </a:solidFill>
+                      </a:endParaRPr>
+                    </a:p>
+                  </a:txBody>
+                  <a:tcPr anchor="ctr">
+                    <a:lnL w="12700" cap="flat" cmpd="sng" algn="ctr">
+                      <a:noFill/>
+                      <a:prstDash val="solid"/>
+                      <a:round/>
+                      <a:headEnd type="none" w="med" len="med"/>
+                      <a:tailEnd type="none" w="med" len="med"/>
+                    </a:lnL>
+                    <a:lnR w="12700" cap="flat" cmpd="sng" algn="ctr">
+                      <a:noFill/>
+                      <a:prstDash val="solid"/>
+                      <a:round/>
+                      <a:headEnd type="none" w="med" len="med"/>
+                      <a:tailEnd type="none" w="med" len="med"/>
+                    </a:lnR>
+                    <a:lnT w="12700" cap="flat" cmpd="sng" algn="ctr">
+                      <a:noFill/>
+                      <a:prstDash val="solid"/>
+                      <a:round/>
+                      <a:headEnd type="none" w="med" len="med"/>
+                      <a:tailEnd type="none" w="med" len="med"/>
+                    </a:lnT>
+                    <a:lnB w="12700" cap="flat" cmpd="sng" algn="ctr">
+                      <a:noFill/>
+                      <a:prstDash val="solid"/>
+                      <a:round/>
+                      <a:headEnd type="none" w="med" len="med"/>
+                      <a:tailEnd type="none" w="med" len="med"/>
+                    </a:lnB>
+                    <a:solidFill>
+                      <a:schemeClr val="bg1"/>
+                    </a:solidFill>
+                  </a:tcPr>
+                </a:tc>
+                <a:tc>
+                  <a:txBody>
+                    <a:bodyPr/>
+                    <a:lstStyle/>
+                    <a:p>
+                      <a:pPr algn="ctr" latinLnBrk="1"/>
+                      <a:endParaRPr lang="ko-KR" altLang="en-US" sz="1000" dirty="0"/>
+                    </a:p>
+                  </a:txBody>
+                  <a:tcPr anchor="ctr">
+                    <a:lnL w="12700" cap="flat" cmpd="sng" algn="ctr">
+                      <a:noFill/>
+                      <a:prstDash val="solid"/>
+                      <a:round/>
+                      <a:headEnd type="none" w="med" len="med"/>
+                      <a:tailEnd type="none" w="med" len="med"/>
+                    </a:lnL>
+                    <a:lnR w="12700" cap="flat" cmpd="sng" algn="ctr">
+                      <a:noFill/>
+                      <a:prstDash val="solid"/>
+                      <a:round/>
+                      <a:headEnd type="none" w="med" len="med"/>
+                      <a:tailEnd type="none" w="med" len="med"/>
+                    </a:lnR>
+                    <a:lnT w="12700" cap="flat" cmpd="sng" algn="ctr">
+                      <a:noFill/>
+                      <a:prstDash val="solid"/>
+                      <a:round/>
+                      <a:headEnd type="none" w="med" len="med"/>
+                      <a:tailEnd type="none" w="med" len="med"/>
+                    </a:lnT>
+                    <a:lnB w="12700" cap="flat" cmpd="sng" algn="ctr">
+                      <a:noFill/>
+                      <a:prstDash val="solid"/>
+                      <a:round/>
+                      <a:headEnd type="none" w="med" len="med"/>
+                      <a:tailEnd type="none" w="med" len="med"/>
+                    </a:lnB>
+                    <a:solidFill>
+                      <a:schemeClr val="bg1"/>
+                    </a:solidFill>
+                  </a:tcPr>
+                </a:tc>
+                <a:tc>
+                  <a:txBody>
+                    <a:bodyPr/>
+                    <a:lstStyle/>
+                    <a:p>
+                      <a:pPr algn="ctr" latinLnBrk="1"/>
+                      <a:endParaRPr lang="ko-KR" altLang="en-US" sz="1000" dirty="0"/>
+                    </a:p>
+                  </a:txBody>
+                  <a:tcPr anchor="ctr">
+                    <a:lnL w="12700" cap="flat" cmpd="sng" algn="ctr">
+                      <a:noFill/>
+                      <a:prstDash val="solid"/>
+                      <a:round/>
+                      <a:headEnd type="none" w="med" len="med"/>
+                      <a:tailEnd type="none" w="med" len="med"/>
+                    </a:lnL>
+                    <a:lnR w="12700" cap="flat" cmpd="sng" algn="ctr">
+                      <a:noFill/>
+                      <a:prstDash val="solid"/>
+                      <a:round/>
+                      <a:headEnd type="none" w="med" len="med"/>
+                      <a:tailEnd type="none" w="med" len="med"/>
+                    </a:lnR>
+                    <a:lnT w="12700" cap="flat" cmpd="sng" algn="ctr">
+                      <a:noFill/>
+                      <a:prstDash val="solid"/>
+                      <a:round/>
+                      <a:headEnd type="none" w="med" len="med"/>
+                      <a:tailEnd type="none" w="med" len="med"/>
+                    </a:lnT>
+                    <a:lnB w="12700" cap="flat" cmpd="sng" algn="ctr">
+                      <a:noFill/>
+                      <a:prstDash val="solid"/>
+                      <a:round/>
+                      <a:headEnd type="none" w="med" len="med"/>
+                      <a:tailEnd type="none" w="med" len="med"/>
+                    </a:lnB>
+                    <a:solidFill>
+                      <a:schemeClr val="bg1"/>
+                    </a:solidFill>
+                  </a:tcPr>
+                </a:tc>
+                <a:tc>
+                  <a:txBody>
+                    <a:bodyPr/>
+                    <a:lstStyle/>
+                    <a:p>
+                      <a:pPr algn="ctr" latinLnBrk="1"/>
+                      <a:endParaRPr lang="ko-KR" altLang="en-US" sz="1000" dirty="0"/>
+                    </a:p>
+                  </a:txBody>
+                  <a:tcPr anchor="ctr">
+                    <a:lnL w="12700" cap="flat" cmpd="sng" algn="ctr">
+                      <a:noFill/>
+                      <a:prstDash val="solid"/>
+                      <a:round/>
+                      <a:headEnd type="none" w="med" len="med"/>
+                      <a:tailEnd type="none" w="med" len="med"/>
+                    </a:lnL>
+                    <a:lnR w="12700" cap="flat" cmpd="sng" algn="ctr">
+                      <a:noFill/>
+                      <a:prstDash val="solid"/>
+                      <a:round/>
+                      <a:headEnd type="none" w="med" len="med"/>
+                      <a:tailEnd type="none" w="med" len="med"/>
+                    </a:lnR>
+                    <a:lnT w="12700" cap="flat" cmpd="sng" algn="ctr">
+                      <a:noFill/>
+                      <a:prstDash val="solid"/>
+                      <a:round/>
+                      <a:headEnd type="none" w="med" len="med"/>
+                      <a:tailEnd type="none" w="med" len="med"/>
+                    </a:lnT>
+                    <a:lnB w="12700" cap="flat" cmpd="sng" algn="ctr">
+                      <a:noFill/>
+                      <a:prstDash val="solid"/>
+                      <a:round/>
+                      <a:headEnd type="none" w="med" len="med"/>
+                      <a:tailEnd type="none" w="med" len="med"/>
+                    </a:lnB>
+                    <a:solidFill>
+                      <a:schemeClr val="bg1"/>
+                    </a:solidFill>
+                  </a:tcPr>
+                </a:tc>
+                <a:tc>
+                  <a:txBody>
+                    <a:bodyPr/>
+                    <a:lstStyle/>
+                    <a:p>
+                      <a:pPr algn="ctr" latinLnBrk="1"/>
+                      <a:endParaRPr lang="ko-KR" altLang="en-US" sz="1000" dirty="0"/>
+                    </a:p>
+                  </a:txBody>
+                  <a:tcPr anchor="ctr">
+                    <a:lnL w="12700" cap="flat" cmpd="sng" algn="ctr">
+                      <a:noFill/>
+                      <a:prstDash val="solid"/>
+                      <a:round/>
+                      <a:headEnd type="none" w="med" len="med"/>
+                      <a:tailEnd type="none" w="med" len="med"/>
+                    </a:lnL>
+                    <a:lnR w="12700" cap="flat" cmpd="sng" algn="ctr">
+                      <a:noFill/>
+                      <a:prstDash val="solid"/>
+                      <a:round/>
+                      <a:headEnd type="none" w="med" len="med"/>
+                      <a:tailEnd type="none" w="med" len="med"/>
+                    </a:lnR>
+                    <a:lnT w="12700" cap="flat" cmpd="sng" algn="ctr">
+                      <a:noFill/>
+                      <a:prstDash val="solid"/>
+                      <a:round/>
+                      <a:headEnd type="none" w="med" len="med"/>
+                      <a:tailEnd type="none" w="med" len="med"/>
+                    </a:lnT>
+                    <a:lnB w="12700" cap="flat" cmpd="sng" algn="ctr">
+                      <a:noFill/>
+                      <a:prstDash val="solid"/>
+                      <a:round/>
+                      <a:headEnd type="none" w="med" len="med"/>
+                      <a:tailEnd type="none" w="med" len="med"/>
+                    </a:lnB>
+                    <a:solidFill>
+                      <a:schemeClr val="bg1"/>
+                    </a:solidFill>
+                  </a:tcPr>
+                </a:tc>
+                <a:extLst>
+                  <a:ext uri="{0D108BD9-81ED-4DB2-BD59-A6C34878D82A}">
+                    <a16:rowId xmlns:a16="http://schemas.microsoft.com/office/drawing/2014/main" val="261788101"/>
+                  </a:ext>
+                </a:extLst>
+              </a:tr>
+              <a:tr h="678931">
+                <a:tc vMerge="1">
+                  <a:txBody>
+                    <a:bodyPr/>
+                    <a:lstStyle/>
+                    <a:p>
+                      <a:pPr latinLnBrk="1"/>
+                      <a:endParaRPr lang="ko-KR" altLang="en-US"/>
+                    </a:p>
+                  </a:txBody>
+                  <a:tcPr/>
+                </a:tc>
+                <a:tc>
+                  <a:txBody>
+                    <a:bodyPr/>
+                    <a:lstStyle/>
+                    <a:p>
+                      <a:pPr algn="ctr" latinLnBrk="1"/>
+                      <a:r>
+                        <a:rPr lang="en-US" altLang="ko-KR" sz="900" dirty="0"/>
+                        <a:t>UI</a:t>
+                      </a:r>
+                      <a:r>
+                        <a:rPr lang="ko-KR" altLang="en-US" sz="900" dirty="0"/>
+                        <a:t> 구현</a:t>
+                      </a:r>
+                    </a:p>
+                  </a:txBody>
+                  <a:tcPr anchor="ctr">
+                    <a:lnL w="12700" cap="flat" cmpd="sng" algn="ctr">
+                      <a:noFill/>
+                      <a:prstDash val="solid"/>
+                      <a:round/>
+                      <a:headEnd type="none" w="med" len="med"/>
+                      <a:tailEnd type="none" w="med" len="med"/>
+                    </a:lnL>
+                    <a:lnR w="12700" cap="flat" cmpd="sng" algn="ctr">
+                      <a:noFill/>
+                      <a:prstDash val="solid"/>
+                      <a:round/>
+                      <a:headEnd type="none" w="med" len="med"/>
+                      <a:tailEnd type="none" w="med" len="med"/>
+                    </a:lnR>
+                    <a:lnT w="12700" cap="flat" cmpd="sng" algn="ctr">
+                      <a:noFill/>
+                      <a:prstDash val="solid"/>
+                      <a:round/>
+                      <a:headEnd type="none" w="med" len="med"/>
+                      <a:tailEnd type="none" w="med" len="med"/>
+                    </a:lnT>
+                    <a:lnB w="12700" cap="flat" cmpd="sng" algn="ctr">
+                      <a:noFill/>
+                      <a:prstDash val="solid"/>
+                      <a:round/>
+                      <a:headEnd type="none" w="med" len="med"/>
+                      <a:tailEnd type="none" w="med" len="med"/>
+                    </a:lnB>
+                    <a:solidFill>
+                      <a:srgbClr val="FF9900"/>
+                    </a:solidFill>
+                  </a:tcPr>
+                </a:tc>
+                <a:tc>
+                  <a:txBody>
+                    <a:bodyPr/>
+                    <a:lstStyle/>
+                    <a:p>
+                      <a:pPr algn="ctr" latinLnBrk="1"/>
+                      <a:endParaRPr lang="ko-KR" altLang="en-US" sz="1000" dirty="0"/>
+                    </a:p>
+                  </a:txBody>
+                  <a:tcPr anchor="ctr">
+                    <a:lnL w="12700" cap="flat" cmpd="sng" algn="ctr">
+                      <a:noFill/>
+                      <a:prstDash val="solid"/>
+                      <a:round/>
+                      <a:headEnd type="none" w="med" len="med"/>
+                      <a:tailEnd type="none" w="med" len="med"/>
+                    </a:lnL>
+                    <a:lnR w="12700" cap="flat" cmpd="sng" algn="ctr">
+                      <a:noFill/>
+                      <a:prstDash val="solid"/>
+                      <a:round/>
+                      <a:headEnd type="none" w="med" len="med"/>
+                      <a:tailEnd type="none" w="med" len="med"/>
+                    </a:lnR>
+                    <a:lnT w="12700" cap="flat" cmpd="sng" algn="ctr">
+                      <a:noFill/>
+                      <a:prstDash val="solid"/>
+                      <a:round/>
+                      <a:headEnd type="none" w="med" len="med"/>
+                      <a:tailEnd type="none" w="med" len="med"/>
+                    </a:lnT>
+                    <a:lnB w="12700" cap="flat" cmpd="sng" algn="ctr">
+                      <a:noFill/>
+                      <a:prstDash val="solid"/>
+                      <a:round/>
+                      <a:headEnd type="none" w="med" len="med"/>
+                      <a:tailEnd type="none" w="med" len="med"/>
+                    </a:lnB>
+                    <a:solidFill>
+                      <a:schemeClr val="bg1"/>
+                    </a:solidFill>
+                  </a:tcPr>
+                </a:tc>
+                <a:tc>
+                  <a:txBody>
+                    <a:bodyPr/>
+                    <a:lstStyle/>
+                    <a:p>
+                      <a:pPr algn="ctr" latinLnBrk="1"/>
+                      <a:endParaRPr lang="ko-KR" altLang="en-US" sz="1000" dirty="0"/>
+                    </a:p>
+                  </a:txBody>
+                  <a:tcPr anchor="ctr">
+                    <a:lnL w="12700" cap="flat" cmpd="sng" algn="ctr">
+                      <a:noFill/>
+                      <a:prstDash val="solid"/>
+                      <a:round/>
+                      <a:headEnd type="none" w="med" len="med"/>
+                      <a:tailEnd type="none" w="med" len="med"/>
+                    </a:lnL>
+                    <a:lnR w="12700" cap="flat" cmpd="sng" algn="ctr">
+                      <a:noFill/>
+                      <a:prstDash val="solid"/>
+                      <a:round/>
+                      <a:headEnd type="none" w="med" len="med"/>
+                      <a:tailEnd type="none" w="med" len="med"/>
+                    </a:lnR>
+                    <a:lnT w="12700" cap="flat" cmpd="sng" algn="ctr">
+                      <a:noFill/>
+                      <a:prstDash val="solid"/>
+                      <a:round/>
+                      <a:headEnd type="none" w="med" len="med"/>
+                      <a:tailEnd type="none" w="med" len="med"/>
+                    </a:lnT>
+                    <a:lnB w="12700" cap="flat" cmpd="sng" algn="ctr">
+                      <a:noFill/>
+                      <a:prstDash val="solid"/>
+                      <a:round/>
+                      <a:headEnd type="none" w="med" len="med"/>
+                      <a:tailEnd type="none" w="med" len="med"/>
+                    </a:lnB>
+                    <a:solidFill>
+                      <a:schemeClr val="bg1"/>
+                    </a:solidFill>
+                  </a:tcPr>
+                </a:tc>
+                <a:tc>
+                  <a:txBody>
+                    <a:bodyPr/>
+                    <a:lstStyle/>
+                    <a:p>
+                      <a:pPr algn="ctr" latinLnBrk="1"/>
+                      <a:endParaRPr lang="ko-KR" altLang="en-US" sz="1000" dirty="0"/>
+                    </a:p>
+                  </a:txBody>
+                  <a:tcPr anchor="ctr">
+                    <a:lnL w="12700" cap="flat" cmpd="sng" algn="ctr">
+                      <a:noFill/>
+                      <a:prstDash val="solid"/>
+                      <a:round/>
+                      <a:headEnd type="none" w="med" len="med"/>
+                      <a:tailEnd type="none" w="med" len="med"/>
+                    </a:lnL>
+                    <a:lnR w="12700" cap="flat" cmpd="sng" algn="ctr">
+                      <a:noFill/>
+                      <a:prstDash val="solid"/>
+                      <a:round/>
+                      <a:headEnd type="none" w="med" len="med"/>
+                      <a:tailEnd type="none" w="med" len="med"/>
+                    </a:lnR>
+                    <a:lnT w="12700" cap="flat" cmpd="sng" algn="ctr">
+                      <a:noFill/>
+                      <a:prstDash val="solid"/>
+                      <a:round/>
+                      <a:headEnd type="none" w="med" len="med"/>
+                      <a:tailEnd type="none" w="med" len="med"/>
+                    </a:lnT>
+                    <a:lnB w="12700" cap="flat" cmpd="sng" algn="ctr">
+                      <a:noFill/>
+                      <a:prstDash val="solid"/>
+                      <a:round/>
+                      <a:headEnd type="none" w="med" len="med"/>
+                      <a:tailEnd type="none" w="med" len="med"/>
+                    </a:lnB>
+                    <a:solidFill>
+                      <a:schemeClr val="bg1"/>
+                    </a:solidFill>
+                  </a:tcPr>
+                </a:tc>
+                <a:tc>
+                  <a:txBody>
+                    <a:bodyPr/>
+                    <a:lstStyle/>
+                    <a:p>
+                      <a:pPr algn="ctr" latinLnBrk="1"/>
+                      <a:endParaRPr lang="ko-KR" altLang="en-US" sz="1000" dirty="0"/>
+                    </a:p>
+                  </a:txBody>
+                  <a:tcPr anchor="ctr">
+                    <a:lnL w="12700" cap="flat" cmpd="sng" algn="ctr">
+                      <a:noFill/>
+                      <a:prstDash val="solid"/>
+                      <a:round/>
+                      <a:headEnd type="none" w="med" len="med"/>
+                      <a:tailEnd type="none" w="med" len="med"/>
+                    </a:lnL>
+                    <a:lnR w="12700" cap="flat" cmpd="sng" algn="ctr">
+                      <a:noFill/>
+                      <a:prstDash val="solid"/>
+                      <a:round/>
+                      <a:headEnd type="none" w="med" len="med"/>
+                      <a:tailEnd type="none" w="med" len="med"/>
+                    </a:lnR>
+                    <a:lnT w="12700" cap="flat" cmpd="sng" algn="ctr">
+                      <a:noFill/>
+                      <a:prstDash val="solid"/>
+                      <a:round/>
+                      <a:headEnd type="none" w="med" len="med"/>
+                      <a:tailEnd type="none" w="med" len="med"/>
+                    </a:lnT>
+                    <a:lnB w="12700" cap="flat" cmpd="sng" algn="ctr">
+                      <a:noFill/>
+                      <a:prstDash val="solid"/>
+                      <a:round/>
+                      <a:headEnd type="none" w="med" len="med"/>
+                      <a:tailEnd type="none" w="med" len="med"/>
+                    </a:lnB>
+                    <a:solidFill>
+                      <a:schemeClr val="bg1"/>
+                    </a:solidFill>
+                  </a:tcPr>
+                </a:tc>
+                <a:tc>
+                  <a:txBody>
+                    <a:bodyPr/>
+                    <a:lstStyle/>
+                    <a:p>
+                      <a:pPr algn="ctr" latinLnBrk="1"/>
+                      <a:endParaRPr lang="ko-KR" altLang="en-US" sz="1000" dirty="0"/>
+                    </a:p>
+                  </a:txBody>
+                  <a:tcPr anchor="ctr">
+                    <a:lnL w="12700" cap="flat" cmpd="sng" algn="ctr">
+                      <a:noFill/>
+                      <a:prstDash val="solid"/>
+                      <a:round/>
+                      <a:headEnd type="none" w="med" len="med"/>
+                      <a:tailEnd type="none" w="med" len="med"/>
+                    </a:lnL>
+                    <a:lnR w="12700" cap="flat" cmpd="sng" algn="ctr">
+                      <a:noFill/>
+                      <a:prstDash val="solid"/>
+                      <a:round/>
+                      <a:headEnd type="none" w="med" len="med"/>
+                      <a:tailEnd type="none" w="med" len="med"/>
+                    </a:lnR>
+                    <a:lnT w="12700" cap="flat" cmpd="sng" algn="ctr">
+                      <a:noFill/>
+                      <a:prstDash val="solid"/>
+                      <a:round/>
+                      <a:headEnd type="none" w="med" len="med"/>
+                      <a:tailEnd type="none" w="med" len="med"/>
+                    </a:lnT>
+                    <a:lnB w="12700" cap="flat" cmpd="sng" algn="ctr">
+                      <a:noFill/>
+                      <a:prstDash val="solid"/>
+                      <a:round/>
+                      <a:headEnd type="none" w="med" len="med"/>
+                      <a:tailEnd type="none" w="med" len="med"/>
+                    </a:lnB>
+                    <a:solidFill>
+                      <a:schemeClr val="bg1"/>
+                    </a:solidFill>
+                  </a:tcPr>
+                </a:tc>
+                <a:extLst>
+                  <a:ext uri="{0D108BD9-81ED-4DB2-BD59-A6C34878D82A}">
+                    <a16:rowId xmlns:a16="http://schemas.microsoft.com/office/drawing/2014/main" val="4244927058"/>
+                  </a:ext>
+                </a:extLst>
+              </a:tr>
+              <a:tr h="678931">
+                <a:tc vMerge="1">
+                  <a:txBody>
+                    <a:bodyPr/>
+                    <a:lstStyle/>
+                    <a:p>
+                      <a:pPr latinLnBrk="1"/>
+                      <a:endParaRPr lang="ko-KR" altLang="en-US"/>
+                    </a:p>
+                  </a:txBody>
+                  <a:tcPr/>
+                </a:tc>
+                <a:tc>
+                  <a:txBody>
+                    <a:bodyPr/>
+                    <a:lstStyle/>
+                    <a:p>
+                      <a:pPr algn="ctr" latinLnBrk="1"/>
+                      <a:r>
+                        <a:rPr lang="en-US" altLang="ko-KR" sz="900" dirty="0"/>
+                        <a:t>DB table </a:t>
+                      </a:r>
+                      <a:r>
+                        <a:rPr lang="ko-KR" altLang="en-US" sz="900" dirty="0"/>
+                        <a:t>설계</a:t>
+                      </a:r>
+                    </a:p>
+                  </a:txBody>
+                  <a:tcPr anchor="ctr">
+                    <a:lnL w="12700" cap="flat" cmpd="sng" algn="ctr">
+                      <a:noFill/>
+                      <a:prstDash val="solid"/>
+                      <a:round/>
+                      <a:headEnd type="none" w="med" len="med"/>
+                      <a:tailEnd type="none" w="med" len="med"/>
+                    </a:lnL>
+                    <a:lnR w="12700" cap="flat" cmpd="sng" algn="ctr">
+                      <a:noFill/>
+                      <a:prstDash val="solid"/>
+                      <a:round/>
+                      <a:headEnd type="none" w="med" len="med"/>
+                      <a:tailEnd type="none" w="med" len="med"/>
+                    </a:lnR>
+                    <a:lnT w="12700" cap="flat" cmpd="sng" algn="ctr">
+                      <a:noFill/>
+                      <a:prstDash val="solid"/>
+                      <a:round/>
+                      <a:headEnd type="none" w="med" len="med"/>
+                      <a:tailEnd type="none" w="med" len="med"/>
+                    </a:lnT>
+                    <a:lnB w="12700" cap="flat" cmpd="sng" algn="ctr">
+                      <a:noFill/>
+                      <a:prstDash val="solid"/>
+                      <a:round/>
+                      <a:headEnd type="none" w="med" len="med"/>
+                      <a:tailEnd type="none" w="med" len="med"/>
+                    </a:lnB>
+                    <a:solidFill>
+                      <a:srgbClr val="FF9900"/>
+                    </a:solidFill>
+                  </a:tcPr>
+                </a:tc>
+                <a:tc>
+                  <a:txBody>
+                    <a:bodyPr/>
+                    <a:lstStyle/>
+                    <a:p>
+                      <a:pPr algn="ctr" latinLnBrk="1"/>
+                      <a:endParaRPr lang="ko-KR" altLang="en-US" sz="1000" dirty="0"/>
+                    </a:p>
+                  </a:txBody>
+                  <a:tcPr anchor="ctr">
+                    <a:lnL w="12700" cap="flat" cmpd="sng" algn="ctr">
+                      <a:noFill/>
+                      <a:prstDash val="solid"/>
+                      <a:round/>
+                      <a:headEnd type="none" w="med" len="med"/>
+                      <a:tailEnd type="none" w="med" len="med"/>
+                    </a:lnL>
+                    <a:lnR w="12700" cap="flat" cmpd="sng" algn="ctr">
+                      <a:noFill/>
+                      <a:prstDash val="solid"/>
+                      <a:round/>
+                      <a:headEnd type="none" w="med" len="med"/>
+                      <a:tailEnd type="none" w="med" len="med"/>
+                    </a:lnR>
+                    <a:lnT w="12700" cap="flat" cmpd="sng" algn="ctr">
+                      <a:noFill/>
+                      <a:prstDash val="solid"/>
+                      <a:round/>
+                      <a:headEnd type="none" w="med" len="med"/>
+                      <a:tailEnd type="none" w="med" len="med"/>
+                    </a:lnT>
+                    <a:lnB w="12700" cap="flat" cmpd="sng" algn="ctr">
+                      <a:noFill/>
+                      <a:prstDash val="solid"/>
+                      <a:round/>
+                      <a:headEnd type="none" w="med" len="med"/>
+                      <a:tailEnd type="none" w="med" len="med"/>
+                    </a:lnB>
+                    <a:solidFill>
+                      <a:schemeClr val="bg1"/>
+                    </a:solidFill>
+                  </a:tcPr>
+                </a:tc>
+                <a:tc>
+                  <a:txBody>
+                    <a:bodyPr/>
+                    <a:lstStyle/>
+                    <a:p>
+                      <a:pPr algn="ctr" latinLnBrk="1"/>
+                      <a:endParaRPr lang="ko-KR" altLang="en-US" sz="1000" dirty="0"/>
+                    </a:p>
+                  </a:txBody>
+                  <a:tcPr anchor="ctr">
+                    <a:lnL w="12700" cap="flat" cmpd="sng" algn="ctr">
+                      <a:noFill/>
+                      <a:prstDash val="solid"/>
+                      <a:round/>
+                      <a:headEnd type="none" w="med" len="med"/>
+                      <a:tailEnd type="none" w="med" len="med"/>
+                    </a:lnL>
+                    <a:lnR w="12700" cap="flat" cmpd="sng" algn="ctr">
+                      <a:noFill/>
+                      <a:prstDash val="solid"/>
+                      <a:round/>
+                      <a:headEnd type="none" w="med" len="med"/>
+                      <a:tailEnd type="none" w="med" len="med"/>
+                    </a:lnR>
+                    <a:lnT w="12700" cap="flat" cmpd="sng" algn="ctr">
+                      <a:noFill/>
+                      <a:prstDash val="solid"/>
+                      <a:round/>
+                      <a:headEnd type="none" w="med" len="med"/>
+                      <a:tailEnd type="none" w="med" len="med"/>
+                    </a:lnT>
+                    <a:lnB w="12700" cap="flat" cmpd="sng" algn="ctr">
+                      <a:noFill/>
+                      <a:prstDash val="solid"/>
+                      <a:round/>
+                      <a:headEnd type="none" w="med" len="med"/>
+                      <a:tailEnd type="none" w="med" len="med"/>
+                    </a:lnB>
+                    <a:solidFill>
+                      <a:schemeClr val="bg1"/>
+                    </a:solidFill>
+                  </a:tcPr>
+                </a:tc>
+                <a:tc>
+                  <a:txBody>
+                    <a:bodyPr/>
+                    <a:lstStyle/>
+                    <a:p>
+                      <a:pPr algn="ctr" latinLnBrk="1"/>
+                      <a:endParaRPr lang="ko-KR" altLang="en-US" sz="1000" dirty="0"/>
+                    </a:p>
+                  </a:txBody>
+                  <a:tcPr anchor="ctr">
+                    <a:lnL w="12700" cap="flat" cmpd="sng" algn="ctr">
+                      <a:noFill/>
+                      <a:prstDash val="solid"/>
+                      <a:round/>
+                      <a:headEnd type="none" w="med" len="med"/>
+                      <a:tailEnd type="none" w="med" len="med"/>
+                    </a:lnL>
+                    <a:lnR w="12700" cap="flat" cmpd="sng" algn="ctr">
+                      <a:noFill/>
+                      <a:prstDash val="solid"/>
+                      <a:round/>
+                      <a:headEnd type="none" w="med" len="med"/>
+                      <a:tailEnd type="none" w="med" len="med"/>
+                    </a:lnR>
+                    <a:lnT w="12700" cap="flat" cmpd="sng" algn="ctr">
+                      <a:noFill/>
+                      <a:prstDash val="solid"/>
+                      <a:round/>
+                      <a:headEnd type="none" w="med" len="med"/>
+                      <a:tailEnd type="none" w="med" len="med"/>
+                    </a:lnT>
+                    <a:lnB w="12700" cap="flat" cmpd="sng" algn="ctr">
+                      <a:noFill/>
+                      <a:prstDash val="solid"/>
+                      <a:round/>
+                      <a:headEnd type="none" w="med" len="med"/>
+                      <a:tailEnd type="none" w="med" len="med"/>
+                    </a:lnB>
+                    <a:solidFill>
+                      <a:schemeClr val="bg1"/>
+                    </a:solidFill>
+                  </a:tcPr>
+                </a:tc>
+                <a:tc>
+                  <a:txBody>
+                    <a:bodyPr/>
+                    <a:lstStyle/>
+                    <a:p>
+                      <a:pPr algn="ctr" latinLnBrk="1"/>
+                      <a:endParaRPr lang="ko-KR" altLang="en-US" sz="1000" dirty="0"/>
+                    </a:p>
+                  </a:txBody>
+                  <a:tcPr anchor="ctr">
+                    <a:lnL w="12700" cap="flat" cmpd="sng" algn="ctr">
+                      <a:noFill/>
+                      <a:prstDash val="solid"/>
+                      <a:round/>
+                      <a:headEnd type="none" w="med" len="med"/>
+                      <a:tailEnd type="none" w="med" len="med"/>
+                    </a:lnL>
+                    <a:lnR w="12700" cap="flat" cmpd="sng" algn="ctr">
+                      <a:noFill/>
+                      <a:prstDash val="solid"/>
+                      <a:round/>
+                      <a:headEnd type="none" w="med" len="med"/>
+                      <a:tailEnd type="none" w="med" len="med"/>
+                    </a:lnR>
+                    <a:lnT w="12700" cap="flat" cmpd="sng" algn="ctr">
+                      <a:noFill/>
+                      <a:prstDash val="solid"/>
+                      <a:round/>
+                      <a:headEnd type="none" w="med" len="med"/>
+                      <a:tailEnd type="none" w="med" len="med"/>
+                    </a:lnT>
+                    <a:lnB w="12700" cap="flat" cmpd="sng" algn="ctr">
+                      <a:noFill/>
+                      <a:prstDash val="solid"/>
+                      <a:round/>
+                      <a:headEnd type="none" w="med" len="med"/>
+                      <a:tailEnd type="none" w="med" len="med"/>
+                    </a:lnB>
+                    <a:solidFill>
+                      <a:schemeClr val="bg1"/>
+                    </a:solidFill>
+                  </a:tcPr>
+                </a:tc>
+                <a:tc>
+                  <a:txBody>
+                    <a:bodyPr/>
+                    <a:lstStyle/>
+                    <a:p>
+                      <a:pPr algn="ctr" latinLnBrk="1"/>
+                      <a:endParaRPr lang="ko-KR" altLang="en-US" sz="1000" dirty="0"/>
+                    </a:p>
+                  </a:txBody>
+                  <a:tcPr anchor="ctr">
+                    <a:lnL w="12700" cap="flat" cmpd="sng" algn="ctr">
+                      <a:noFill/>
+                      <a:prstDash val="solid"/>
+                      <a:round/>
+                      <a:headEnd type="none" w="med" len="med"/>
+                      <a:tailEnd type="none" w="med" len="med"/>
+                    </a:lnL>
+                    <a:lnR w="12700" cap="flat" cmpd="sng" algn="ctr">
+                      <a:noFill/>
+                      <a:prstDash val="solid"/>
+                      <a:round/>
+                      <a:headEnd type="none" w="med" len="med"/>
+                      <a:tailEnd type="none" w="med" len="med"/>
+                    </a:lnR>
+                    <a:lnT w="12700" cap="flat" cmpd="sng" algn="ctr">
+                      <a:noFill/>
+                      <a:prstDash val="solid"/>
+                      <a:round/>
+                      <a:headEnd type="none" w="med" len="med"/>
+                      <a:tailEnd type="none" w="med" len="med"/>
+                    </a:lnT>
+                    <a:lnB w="12700" cap="flat" cmpd="sng" algn="ctr">
+                      <a:noFill/>
+                      <a:prstDash val="solid"/>
+                      <a:round/>
+                      <a:headEnd type="none" w="med" len="med"/>
+                      <a:tailEnd type="none" w="med" len="med"/>
+                    </a:lnB>
+                    <a:solidFill>
+                      <a:schemeClr val="bg1"/>
+                    </a:solidFill>
+                  </a:tcPr>
+                </a:tc>
+                <a:extLst>
+                  <a:ext uri="{0D108BD9-81ED-4DB2-BD59-A6C34878D82A}">
+                    <a16:rowId xmlns:a16="http://schemas.microsoft.com/office/drawing/2014/main" val="3630994722"/>
+                  </a:ext>
+                </a:extLst>
+              </a:tr>
+            </a:tbl>
+          </a:graphicData>
+        </a:graphic>
+      </p:graphicFrame>
     </p:spTree>
     <p:extLst>
       <p:ext uri="{BB962C8B-B14F-4D97-AF65-F5344CB8AC3E}">
-        <p14:creationId xmlns:p14="http://schemas.microsoft.com/office/powerpoint/2010/main" val="4249227099"/>
+        <p14:creationId xmlns:p14="http://schemas.microsoft.com/office/powerpoint/2010/main" val="2071271880"/>
       </p:ext>
     </p:extLst>
   </p:cSld>

--- a/서버프로그래밍11팀.pptx
+++ b/서버프로그래밍11팀.pptx
@@ -6,10 +6,10 @@
     <p:sldMasterId id="2147483660" r:id="rId2"/>
   </p:sldMasterIdLst>
   <p:notesMasterIdLst>
-    <p:notesMasterId r:id="rId13"/>
+    <p:notesMasterId r:id="rId12"/>
   </p:notesMasterIdLst>
   <p:handoutMasterIdLst>
-    <p:handoutMasterId r:id="rId14"/>
+    <p:handoutMasterId r:id="rId13"/>
   </p:handoutMasterIdLst>
   <p:sldIdLst>
     <p:sldId id="256" r:id="rId3"/>
@@ -18,10 +18,9 @@
     <p:sldId id="265" r:id="rId6"/>
     <p:sldId id="257" r:id="rId7"/>
     <p:sldId id="276" r:id="rId8"/>
-    <p:sldId id="267" r:id="rId9"/>
-    <p:sldId id="279" r:id="rId10"/>
-    <p:sldId id="277" r:id="rId11"/>
-    <p:sldId id="275" r:id="rId12"/>
+    <p:sldId id="279" r:id="rId9"/>
+    <p:sldId id="277" r:id="rId10"/>
+    <p:sldId id="275" r:id="rId11"/>
   </p:sldIdLst>
   <p:sldSz cx="9144000" cy="6858000" type="screen4x3"/>
   <p:notesSz cx="6858000" cy="9144000"/>
@@ -236,7 +235,7 @@
             <a:fld id="{99BBC1FC-F0F4-4756-9973-4405FD21FB41}" type="datetimeFigureOut">
               <a:rPr lang="ko-KR" altLang="en-US" smtClean="0"/>
               <a:pPr/>
-              <a:t>2024. 4. 16.</a:t>
+              <a:t>2024. 4. 28.</a:t>
             </a:fld>
             <a:endParaRPr lang="ko-KR" altLang="en-US"/>
           </a:p>
@@ -403,7 +402,7 @@
             <a:fld id="{BB82E7F3-6AE7-4233-BE3D-96F6DDD29DC9}" type="datetimeFigureOut">
               <a:rPr lang="ko-KR" altLang="en-US" smtClean="0"/>
               <a:pPr/>
-              <a:t>2024. 4. 16.</a:t>
+              <a:t>2024. 4. 28.</a:t>
             </a:fld>
             <a:endParaRPr lang="ko-KR" altLang="en-US"/>
           </a:p>
@@ -1089,94 +1088,7 @@
             <a:fld id="{8BB0B751-76F9-4E80-B14F-3F7E41D2A0F9}" type="slidenum">
               <a:rPr lang="ko-KR" altLang="en-US" smtClean="0"/>
               <a:pPr/>
-              <a:t>7</a:t>
-            </a:fld>
-            <a:endParaRPr lang="ko-KR" altLang="en-US"/>
-          </a:p>
-        </p:txBody>
-      </p:sp>
-    </p:spTree>
-    <p:extLst>
-      <p:ext uri="{BB962C8B-B14F-4D97-AF65-F5344CB8AC3E}">
-        <p14:creationId xmlns:p14="http://schemas.microsoft.com/office/powerpoint/2010/main" val="3776150154"/>
-      </p:ext>
-    </p:extLst>
-  </p:cSld>
-  <p:clrMapOvr>
-    <a:masterClrMapping/>
-  </p:clrMapOvr>
-</p:notes>
-</file>
-
-<file path=ppt/notesSlides/notesSlide6.xml><?xml version="1.0" encoding="utf-8"?>
-<p:notes xmlns:a="http://schemas.openxmlformats.org/drawingml/2006/main" xmlns:r="http://schemas.openxmlformats.org/officeDocument/2006/relationships" xmlns:p="http://schemas.openxmlformats.org/presentationml/2006/main">
-  <p:cSld>
-    <p:spTree>
-      <p:nvGrpSpPr>
-        <p:cNvPr id="1" name=""/>
-        <p:cNvGrpSpPr/>
-        <p:nvPr/>
-      </p:nvGrpSpPr>
-      <p:grpSpPr>
-        <a:xfrm>
-          <a:off x="0" y="0"/>
-          <a:ext cx="0" cy="0"/>
-          <a:chOff x="0" y="0"/>
-          <a:chExt cx="0" cy="0"/>
-        </a:xfrm>
-      </p:grpSpPr>
-      <p:sp>
-        <p:nvSpPr>
-          <p:cNvPr id="2" name="슬라이드 이미지 개체 틀 1"/>
-          <p:cNvSpPr>
-            <a:spLocks noGrp="1" noRot="1" noChangeAspect="1"/>
-          </p:cNvSpPr>
-          <p:nvPr>
-            <p:ph type="sldImg"/>
-          </p:nvPr>
-        </p:nvSpPr>
-        <p:spPr/>
-      </p:sp>
-      <p:sp>
-        <p:nvSpPr>
-          <p:cNvPr id="3" name="슬라이드 노트 개체 틀 2"/>
-          <p:cNvSpPr>
-            <a:spLocks noGrp="1"/>
-          </p:cNvSpPr>
-          <p:nvPr>
-            <p:ph type="body" idx="1"/>
-          </p:nvPr>
-        </p:nvSpPr>
-        <p:spPr/>
-        <p:txBody>
-          <a:bodyPr>
-            <a:normAutofit/>
-          </a:bodyPr>
-          <a:lstStyle/>
-          <a:p>
-            <a:endParaRPr lang="ko-KR" altLang="en-US" dirty="0"/>
-          </a:p>
-        </p:txBody>
-      </p:sp>
-      <p:sp>
-        <p:nvSpPr>
-          <p:cNvPr id="4" name="슬라이드 번호 개체 틀 3"/>
-          <p:cNvSpPr>
-            <a:spLocks noGrp="1"/>
-          </p:cNvSpPr>
-          <p:nvPr>
-            <p:ph type="sldNum" sz="quarter" idx="10"/>
-          </p:nvPr>
-        </p:nvSpPr>
-        <p:spPr/>
-        <p:txBody>
-          <a:bodyPr/>
-          <a:lstStyle/>
-          <a:p>
-            <a:fld id="{8BB0B751-76F9-4E80-B14F-3F7E41D2A0F9}" type="slidenum">
-              <a:rPr lang="ko-KR" altLang="en-US" smtClean="0"/>
-              <a:pPr/>
-              <a:t>10</a:t>
+              <a:t>9</a:t>
             </a:fld>
             <a:endParaRPr lang="ko-KR" altLang="en-US"/>
           </a:p>
@@ -6999,6 +6911,20 @@
               </a:solidFill>
             </a:endParaRPr>
           </a:p>
+          <a:p>
+            <a:pPr>
+              <a:lnSpc>
+                <a:spcPct val="150000"/>
+              </a:lnSpc>
+            </a:pPr>
+            <a:endParaRPr lang="en-US" altLang="ko-KR" sz="2800" dirty="0">
+              <a:solidFill>
+                <a:schemeClr val="tx2">
+                  <a:lumMod val="50000"/>
+                </a:schemeClr>
+              </a:solidFill>
+            </a:endParaRPr>
+          </a:p>
         </p:txBody>
       </p:sp>
       <p:sp>
@@ -7026,187 +6952,6 @@
         </p:txBody>
       </p:sp>
     </p:spTree>
-  </p:cSld>
-  <p:clrMapOvr>
-    <a:masterClrMapping/>
-  </p:clrMapOvr>
-</p:sld>
-</file>
-
-<file path=ppt/slides/slide10.xml><?xml version="1.0" encoding="utf-8"?>
-<p:sld xmlns:a="http://schemas.openxmlformats.org/drawingml/2006/main" xmlns:r="http://schemas.openxmlformats.org/officeDocument/2006/relationships" xmlns:p="http://schemas.openxmlformats.org/presentationml/2006/main">
-  <p:cSld>
-    <p:spTree>
-      <p:nvGrpSpPr>
-        <p:cNvPr id="1" name=""/>
-        <p:cNvGrpSpPr/>
-        <p:nvPr/>
-      </p:nvGrpSpPr>
-      <p:grpSpPr>
-        <a:xfrm>
-          <a:off x="0" y="0"/>
-          <a:ext cx="0" cy="0"/>
-          <a:chOff x="0" y="0"/>
-          <a:chExt cx="0" cy="0"/>
-        </a:xfrm>
-      </p:grpSpPr>
-      <p:cxnSp>
-        <p:nvCxnSpPr>
-          <p:cNvPr id="2" name="직선 연결선 1"/>
-          <p:cNvCxnSpPr/>
-          <p:nvPr/>
-        </p:nvCxnSpPr>
-        <p:spPr>
-          <a:xfrm>
-            <a:off x="179512" y="908720"/>
-            <a:ext cx="8784976" cy="0"/>
-          </a:xfrm>
-          <a:prstGeom prst="line">
-            <a:avLst/>
-          </a:prstGeom>
-          <a:ln w="19050">
-            <a:solidFill>
-              <a:schemeClr val="accent6">
-                <a:lumMod val="75000"/>
-              </a:schemeClr>
-            </a:solidFill>
-          </a:ln>
-        </p:spPr>
-        <p:style>
-          <a:lnRef idx="1">
-            <a:schemeClr val="accent1"/>
-          </a:lnRef>
-          <a:fillRef idx="0">
-            <a:schemeClr val="accent1"/>
-          </a:fillRef>
-          <a:effectRef idx="0">
-            <a:schemeClr val="accent1"/>
-          </a:effectRef>
-          <a:fontRef idx="minor">
-            <a:schemeClr val="tx1"/>
-          </a:fontRef>
-        </p:style>
-      </p:cxnSp>
-      <p:sp>
-        <p:nvSpPr>
-          <p:cNvPr id="8" name="TextBox 7"/>
-          <p:cNvSpPr txBox="1"/>
-          <p:nvPr/>
-        </p:nvSpPr>
-        <p:spPr>
-          <a:xfrm>
-            <a:off x="585402" y="188640"/>
-            <a:ext cx="4245073" cy="584775"/>
-          </a:xfrm>
-          <a:prstGeom prst="rect">
-            <a:avLst/>
-          </a:prstGeom>
-          <a:noFill/>
-        </p:spPr>
-        <p:txBody>
-          <a:bodyPr wrap="none" rtlCol="0">
-            <a:spAutoFit/>
-          </a:bodyPr>
-          <a:lstStyle/>
-          <a:p>
-            <a:r>
-              <a:rPr lang="en-US" altLang="ko-KR" sz="3200" b="1" dirty="0">
-                <a:solidFill>
-                  <a:schemeClr val="tx2">
-                    <a:lumMod val="50000"/>
-                  </a:schemeClr>
-                </a:solidFill>
-              </a:rPr>
-              <a:t>6. </a:t>
-            </a:r>
-            <a:r>
-              <a:rPr lang="ko-KR" altLang="en-US" sz="3200" b="1" dirty="0">
-                <a:solidFill>
-                  <a:schemeClr val="tx2">
-                    <a:lumMod val="50000"/>
-                  </a:schemeClr>
-                </a:solidFill>
-              </a:rPr>
-              <a:t>프로젝트 수행 소감</a:t>
-            </a:r>
-            <a:endParaRPr lang="ko-KR" altLang="en-US" sz="2400" b="1" dirty="0">
-              <a:solidFill>
-                <a:schemeClr val="tx2">
-                  <a:lumMod val="75000"/>
-                </a:schemeClr>
-              </a:solidFill>
-            </a:endParaRPr>
-          </a:p>
-        </p:txBody>
-      </p:sp>
-      <p:sp>
-        <p:nvSpPr>
-          <p:cNvPr id="136" name="TextBox 135"/>
-          <p:cNvSpPr txBox="1"/>
-          <p:nvPr/>
-        </p:nvSpPr>
-        <p:spPr>
-          <a:xfrm>
-            <a:off x="323528" y="1196752"/>
-            <a:ext cx="3661580" cy="369332"/>
-          </a:xfrm>
-          <a:prstGeom prst="rect">
-            <a:avLst/>
-          </a:prstGeom>
-          <a:noFill/>
-        </p:spPr>
-        <p:txBody>
-          <a:bodyPr wrap="none" rtlCol="0">
-            <a:spAutoFit/>
-          </a:bodyPr>
-          <a:lstStyle/>
-          <a:p>
-            <a:r>
-              <a:rPr lang="ko-KR" altLang="en-US" b="1" dirty="0">
-                <a:solidFill>
-                  <a:schemeClr val="tx2">
-                    <a:lumMod val="50000"/>
-                  </a:schemeClr>
-                </a:solidFill>
-              </a:rPr>
-              <a:t>프로젝트 수행하면서 </a:t>
-            </a:r>
-            <a:r>
-              <a:rPr lang="ko-KR" altLang="en-US" b="1" dirty="0" err="1">
-                <a:solidFill>
-                  <a:schemeClr val="tx2">
-                    <a:lumMod val="50000"/>
-                  </a:schemeClr>
-                </a:solidFill>
-              </a:rPr>
-              <a:t>느낀점</a:t>
-            </a:r>
-            <a:r>
-              <a:rPr lang="ko-KR" altLang="en-US" b="1" dirty="0">
-                <a:solidFill>
-                  <a:schemeClr val="tx2">
-                    <a:lumMod val="50000"/>
-                  </a:schemeClr>
-                </a:solidFill>
-              </a:rPr>
-              <a:t> 기술</a:t>
-            </a:r>
-            <a:endParaRPr lang="en-US" altLang="ko-KR" b="1" dirty="0">
-              <a:solidFill>
-                <a:schemeClr val="tx2">
-                  <a:lumMod val="50000"/>
-                </a:schemeClr>
-              </a:solidFill>
-            </a:endParaRPr>
-          </a:p>
-        </p:txBody>
-      </p:sp>
-    </p:spTree>
-    <p:extLst>
-      <p:ext uri="{BB962C8B-B14F-4D97-AF65-F5344CB8AC3E}">
-        <p14:creationId xmlns:p14="http://schemas.microsoft.com/office/powerpoint/2010/main" val="4249227099"/>
-      </p:ext>
-    </p:extLst>
   </p:cSld>
   <p:clrMapOvr>
     <a:masterClrMapping/>
@@ -7376,7 +7121,7 @@
                   </a:schemeClr>
                 </a:solidFill>
               </a:rPr>
-              <a:t>3. </a:t>
+              <a:t>4. </a:t>
             </a:r>
             <a:r>
               <a:rPr lang="ko-KR" altLang="en-US" sz="2800" b="1" dirty="0">
@@ -7410,7 +7155,7 @@
                   </a:schemeClr>
                 </a:solidFill>
               </a:rPr>
-              <a:t>4. </a:t>
+              <a:t>5. </a:t>
             </a:r>
             <a:r>
               <a:rPr lang="ko-KR" altLang="en-US" sz="2800" b="1" dirty="0">
@@ -7480,23 +7225,17 @@
           <a:prstGeom prst="line">
             <a:avLst/>
           </a:prstGeom>
-          <a:ln w="31750">
-            <a:solidFill>
-              <a:schemeClr val="accent2">
-                <a:lumMod val="75000"/>
-              </a:schemeClr>
-            </a:solidFill>
-          </a:ln>
+          <a:ln/>
         </p:spPr>
         <p:style>
           <a:lnRef idx="1">
-            <a:schemeClr val="accent1"/>
+            <a:schemeClr val="accent6"/>
           </a:lnRef>
           <a:fillRef idx="0">
-            <a:schemeClr val="accent1"/>
+            <a:schemeClr val="accent6"/>
           </a:fillRef>
           <a:effectRef idx="0">
-            <a:schemeClr val="accent1"/>
+            <a:schemeClr val="accent6"/>
           </a:effectRef>
           <a:fontRef idx="minor">
             <a:schemeClr val="tx1"/>
@@ -9803,8 +9542,8 @@
         </p:blipFill>
         <p:spPr>
           <a:xfrm>
-            <a:off x="395536" y="1619857"/>
-            <a:ext cx="8441152" cy="4329416"/>
+            <a:off x="9627" y="1517756"/>
+            <a:ext cx="9134373" cy="4684965"/>
           </a:xfrm>
           <a:prstGeom prst="rect">
             <a:avLst/>
@@ -9843,161 +9582,6 @@
       </p:grpSpPr>
       <p:sp>
         <p:nvSpPr>
-          <p:cNvPr id="4" name="TextBox 3"/>
-          <p:cNvSpPr txBox="1"/>
-          <p:nvPr/>
-        </p:nvSpPr>
-        <p:spPr>
-          <a:xfrm>
-            <a:off x="585402" y="188640"/>
-            <a:ext cx="2869696" cy="584775"/>
-          </a:xfrm>
-          <a:prstGeom prst="rect">
-            <a:avLst/>
-          </a:prstGeom>
-          <a:noFill/>
-        </p:spPr>
-        <p:txBody>
-          <a:bodyPr wrap="none" rtlCol="0">
-            <a:spAutoFit/>
-          </a:bodyPr>
-          <a:lstStyle/>
-          <a:p>
-            <a:r>
-              <a:rPr lang="en-US" altLang="ko-KR" sz="3200" b="1" dirty="0">
-                <a:solidFill>
-                  <a:schemeClr val="tx2">
-                    <a:lumMod val="75000"/>
-                  </a:schemeClr>
-                </a:solidFill>
-              </a:rPr>
-              <a:t>4. </a:t>
-            </a:r>
-            <a:r>
-              <a:rPr lang="ko-KR" altLang="en-US" sz="3200" b="1" dirty="0">
-                <a:solidFill>
-                  <a:schemeClr val="tx2">
-                    <a:lumMod val="75000"/>
-                  </a:schemeClr>
-                </a:solidFill>
-              </a:rPr>
-              <a:t>시스템 설계</a:t>
-            </a:r>
-            <a:endParaRPr lang="ko-KR" altLang="en-US" sz="2400" b="1" dirty="0">
-              <a:solidFill>
-                <a:schemeClr val="tx2">
-                  <a:lumMod val="75000"/>
-                </a:schemeClr>
-              </a:solidFill>
-            </a:endParaRPr>
-          </a:p>
-        </p:txBody>
-      </p:sp>
-      <p:cxnSp>
-        <p:nvCxnSpPr>
-          <p:cNvPr id="31" name="직선 연결선 30"/>
-          <p:cNvCxnSpPr/>
-          <p:nvPr/>
-        </p:nvCxnSpPr>
-        <p:spPr>
-          <a:xfrm>
-            <a:off x="179512" y="908720"/>
-            <a:ext cx="8784976" cy="0"/>
-          </a:xfrm>
-          <a:prstGeom prst="line">
-            <a:avLst/>
-          </a:prstGeom>
-          <a:ln w="19050">
-            <a:solidFill>
-              <a:schemeClr val="accent6">
-                <a:lumMod val="75000"/>
-              </a:schemeClr>
-            </a:solidFill>
-          </a:ln>
-        </p:spPr>
-        <p:style>
-          <a:lnRef idx="1">
-            <a:schemeClr val="accent1"/>
-          </a:lnRef>
-          <a:fillRef idx="0">
-            <a:schemeClr val="accent1"/>
-          </a:fillRef>
-          <a:effectRef idx="0">
-            <a:schemeClr val="accent1"/>
-          </a:effectRef>
-          <a:fontRef idx="minor">
-            <a:schemeClr val="tx1"/>
-          </a:fontRef>
-        </p:style>
-      </p:cxnSp>
-      <p:pic>
-        <p:nvPicPr>
-          <p:cNvPr id="6" name="그림 5" descr="텍스트, 소프트웨어, 멀티미디어 소프트웨어, 스크린샷이(가) 표시된 사진&#10;&#10;자동 생성된 설명">
-            <a:extLst>
-              <a:ext uri="{FF2B5EF4-FFF2-40B4-BE49-F238E27FC236}">
-                <a16:creationId xmlns:a16="http://schemas.microsoft.com/office/drawing/2014/main" id="{C6F92BBE-17B2-38BA-6BCE-D0956A689FDD}"/>
-              </a:ext>
-            </a:extLst>
-          </p:cNvPr>
-          <p:cNvPicPr>
-            <a:picLocks noChangeAspect="1"/>
-          </p:cNvPicPr>
-          <p:nvPr/>
-        </p:nvPicPr>
-        <p:blipFill>
-          <a:blip r:embed="rId3">
-            <a:extLst>
-              <a:ext uri="{28A0092B-C50C-407E-A947-70E740481C1C}">
-                <a14:useLocalDpi xmlns:a14="http://schemas.microsoft.com/office/drawing/2010/main" val="0"/>
-              </a:ext>
-            </a:extLst>
-          </a:blip>
-          <a:stretch>
-            <a:fillRect/>
-          </a:stretch>
-        </p:blipFill>
-        <p:spPr>
-          <a:xfrm>
-            <a:off x="0" y="1674306"/>
-            <a:ext cx="9145560" cy="5183694"/>
-          </a:xfrm>
-          <a:prstGeom prst="rect">
-            <a:avLst/>
-          </a:prstGeom>
-        </p:spPr>
-      </p:pic>
-    </p:spTree>
-    <p:extLst>
-      <p:ext uri="{BB962C8B-B14F-4D97-AF65-F5344CB8AC3E}">
-        <p14:creationId xmlns:p14="http://schemas.microsoft.com/office/powerpoint/2010/main" val="1931726342"/>
-      </p:ext>
-    </p:extLst>
-  </p:cSld>
-  <p:clrMapOvr>
-    <a:masterClrMapping/>
-  </p:clrMapOvr>
-</p:sld>
-</file>
-
-<file path=ppt/slides/slide8.xml><?xml version="1.0" encoding="utf-8"?>
-<p:sld xmlns:a="http://schemas.openxmlformats.org/drawingml/2006/main" xmlns:r="http://schemas.openxmlformats.org/officeDocument/2006/relationships" xmlns:p="http://schemas.openxmlformats.org/presentationml/2006/main">
-  <p:cSld>
-    <p:spTree>
-      <p:nvGrpSpPr>
-        <p:cNvPr id="1" name=""/>
-        <p:cNvGrpSpPr/>
-        <p:nvPr/>
-      </p:nvGrpSpPr>
-      <p:grpSpPr>
-        <a:xfrm>
-          <a:off x="0" y="0"/>
-          <a:ext cx="0" cy="0"/>
-          <a:chOff x="0" y="0"/>
-          <a:chExt cx="0" cy="0"/>
-        </a:xfrm>
-      </p:grpSpPr>
-      <p:sp>
-        <p:nvSpPr>
           <p:cNvPr id="4" name="슬라이드 번호 개체 틀 3">
             <a:extLst>
               <a:ext uri="{FF2B5EF4-FFF2-40B4-BE49-F238E27FC236}">
@@ -10020,7 +9604,7 @@
             <a:fld id="{10230FE5-3BAE-4443-96A1-370C1FED1CD3}" type="slidenum">
               <a:rPr lang="ko-KR" altLang="en-US" smtClean="0"/>
               <a:pPr/>
-              <a:t>8</a:t>
+              <a:t>7</a:t>
             </a:fld>
             <a:endParaRPr lang="ko-KR" altLang="en-US" dirty="0"/>
           </a:p>
@@ -10041,7 +9625,7 @@
         <p:spPr>
           <a:xfrm>
             <a:off x="585402" y="188640"/>
-            <a:ext cx="2869696" cy="584775"/>
+            <a:ext cx="5335115" cy="584775"/>
           </a:xfrm>
           <a:prstGeom prst="rect">
             <a:avLst/>
@@ -10074,6 +9658,36 @@
               </a:rPr>
               <a:t>시스템 설계</a:t>
             </a:r>
+            <a:r>
+              <a:rPr lang="en-US" altLang="ko-KR" sz="3200" b="1" dirty="0">
+                <a:solidFill>
+                  <a:schemeClr val="tx2">
+                    <a:lumMod val="75000"/>
+                  </a:schemeClr>
+                </a:solidFill>
+              </a:rPr>
+              <a:t>(</a:t>
+            </a:r>
+            <a:r>
+              <a:rPr lang="ko-KR" altLang="en-US" sz="3200" b="1" dirty="0">
+                <a:solidFill>
+                  <a:schemeClr val="tx2">
+                    <a:lumMod val="75000"/>
+                  </a:schemeClr>
+                </a:solidFill>
+              </a:rPr>
+              <a:t>테이블 </a:t>
+            </a:r>
+            <a:r>
+              <a:rPr lang="en-US" altLang="ko-KR" sz="3200" b="1" dirty="0">
+                <a:solidFill>
+                  <a:schemeClr val="tx2">
+                    <a:lumMod val="75000"/>
+                  </a:schemeClr>
+                </a:solidFill>
+              </a:rPr>
+              <a:t>ERD)</a:t>
+            </a:r>
             <a:endParaRPr lang="ko-KR" altLang="en-US" sz="2400" b="1" dirty="0">
               <a:solidFill>
                 <a:schemeClr val="tx2">
@@ -10081,222 +9695,6 @@
                 </a:schemeClr>
               </a:solidFill>
             </a:endParaRPr>
-          </a:p>
-        </p:txBody>
-      </p:sp>
-      <p:sp>
-        <p:nvSpPr>
-          <p:cNvPr id="6" name="TextBox 5">
-            <a:extLst>
-              <a:ext uri="{FF2B5EF4-FFF2-40B4-BE49-F238E27FC236}">
-                <a16:creationId xmlns:a16="http://schemas.microsoft.com/office/drawing/2014/main" id="{A5B7DA3D-C11E-374C-2F60-60B9A931255F}"/>
-              </a:ext>
-            </a:extLst>
-          </p:cNvPr>
-          <p:cNvSpPr txBox="1"/>
-          <p:nvPr/>
-        </p:nvSpPr>
-        <p:spPr>
-          <a:xfrm>
-            <a:off x="683568" y="1268760"/>
-            <a:ext cx="4579074" cy="1200329"/>
-          </a:xfrm>
-          <a:prstGeom prst="rect">
-            <a:avLst/>
-          </a:prstGeom>
-          <a:noFill/>
-        </p:spPr>
-        <p:txBody>
-          <a:bodyPr wrap="none" rtlCol="0">
-            <a:spAutoFit/>
-          </a:bodyPr>
-          <a:lstStyle/>
-          <a:p>
-            <a:pPr>
-              <a:buFont typeface="Arial" pitchFamily="34" charset="0"/>
-              <a:buChar char="•"/>
-            </a:pPr>
-            <a:r>
-              <a:rPr lang="ko-KR" altLang="en-US" b="1" dirty="0">
-                <a:solidFill>
-                  <a:schemeClr val="tx2">
-                    <a:lumMod val="50000"/>
-                  </a:schemeClr>
-                </a:solidFill>
-              </a:rPr>
-              <a:t> 기능 상세 설계</a:t>
-            </a:r>
-            <a:endParaRPr lang="en-US" altLang="ko-KR" b="1" dirty="0">
-              <a:solidFill>
-                <a:schemeClr val="tx2">
-                  <a:lumMod val="50000"/>
-                </a:schemeClr>
-              </a:solidFill>
-            </a:endParaRPr>
-          </a:p>
-          <a:p>
-            <a:r>
-              <a:rPr lang="ko-KR" altLang="en-US" b="1" dirty="0">
-                <a:solidFill>
-                  <a:schemeClr val="tx2">
-                    <a:lumMod val="50000"/>
-                  </a:schemeClr>
-                </a:solidFill>
-              </a:rPr>
-              <a:t>  </a:t>
-            </a:r>
-            <a:r>
-              <a:rPr lang="en-US" altLang="ko-KR" b="1" dirty="0">
-                <a:solidFill>
-                  <a:schemeClr val="tx2">
-                    <a:lumMod val="50000"/>
-                  </a:schemeClr>
-                </a:solidFill>
-              </a:rPr>
-              <a:t>-</a:t>
-            </a:r>
-            <a:r>
-              <a:rPr lang="ko-KR" altLang="en-US" b="1" dirty="0">
-                <a:solidFill>
-                  <a:schemeClr val="tx2">
-                    <a:lumMod val="50000"/>
-                  </a:schemeClr>
-                </a:solidFill>
-              </a:rPr>
-              <a:t> 기능별 </a:t>
-            </a:r>
-            <a:r>
-              <a:rPr lang="en-US" altLang="ko-KR" b="1" dirty="0">
-                <a:solidFill>
-                  <a:schemeClr val="tx2">
-                    <a:lumMod val="50000"/>
-                  </a:schemeClr>
-                </a:solidFill>
-              </a:rPr>
-              <a:t>web </a:t>
-            </a:r>
-            <a:r>
-              <a:rPr lang="ko-KR" altLang="en-US" b="1" dirty="0">
-                <a:solidFill>
-                  <a:schemeClr val="tx2">
-                    <a:lumMod val="50000"/>
-                  </a:schemeClr>
-                </a:solidFill>
-              </a:rPr>
-              <a:t>화면</a:t>
-            </a:r>
-            <a:endParaRPr lang="en-US" altLang="ko-KR" b="1" dirty="0">
-              <a:solidFill>
-                <a:schemeClr val="tx2">
-                  <a:lumMod val="50000"/>
-                </a:schemeClr>
-              </a:solidFill>
-            </a:endParaRPr>
-          </a:p>
-          <a:p>
-            <a:r>
-              <a:rPr lang="en-US" altLang="ko-KR" b="1" dirty="0">
-                <a:solidFill>
-                  <a:schemeClr val="tx2">
-                    <a:lumMod val="50000"/>
-                  </a:schemeClr>
-                </a:solidFill>
-              </a:rPr>
-              <a:t>  - </a:t>
-            </a:r>
-            <a:r>
-              <a:rPr lang="ko-KR" altLang="en-US" b="1" dirty="0">
-                <a:solidFill>
-                  <a:schemeClr val="tx2">
-                    <a:lumMod val="50000"/>
-                  </a:schemeClr>
-                </a:solidFill>
-              </a:rPr>
-              <a:t>테이블 </a:t>
-            </a:r>
-            <a:r>
-              <a:rPr lang="en-US" altLang="ko-KR" b="1" dirty="0">
-                <a:solidFill>
-                  <a:schemeClr val="tx2">
-                    <a:lumMod val="50000"/>
-                  </a:schemeClr>
-                </a:solidFill>
-              </a:rPr>
-              <a:t>ERD</a:t>
-            </a:r>
-            <a:r>
-              <a:rPr lang="ko-KR" altLang="en-US" b="1" dirty="0">
-                <a:solidFill>
-                  <a:schemeClr val="tx2">
-                    <a:lumMod val="50000"/>
-                  </a:schemeClr>
-                </a:solidFill>
-              </a:rPr>
-              <a:t>등</a:t>
-            </a:r>
-            <a:endParaRPr lang="en-US" altLang="ko-KR" b="1" dirty="0">
-              <a:solidFill>
-                <a:schemeClr val="tx2">
-                  <a:lumMod val="50000"/>
-                </a:schemeClr>
-              </a:solidFill>
-            </a:endParaRPr>
-          </a:p>
-          <a:p>
-            <a:pPr>
-              <a:buFont typeface="Arial" pitchFamily="34" charset="0"/>
-              <a:buChar char="•"/>
-            </a:pPr>
-            <a:r>
-              <a:rPr lang="en-US" altLang="ko-KR" b="1" dirty="0">
-                <a:solidFill>
-                  <a:schemeClr val="tx2">
-                    <a:lumMod val="50000"/>
-                  </a:schemeClr>
-                </a:solidFill>
-              </a:rPr>
-              <a:t> </a:t>
-            </a:r>
-            <a:r>
-              <a:rPr lang="ko-KR" altLang="en-US" b="1" dirty="0">
-                <a:solidFill>
-                  <a:schemeClr val="tx2">
-                    <a:lumMod val="50000"/>
-                  </a:schemeClr>
-                </a:solidFill>
-              </a:rPr>
-              <a:t>시스템 구축 환경 </a:t>
-            </a:r>
-            <a:r>
-              <a:rPr lang="en-US" altLang="ko-KR" b="1" dirty="0">
-                <a:solidFill>
-                  <a:schemeClr val="tx2">
-                    <a:lumMod val="50000"/>
-                  </a:schemeClr>
-                </a:solidFill>
-              </a:rPr>
-              <a:t>(HW </a:t>
-            </a:r>
-            <a:r>
-              <a:rPr lang="ko-KR" altLang="en-US" b="1" dirty="0">
-                <a:solidFill>
-                  <a:schemeClr val="tx2">
-                    <a:lumMod val="50000"/>
-                  </a:schemeClr>
-                </a:solidFill>
-              </a:rPr>
-              <a:t>및</a:t>
-            </a:r>
-            <a:r>
-              <a:rPr lang="en-US" altLang="ko-KR" b="1" dirty="0">
-                <a:solidFill>
-                  <a:schemeClr val="tx2">
-                    <a:lumMod val="50000"/>
-                  </a:schemeClr>
-                </a:solidFill>
-              </a:rPr>
-              <a:t> SW platform)</a:t>
-            </a:r>
           </a:p>
         </p:txBody>
       </p:sp>
@@ -10343,6 +9741,114 @@
           </a:fontRef>
         </p:style>
       </p:cxnSp>
+      <p:pic>
+        <p:nvPicPr>
+          <p:cNvPr id="3" name="그림 2" descr="텍스트, 스크린샷, 소프트웨어, 웹 페이지이(가) 표시된 사진&#10;&#10;자동 생성된 설명">
+            <a:extLst>
+              <a:ext uri="{FF2B5EF4-FFF2-40B4-BE49-F238E27FC236}">
+                <a16:creationId xmlns:a16="http://schemas.microsoft.com/office/drawing/2014/main" id="{E03A61DE-7C1D-9E28-AE97-66FE1B2D4D61}"/>
+              </a:ext>
+            </a:extLst>
+          </p:cNvPr>
+          <p:cNvPicPr>
+            <a:picLocks noChangeAspect="1"/>
+          </p:cNvPicPr>
+          <p:nvPr/>
+        </p:nvPicPr>
+        <p:blipFill>
+          <a:blip r:embed="rId2">
+            <a:extLst>
+              <a:ext uri="{28A0092B-C50C-407E-A947-70E740481C1C}">
+                <a14:useLocalDpi xmlns:a14="http://schemas.microsoft.com/office/drawing/2010/main" val="0"/>
+              </a:ext>
+            </a:extLst>
+          </a:blip>
+          <a:stretch>
+            <a:fillRect/>
+          </a:stretch>
+        </p:blipFill>
+        <p:spPr>
+          <a:xfrm>
+            <a:off x="5148064" y="1044026"/>
+            <a:ext cx="3381490" cy="5589239"/>
+          </a:xfrm>
+          <a:prstGeom prst="rect">
+            <a:avLst/>
+          </a:prstGeom>
+        </p:spPr>
+      </p:pic>
+      <p:pic>
+        <p:nvPicPr>
+          <p:cNvPr id="10" name="그림 9" descr="스크린샷, 디자인이(가) 표시된 사진&#10;&#10;자동 생성된 설명">
+            <a:extLst>
+              <a:ext uri="{FF2B5EF4-FFF2-40B4-BE49-F238E27FC236}">
+                <a16:creationId xmlns:a16="http://schemas.microsoft.com/office/drawing/2014/main" id="{38C5C6B7-1895-B3C0-8A2F-1607E02E09DB}"/>
+              </a:ext>
+            </a:extLst>
+          </p:cNvPr>
+          <p:cNvPicPr>
+            <a:picLocks noChangeAspect="1"/>
+          </p:cNvPicPr>
+          <p:nvPr/>
+        </p:nvPicPr>
+        <p:blipFill>
+          <a:blip r:embed="rId3">
+            <a:extLst>
+              <a:ext uri="{28A0092B-C50C-407E-A947-70E740481C1C}">
+                <a14:useLocalDpi xmlns:a14="http://schemas.microsoft.com/office/drawing/2010/main" val="0"/>
+              </a:ext>
+            </a:extLst>
+          </a:blip>
+          <a:stretch>
+            <a:fillRect/>
+          </a:stretch>
+        </p:blipFill>
+        <p:spPr>
+          <a:xfrm>
+            <a:off x="0" y="967146"/>
+            <a:ext cx="5148064" cy="2917917"/>
+          </a:xfrm>
+          <a:prstGeom prst="rect">
+            <a:avLst/>
+          </a:prstGeom>
+        </p:spPr>
+      </p:pic>
+      <p:pic>
+        <p:nvPicPr>
+          <p:cNvPr id="12" name="그림 11" descr="텍스트, 소프트웨어, 멀티미디어 소프트웨어, 스크린샷이(가) 표시된 사진&#10;&#10;자동 생성된 설명">
+            <a:extLst>
+              <a:ext uri="{FF2B5EF4-FFF2-40B4-BE49-F238E27FC236}">
+                <a16:creationId xmlns:a16="http://schemas.microsoft.com/office/drawing/2014/main" id="{7639EA64-4BE0-F85F-5747-76A4C086479D}"/>
+              </a:ext>
+            </a:extLst>
+          </p:cNvPr>
+          <p:cNvPicPr>
+            <a:picLocks noChangeAspect="1"/>
+          </p:cNvPicPr>
+          <p:nvPr/>
+        </p:nvPicPr>
+        <p:blipFill>
+          <a:blip r:embed="rId4">
+            <a:extLst>
+              <a:ext uri="{28A0092B-C50C-407E-A947-70E740481C1C}">
+                <a14:useLocalDpi xmlns:a14="http://schemas.microsoft.com/office/drawing/2010/main" val="0"/>
+              </a:ext>
+            </a:extLst>
+          </a:blip>
+          <a:stretch>
+            <a:fillRect/>
+          </a:stretch>
+        </p:blipFill>
+        <p:spPr>
+          <a:xfrm>
+            <a:off x="0" y="3943488"/>
+            <a:ext cx="5148064" cy="2914512"/>
+          </a:xfrm>
+          <a:prstGeom prst="rect">
+            <a:avLst/>
+          </a:prstGeom>
+        </p:spPr>
+      </p:pic>
     </p:spTree>
     <p:extLst>
       <p:ext uri="{BB962C8B-B14F-4D97-AF65-F5344CB8AC3E}">
@@ -10356,7 +9862,7 @@
 </p:sld>
 </file>
 
-<file path=ppt/slides/slide9.xml><?xml version="1.0" encoding="utf-8"?>
+<file path=ppt/slides/slide8.xml><?xml version="1.0" encoding="utf-8"?>
 <p:sld xmlns:a="http://schemas.openxmlformats.org/drawingml/2006/main" xmlns:r="http://schemas.openxmlformats.org/officeDocument/2006/relationships" xmlns:p="http://schemas.openxmlformats.org/presentationml/2006/main">
   <p:cSld>
     <p:spTree>
@@ -10397,7 +9903,7 @@
             <a:fld id="{10230FE5-3BAE-4443-96A1-370C1FED1CD3}" type="slidenum">
               <a:rPr lang="ko-KR" altLang="en-US" smtClean="0"/>
               <a:pPr/>
-              <a:t>9</a:t>
+              <a:t>8</a:t>
             </a:fld>
             <a:endParaRPr lang="ko-KR" altLang="en-US" dirty="0"/>
           </a:p>
@@ -10482,7 +9988,7 @@
                   </a:schemeClr>
                 </a:solidFill>
               </a:rPr>
-              <a:t>4. </a:t>
+              <a:t>5. </a:t>
             </a:r>
             <a:r>
               <a:rPr lang="ko-KR" altLang="en-US" sz="3200" b="1" dirty="0">
@@ -10519,14 +10025,14 @@
           <p:nvPr>
             <p:extLst>
               <p:ext uri="{D42A27DB-BD31-4B8C-83A1-F6EECF244321}">
-                <p14:modId xmlns:p14="http://schemas.microsoft.com/office/powerpoint/2010/main" val="3789171181"/>
+                <p14:modId xmlns:p14="http://schemas.microsoft.com/office/powerpoint/2010/main" val="1129602774"/>
               </p:ext>
             </p:extLst>
           </p:nvPr>
         </p:nvGraphicFramePr>
         <p:xfrm>
           <a:off x="683568" y="1340766"/>
-          <a:ext cx="7848869" cy="4752517"/>
+          <a:ext cx="7920878" cy="4752517"/>
         </p:xfrm>
         <a:graphic>
           <a:graphicData uri="http://schemas.openxmlformats.org/drawingml/2006/table">
@@ -10535,52 +10041,87 @@
                 <a:tableStyleId>{5C22544A-7EE6-4342-B048-85BDC9FD1C3A}</a:tableStyleId>
               </a:tblPr>
               <a:tblGrid>
-                <a:gridCol w="1121267">
+                <a:gridCol w="1131554">
                   <a:extLst>
                     <a:ext uri="{9D8B030D-6E8A-4147-A177-3AD203B41FA5}">
                       <a16:colId xmlns:a16="http://schemas.microsoft.com/office/drawing/2014/main" val="2988394317"/>
                     </a:ext>
                   </a:extLst>
                 </a:gridCol>
-                <a:gridCol w="1121267">
+                <a:gridCol w="1131554">
                   <a:extLst>
                     <a:ext uri="{9D8B030D-6E8A-4147-A177-3AD203B41FA5}">
                       <a16:colId xmlns:a16="http://schemas.microsoft.com/office/drawing/2014/main" val="400065549"/>
                     </a:ext>
                   </a:extLst>
                 </a:gridCol>
-                <a:gridCol w="1121267">
+                <a:gridCol w="565777">
                   <a:extLst>
                     <a:ext uri="{9D8B030D-6E8A-4147-A177-3AD203B41FA5}">
                       <a16:colId xmlns:a16="http://schemas.microsoft.com/office/drawing/2014/main" val="2810885687"/>
                     </a:ext>
                   </a:extLst>
                 </a:gridCol>
-                <a:gridCol w="1121267">
+                <a:gridCol w="565777">
+                  <a:extLst>
+                    <a:ext uri="{9D8B030D-6E8A-4147-A177-3AD203B41FA5}">
+                      <a16:colId xmlns:a16="http://schemas.microsoft.com/office/drawing/2014/main" val="4018131097"/>
+                    </a:ext>
+                  </a:extLst>
+                </a:gridCol>
+                <a:gridCol w="565777">
                   <a:extLst>
                     <a:ext uri="{9D8B030D-6E8A-4147-A177-3AD203B41FA5}">
                       <a16:colId xmlns:a16="http://schemas.microsoft.com/office/drawing/2014/main" val="3235470092"/>
                     </a:ext>
                   </a:extLst>
                 </a:gridCol>
-                <a:gridCol w="1121267">
+                <a:gridCol w="565777">
+                  <a:extLst>
+                    <a:ext uri="{9D8B030D-6E8A-4147-A177-3AD203B41FA5}">
+                      <a16:colId xmlns:a16="http://schemas.microsoft.com/office/drawing/2014/main" val="748558926"/>
+                    </a:ext>
+                  </a:extLst>
+                </a:gridCol>
+                <a:gridCol w="565777">
                   <a:extLst>
                     <a:ext uri="{9D8B030D-6E8A-4147-A177-3AD203B41FA5}">
                       <a16:colId xmlns:a16="http://schemas.microsoft.com/office/drawing/2014/main" val="449407477"/>
                     </a:ext>
                   </a:extLst>
                 </a:gridCol>
-                <a:gridCol w="1121267">
+                <a:gridCol w="565777">
+                  <a:extLst>
+                    <a:ext uri="{9D8B030D-6E8A-4147-A177-3AD203B41FA5}">
+                      <a16:colId xmlns:a16="http://schemas.microsoft.com/office/drawing/2014/main" val="3595509708"/>
+                    </a:ext>
+                  </a:extLst>
+                </a:gridCol>
+                <a:gridCol w="565777">
                   <a:extLst>
                     <a:ext uri="{9D8B030D-6E8A-4147-A177-3AD203B41FA5}">
                       <a16:colId xmlns:a16="http://schemas.microsoft.com/office/drawing/2014/main" val="2914157657"/>
                     </a:ext>
                   </a:extLst>
                 </a:gridCol>
-                <a:gridCol w="1121267">
+                <a:gridCol w="565777">
+                  <a:extLst>
+                    <a:ext uri="{9D8B030D-6E8A-4147-A177-3AD203B41FA5}">
+                      <a16:colId xmlns:a16="http://schemas.microsoft.com/office/drawing/2014/main" val="613081645"/>
+                    </a:ext>
+                  </a:extLst>
+                </a:gridCol>
+                <a:gridCol w="565777">
                   <a:extLst>
                     <a:ext uri="{9D8B030D-6E8A-4147-A177-3AD203B41FA5}">
                       <a16:colId xmlns:a16="http://schemas.microsoft.com/office/drawing/2014/main" val="2886493533"/>
+                    </a:ext>
+                  </a:extLst>
+                </a:gridCol>
+                <a:gridCol w="565777">
+                  <a:extLst>
+                    <a:ext uri="{9D8B030D-6E8A-4147-A177-3AD203B41FA5}">
+                      <a16:colId xmlns:a16="http://schemas.microsoft.com/office/drawing/2014/main" val="4122146372"/>
                     </a:ext>
                   </a:extLst>
                 </a:gridCol>
@@ -10834,6 +10375,11 @@
                         </a:rPr>
                         <a:t>차</a:t>
                       </a:r>
+                      <a:endParaRPr lang="en-US" altLang="ko-KR" sz="1000" dirty="0">
+                        <a:solidFill>
+                          <a:schemeClr val="bg1"/>
+                        </a:solidFill>
+                      </a:endParaRPr>
                     </a:p>
                   </a:txBody>
                   <a:tcPr anchor="ctr">
@@ -10892,6 +10438,11 @@
                         </a:rPr>
                         <a:t>차</a:t>
                       </a:r>
+                      <a:endParaRPr lang="en-US" altLang="ko-KR" sz="1000" dirty="0">
+                        <a:solidFill>
+                          <a:schemeClr val="bg1"/>
+                        </a:solidFill>
+                      </a:endParaRPr>
                     </a:p>
                   </a:txBody>
                   <a:tcPr anchor="ctr">
@@ -10986,6 +10537,296 @@
                     </a:solidFill>
                   </a:tcPr>
                 </a:tc>
+                <a:tc>
+                  <a:txBody>
+                    <a:bodyPr/>
+                    <a:lstStyle/>
+                    <a:p>
+                      <a:pPr algn="ctr" latinLnBrk="1"/>
+                      <a:r>
+                        <a:rPr lang="en-US" altLang="ko-KR" sz="1000" dirty="0">
+                          <a:solidFill>
+                            <a:schemeClr val="bg1"/>
+                          </a:solidFill>
+                        </a:rPr>
+                        <a:t>6</a:t>
+                      </a:r>
+                      <a:r>
+                        <a:rPr lang="ko-KR" altLang="en-US" sz="1000" dirty="0">
+                          <a:solidFill>
+                            <a:schemeClr val="bg1"/>
+                          </a:solidFill>
+                        </a:rPr>
+                        <a:t>차</a:t>
+                      </a:r>
+                    </a:p>
+                  </a:txBody>
+                  <a:tcPr anchor="ctr">
+                    <a:lnL w="12700" cap="flat" cmpd="sng" algn="ctr">
+                      <a:noFill/>
+                      <a:prstDash val="solid"/>
+                      <a:round/>
+                      <a:headEnd type="none" w="med" len="med"/>
+                      <a:tailEnd type="none" w="med" len="med"/>
+                    </a:lnL>
+                    <a:lnR w="12700" cap="flat" cmpd="sng" algn="ctr">
+                      <a:noFill/>
+                      <a:prstDash val="solid"/>
+                      <a:round/>
+                      <a:headEnd type="none" w="med" len="med"/>
+                      <a:tailEnd type="none" w="med" len="med"/>
+                    </a:lnR>
+                    <a:lnT w="12700" cap="flat" cmpd="sng" algn="ctr">
+                      <a:noFill/>
+                      <a:prstDash val="solid"/>
+                      <a:round/>
+                      <a:headEnd type="none" w="med" len="med"/>
+                      <a:tailEnd type="none" w="med" len="med"/>
+                    </a:lnT>
+                    <a:lnB w="12700" cap="flat" cmpd="sng" algn="ctr">
+                      <a:noFill/>
+                      <a:prstDash val="solid"/>
+                      <a:round/>
+                      <a:headEnd type="none" w="med" len="med"/>
+                      <a:tailEnd type="none" w="med" len="med"/>
+                    </a:lnB>
+                    <a:solidFill>
+                      <a:schemeClr val="tx1"/>
+                    </a:solidFill>
+                  </a:tcPr>
+                </a:tc>
+                <a:tc>
+                  <a:txBody>
+                    <a:bodyPr/>
+                    <a:lstStyle/>
+                    <a:p>
+                      <a:pPr algn="ctr" latinLnBrk="1"/>
+                      <a:r>
+                        <a:rPr lang="en-US" altLang="ko-KR" sz="1000" dirty="0">
+                          <a:solidFill>
+                            <a:schemeClr val="bg1"/>
+                          </a:solidFill>
+                        </a:rPr>
+                        <a:t>7</a:t>
+                      </a:r>
+                      <a:r>
+                        <a:rPr lang="ko-KR" altLang="en-US" sz="1000" dirty="0">
+                          <a:solidFill>
+                            <a:schemeClr val="bg1"/>
+                          </a:solidFill>
+                        </a:rPr>
+                        <a:t>차</a:t>
+                      </a:r>
+                    </a:p>
+                  </a:txBody>
+                  <a:tcPr anchor="ctr">
+                    <a:lnL w="12700" cap="flat" cmpd="sng" algn="ctr">
+                      <a:noFill/>
+                      <a:prstDash val="solid"/>
+                      <a:round/>
+                      <a:headEnd type="none" w="med" len="med"/>
+                      <a:tailEnd type="none" w="med" len="med"/>
+                    </a:lnL>
+                    <a:lnR w="12700" cap="flat" cmpd="sng" algn="ctr">
+                      <a:noFill/>
+                      <a:prstDash val="solid"/>
+                      <a:round/>
+                      <a:headEnd type="none" w="med" len="med"/>
+                      <a:tailEnd type="none" w="med" len="med"/>
+                    </a:lnR>
+                    <a:lnT w="12700" cap="flat" cmpd="sng" algn="ctr">
+                      <a:noFill/>
+                      <a:prstDash val="solid"/>
+                      <a:round/>
+                      <a:headEnd type="none" w="med" len="med"/>
+                      <a:tailEnd type="none" w="med" len="med"/>
+                    </a:lnT>
+                    <a:lnB w="12700" cap="flat" cmpd="sng" algn="ctr">
+                      <a:noFill/>
+                      <a:prstDash val="solid"/>
+                      <a:round/>
+                      <a:headEnd type="none" w="med" len="med"/>
+                      <a:tailEnd type="none" w="med" len="med"/>
+                    </a:lnB>
+                    <a:solidFill>
+                      <a:schemeClr val="tx1"/>
+                    </a:solidFill>
+                  </a:tcPr>
+                </a:tc>
+                <a:tc>
+                  <a:txBody>
+                    <a:bodyPr/>
+                    <a:lstStyle/>
+                    <a:p>
+                      <a:pPr algn="ctr" latinLnBrk="1"/>
+                      <a:r>
+                        <a:rPr lang="en-US" altLang="ko-KR" sz="1000" dirty="0">
+                          <a:solidFill>
+                            <a:schemeClr val="bg1"/>
+                          </a:solidFill>
+                        </a:rPr>
+                        <a:t>8</a:t>
+                      </a:r>
+                      <a:r>
+                        <a:rPr lang="ko-KR" altLang="en-US" sz="1000" dirty="0">
+                          <a:solidFill>
+                            <a:schemeClr val="bg1"/>
+                          </a:solidFill>
+                        </a:rPr>
+                        <a:t>차</a:t>
+                      </a:r>
+                    </a:p>
+                  </a:txBody>
+                  <a:tcPr anchor="ctr">
+                    <a:lnL w="12700" cap="flat" cmpd="sng" algn="ctr">
+                      <a:noFill/>
+                      <a:prstDash val="solid"/>
+                      <a:round/>
+                      <a:headEnd type="none" w="med" len="med"/>
+                      <a:tailEnd type="none" w="med" len="med"/>
+                    </a:lnL>
+                    <a:lnR w="12700" cap="flat" cmpd="sng" algn="ctr">
+                      <a:noFill/>
+                      <a:prstDash val="solid"/>
+                      <a:round/>
+                      <a:headEnd type="none" w="med" len="med"/>
+                      <a:tailEnd type="none" w="med" len="med"/>
+                    </a:lnR>
+                    <a:lnT w="12700" cap="flat" cmpd="sng" algn="ctr">
+                      <a:noFill/>
+                      <a:prstDash val="solid"/>
+                      <a:round/>
+                      <a:headEnd type="none" w="med" len="med"/>
+                      <a:tailEnd type="none" w="med" len="med"/>
+                    </a:lnT>
+                    <a:lnB w="12700" cap="flat" cmpd="sng" algn="ctr">
+                      <a:noFill/>
+                      <a:prstDash val="solid"/>
+                      <a:round/>
+                      <a:headEnd type="none" w="med" len="med"/>
+                      <a:tailEnd type="none" w="med" len="med"/>
+                    </a:lnB>
+                    <a:solidFill>
+                      <a:schemeClr val="tx1"/>
+                    </a:solidFill>
+                  </a:tcPr>
+                </a:tc>
+                <a:tc>
+                  <a:txBody>
+                    <a:bodyPr/>
+                    <a:lstStyle/>
+                    <a:p>
+                      <a:pPr algn="ctr" latinLnBrk="1"/>
+                      <a:r>
+                        <a:rPr lang="en-US" altLang="ko-KR" sz="1000" dirty="0">
+                          <a:solidFill>
+                            <a:schemeClr val="bg1"/>
+                          </a:solidFill>
+                        </a:rPr>
+                        <a:t>9</a:t>
+                      </a:r>
+                      <a:r>
+                        <a:rPr lang="ko-KR" altLang="en-US" sz="1000" dirty="0">
+                          <a:solidFill>
+                            <a:schemeClr val="bg1"/>
+                          </a:solidFill>
+                        </a:rPr>
+                        <a:t>차</a:t>
+                      </a:r>
+                    </a:p>
+                  </a:txBody>
+                  <a:tcPr anchor="ctr">
+                    <a:lnL w="12700" cap="flat" cmpd="sng" algn="ctr">
+                      <a:noFill/>
+                      <a:prstDash val="solid"/>
+                      <a:round/>
+                      <a:headEnd type="none" w="med" len="med"/>
+                      <a:tailEnd type="none" w="med" len="med"/>
+                    </a:lnL>
+                    <a:lnR w="12700" cap="flat" cmpd="sng" algn="ctr">
+                      <a:noFill/>
+                      <a:prstDash val="solid"/>
+                      <a:round/>
+                      <a:headEnd type="none" w="med" len="med"/>
+                      <a:tailEnd type="none" w="med" len="med"/>
+                    </a:lnR>
+                    <a:lnT w="12700" cap="flat" cmpd="sng" algn="ctr">
+                      <a:noFill/>
+                      <a:prstDash val="solid"/>
+                      <a:round/>
+                      <a:headEnd type="none" w="med" len="med"/>
+                      <a:tailEnd type="none" w="med" len="med"/>
+                    </a:lnT>
+                    <a:lnB w="12700" cap="flat" cmpd="sng" algn="ctr">
+                      <a:noFill/>
+                      <a:prstDash val="solid"/>
+                      <a:round/>
+                      <a:headEnd type="none" w="med" len="med"/>
+                      <a:tailEnd type="none" w="med" len="med"/>
+                    </a:lnB>
+                    <a:solidFill>
+                      <a:schemeClr val="tx1"/>
+                    </a:solidFill>
+                  </a:tcPr>
+                </a:tc>
+                <a:tc>
+                  <a:txBody>
+                    <a:bodyPr/>
+                    <a:lstStyle/>
+                    <a:p>
+                      <a:pPr algn="ctr" latinLnBrk="1"/>
+                      <a:r>
+                        <a:rPr lang="en-US" altLang="ko-KR" sz="1000" dirty="0">
+                          <a:solidFill>
+                            <a:schemeClr val="bg1"/>
+                          </a:solidFill>
+                        </a:rPr>
+                        <a:t>10</a:t>
+                      </a:r>
+                      <a:r>
+                        <a:rPr lang="ko-KR" altLang="en-US" sz="1000" dirty="0">
+                          <a:solidFill>
+                            <a:schemeClr val="bg1"/>
+                          </a:solidFill>
+                        </a:rPr>
+                        <a:t>차</a:t>
+                      </a:r>
+                    </a:p>
+                  </a:txBody>
+                  <a:tcPr anchor="ctr">
+                    <a:lnL w="12700" cap="flat" cmpd="sng" algn="ctr">
+                      <a:noFill/>
+                      <a:prstDash val="solid"/>
+                      <a:round/>
+                      <a:headEnd type="none" w="med" len="med"/>
+                      <a:tailEnd type="none" w="med" len="med"/>
+                    </a:lnL>
+                    <a:lnR w="12700" cap="flat" cmpd="sng" algn="ctr">
+                      <a:noFill/>
+                      <a:prstDash val="solid"/>
+                      <a:round/>
+                      <a:headEnd type="none" w="med" len="med"/>
+                      <a:tailEnd type="none" w="med" len="med"/>
+                    </a:lnR>
+                    <a:lnT w="12700" cap="flat" cmpd="sng" algn="ctr">
+                      <a:noFill/>
+                      <a:prstDash val="solid"/>
+                      <a:round/>
+                      <a:headEnd type="none" w="med" len="med"/>
+                      <a:tailEnd type="none" w="med" len="med"/>
+                    </a:lnT>
+                    <a:lnB w="12700" cap="flat" cmpd="sng" algn="ctr">
+                      <a:noFill/>
+                      <a:prstDash val="solid"/>
+                      <a:round/>
+                      <a:headEnd type="none" w="med" len="med"/>
+                      <a:tailEnd type="none" w="med" len="med"/>
+                    </a:lnB>
+                    <a:solidFill>
+                      <a:schemeClr val="tx1"/>
+                    </a:solidFill>
+                  </a:tcPr>
+                </a:tc>
                 <a:extLst>
                   <a:ext uri="{0D108BD9-81ED-4DB2-BD59-A6C34878D82A}">
                     <a16:rowId xmlns:a16="http://schemas.microsoft.com/office/drawing/2014/main" val="423366939"/>
@@ -11104,6 +10945,225 @@
                           <a:srgbClr val="FF9900"/>
                         </a:solidFill>
                       </a:endParaRPr>
+                    </a:p>
+                  </a:txBody>
+                  <a:tcPr anchor="ctr">
+                    <a:lnL w="12700" cap="flat" cmpd="sng" algn="ctr">
+                      <a:noFill/>
+                      <a:prstDash val="solid"/>
+                      <a:round/>
+                      <a:headEnd type="none" w="med" len="med"/>
+                      <a:tailEnd type="none" w="med" len="med"/>
+                    </a:lnL>
+                    <a:lnR w="12700" cap="flat" cmpd="sng" algn="ctr">
+                      <a:noFill/>
+                      <a:prstDash val="solid"/>
+                      <a:round/>
+                      <a:headEnd type="none" w="med" len="med"/>
+                      <a:tailEnd type="none" w="med" len="med"/>
+                    </a:lnR>
+                    <a:lnT w="12700" cap="flat" cmpd="sng" algn="ctr">
+                      <a:noFill/>
+                      <a:prstDash val="solid"/>
+                      <a:round/>
+                      <a:headEnd type="none" w="med" len="med"/>
+                      <a:tailEnd type="none" w="med" len="med"/>
+                    </a:lnT>
+                    <a:lnB w="12700" cap="flat" cmpd="sng" algn="ctr">
+                      <a:noFill/>
+                      <a:prstDash val="solid"/>
+                      <a:round/>
+                      <a:headEnd type="none" w="med" len="med"/>
+                      <a:tailEnd type="none" w="med" len="med"/>
+                    </a:lnB>
+                    <a:solidFill>
+                      <a:schemeClr val="bg1"/>
+                    </a:solidFill>
+                  </a:tcPr>
+                </a:tc>
+                <a:tc>
+                  <a:txBody>
+                    <a:bodyPr/>
+                    <a:lstStyle/>
+                    <a:p>
+                      <a:pPr algn="ctr" latinLnBrk="1"/>
+                      <a:endParaRPr lang="ko-KR" altLang="en-US" sz="3000" dirty="0">
+                        <a:solidFill>
+                          <a:srgbClr val="FF9900"/>
+                        </a:solidFill>
+                      </a:endParaRPr>
+                    </a:p>
+                  </a:txBody>
+                  <a:tcPr anchor="ctr">
+                    <a:lnL w="12700" cap="flat" cmpd="sng" algn="ctr">
+                      <a:noFill/>
+                      <a:prstDash val="solid"/>
+                      <a:round/>
+                      <a:headEnd type="none" w="med" len="med"/>
+                      <a:tailEnd type="none" w="med" len="med"/>
+                    </a:lnL>
+                    <a:lnR w="12700" cap="flat" cmpd="sng" algn="ctr">
+                      <a:noFill/>
+                      <a:prstDash val="solid"/>
+                      <a:round/>
+                      <a:headEnd type="none" w="med" len="med"/>
+                      <a:tailEnd type="none" w="med" len="med"/>
+                    </a:lnR>
+                    <a:lnT w="12700" cap="flat" cmpd="sng" algn="ctr">
+                      <a:noFill/>
+                      <a:prstDash val="solid"/>
+                      <a:round/>
+                      <a:headEnd type="none" w="med" len="med"/>
+                      <a:tailEnd type="none" w="med" len="med"/>
+                    </a:lnT>
+                    <a:lnB w="12700" cap="flat" cmpd="sng" algn="ctr">
+                      <a:noFill/>
+                      <a:prstDash val="solid"/>
+                      <a:round/>
+                      <a:headEnd type="none" w="med" len="med"/>
+                      <a:tailEnd type="none" w="med" len="med"/>
+                    </a:lnB>
+                    <a:solidFill>
+                      <a:schemeClr val="bg1"/>
+                    </a:solidFill>
+                  </a:tcPr>
+                </a:tc>
+                <a:tc>
+                  <a:txBody>
+                    <a:bodyPr/>
+                    <a:lstStyle/>
+                    <a:p>
+                      <a:pPr algn="ctr" latinLnBrk="1"/>
+                      <a:endParaRPr lang="ko-KR" altLang="en-US" sz="1000" dirty="0"/>
+                    </a:p>
+                  </a:txBody>
+                  <a:tcPr anchor="ctr">
+                    <a:lnL w="12700" cap="flat" cmpd="sng" algn="ctr">
+                      <a:noFill/>
+                      <a:prstDash val="solid"/>
+                      <a:round/>
+                      <a:headEnd type="none" w="med" len="med"/>
+                      <a:tailEnd type="none" w="med" len="med"/>
+                    </a:lnL>
+                    <a:lnR w="12700" cap="flat" cmpd="sng" algn="ctr">
+                      <a:noFill/>
+                      <a:prstDash val="solid"/>
+                      <a:round/>
+                      <a:headEnd type="none" w="med" len="med"/>
+                      <a:tailEnd type="none" w="med" len="med"/>
+                    </a:lnR>
+                    <a:lnT w="12700" cap="flat" cmpd="sng" algn="ctr">
+                      <a:noFill/>
+                      <a:prstDash val="solid"/>
+                      <a:round/>
+                      <a:headEnd type="none" w="med" len="med"/>
+                      <a:tailEnd type="none" w="med" len="med"/>
+                    </a:lnT>
+                    <a:lnB w="12700" cap="flat" cmpd="sng" algn="ctr">
+                      <a:noFill/>
+                      <a:prstDash val="solid"/>
+                      <a:round/>
+                      <a:headEnd type="none" w="med" len="med"/>
+                      <a:tailEnd type="none" w="med" len="med"/>
+                    </a:lnB>
+                    <a:solidFill>
+                      <a:schemeClr val="bg1"/>
+                    </a:solidFill>
+                  </a:tcPr>
+                </a:tc>
+                <a:tc>
+                  <a:txBody>
+                    <a:bodyPr/>
+                    <a:lstStyle/>
+                    <a:p>
+                      <a:pPr algn="ctr" latinLnBrk="1"/>
+                      <a:endParaRPr lang="ko-KR" altLang="en-US" sz="1000" dirty="0"/>
+                    </a:p>
+                  </a:txBody>
+                  <a:tcPr anchor="ctr">
+                    <a:lnL w="12700" cap="flat" cmpd="sng" algn="ctr">
+                      <a:noFill/>
+                      <a:prstDash val="solid"/>
+                      <a:round/>
+                      <a:headEnd type="none" w="med" len="med"/>
+                      <a:tailEnd type="none" w="med" len="med"/>
+                    </a:lnL>
+                    <a:lnR w="12700" cap="flat" cmpd="sng" algn="ctr">
+                      <a:noFill/>
+                      <a:prstDash val="solid"/>
+                      <a:round/>
+                      <a:headEnd type="none" w="med" len="med"/>
+                      <a:tailEnd type="none" w="med" len="med"/>
+                    </a:lnR>
+                    <a:lnT w="12700" cap="flat" cmpd="sng" algn="ctr">
+                      <a:noFill/>
+                      <a:prstDash val="solid"/>
+                      <a:round/>
+                      <a:headEnd type="none" w="med" len="med"/>
+                      <a:tailEnd type="none" w="med" len="med"/>
+                    </a:lnT>
+                    <a:lnB w="12700" cap="flat" cmpd="sng" algn="ctr">
+                      <a:noFill/>
+                      <a:prstDash val="solid"/>
+                      <a:round/>
+                      <a:headEnd type="none" w="med" len="med"/>
+                      <a:tailEnd type="none" w="med" len="med"/>
+                    </a:lnB>
+                    <a:solidFill>
+                      <a:schemeClr val="bg1"/>
+                    </a:solidFill>
+                  </a:tcPr>
+                </a:tc>
+                <a:tc>
+                  <a:txBody>
+                    <a:bodyPr/>
+                    <a:lstStyle/>
+                    <a:p>
+                      <a:pPr algn="ctr" latinLnBrk="1"/>
+                      <a:endParaRPr lang="ko-KR" altLang="en-US" sz="1000"/>
+                    </a:p>
+                  </a:txBody>
+                  <a:tcPr anchor="ctr">
+                    <a:lnL w="12700" cap="flat" cmpd="sng" algn="ctr">
+                      <a:noFill/>
+                      <a:prstDash val="solid"/>
+                      <a:round/>
+                      <a:headEnd type="none" w="med" len="med"/>
+                      <a:tailEnd type="none" w="med" len="med"/>
+                    </a:lnL>
+                    <a:lnR w="12700" cap="flat" cmpd="sng" algn="ctr">
+                      <a:noFill/>
+                      <a:prstDash val="solid"/>
+                      <a:round/>
+                      <a:headEnd type="none" w="med" len="med"/>
+                      <a:tailEnd type="none" w="med" len="med"/>
+                    </a:lnR>
+                    <a:lnT w="12700" cap="flat" cmpd="sng" algn="ctr">
+                      <a:noFill/>
+                      <a:prstDash val="solid"/>
+                      <a:round/>
+                      <a:headEnd type="none" w="med" len="med"/>
+                      <a:tailEnd type="none" w="med" len="med"/>
+                    </a:lnT>
+                    <a:lnB w="12700" cap="flat" cmpd="sng" algn="ctr">
+                      <a:noFill/>
+                      <a:prstDash val="solid"/>
+                      <a:round/>
+                      <a:headEnd type="none" w="med" len="med"/>
+                      <a:tailEnd type="none" w="med" len="med"/>
+                    </a:lnB>
+                    <a:solidFill>
+                      <a:schemeClr val="bg1"/>
+                    </a:solidFill>
+                  </a:tcPr>
+                </a:tc>
+                <a:tc>
+                  <a:txBody>
+                    <a:bodyPr/>
+                    <a:lstStyle/>
+                    <a:p>
+                      <a:pPr algn="ctr" latinLnBrk="1"/>
+                      <a:endParaRPr lang="ko-KR" altLang="en-US" sz="1000"/>
                     </a:p>
                   </a:txBody>
                   <a:tcPr anchor="ctr">
@@ -11373,6 +11433,69 @@
                     </a:lnB>
                     <a:solidFill>
                       <a:srgbClr val="FF9900"/>
+                    </a:solidFill>
+                  </a:tcPr>
+                </a:tc>
+                <a:tc>
+                  <a:txBody>
+                    <a:bodyPr/>
+                    <a:lstStyle/>
+                    <a:p>
+                      <a:pPr marL="0" marR="0" lvl="0" indent="0" algn="ctr" defTabSz="914400" rtl="0" eaLnBrk="1" fontAlgn="auto" latinLnBrk="1" hangingPunct="1">
+                        <a:lnSpc>
+                          <a:spcPct val="100000"/>
+                        </a:lnSpc>
+                        <a:spcBef>
+                          <a:spcPts val="0"/>
+                        </a:spcBef>
+                        <a:spcAft>
+                          <a:spcPts val="0"/>
+                        </a:spcAft>
+                        <a:buClrTx/>
+                        <a:buSzTx/>
+                        <a:buFontTx/>
+                        <a:buNone/>
+                        <a:tabLst/>
+                        <a:defRPr/>
+                      </a:pPr>
+                      <a:endParaRPr lang="ko-KR" altLang="en-US" sz="3000" dirty="0">
+                        <a:solidFill>
+                          <a:srgbClr val="FF9900"/>
+                        </a:solidFill>
+                      </a:endParaRPr>
+                    </a:p>
+                  </a:txBody>
+                  <a:tcPr anchor="ctr">
+                    <a:lnL w="12700" cap="flat" cmpd="sng" algn="ctr">
+                      <a:noFill/>
+                      <a:prstDash val="solid"/>
+                      <a:round/>
+                      <a:headEnd type="none" w="med" len="med"/>
+                      <a:tailEnd type="none" w="med" len="med"/>
+                    </a:lnL>
+                    <a:lnR w="12700" cap="flat" cmpd="sng" algn="ctr">
+                      <a:noFill/>
+                      <a:prstDash val="solid"/>
+                      <a:round/>
+                      <a:headEnd type="none" w="med" len="med"/>
+                      <a:tailEnd type="none" w="med" len="med"/>
+                    </a:lnR>
+                    <a:lnT w="12700" cap="flat" cmpd="sng" algn="ctr">
+                      <a:noFill/>
+                      <a:prstDash val="solid"/>
+                      <a:round/>
+                      <a:headEnd type="none" w="med" len="med"/>
+                      <a:tailEnd type="none" w="med" len="med"/>
+                    </a:lnT>
+                    <a:lnB w="12700" cap="flat" cmpd="sng" algn="ctr">
+                      <a:noFill/>
+                      <a:prstDash val="solid"/>
+                      <a:round/>
+                      <a:headEnd type="none" w="med" len="med"/>
+                      <a:tailEnd type="none" w="med" len="med"/>
+                    </a:lnB>
+                    <a:solidFill>
+                      <a:schemeClr val="bg1"/>
                     </a:solidFill>
                   </a:tcPr>
                 </a:tc>
@@ -11539,6 +11662,178 @@
                     <a:lstStyle/>
                     <a:p>
                       <a:pPr algn="ctr" latinLnBrk="1"/>
+                      <a:endParaRPr lang="ko-KR" altLang="en-US" sz="1000" dirty="0"/>
+                    </a:p>
+                  </a:txBody>
+                  <a:tcPr anchor="ctr">
+                    <a:lnL w="12700" cap="flat" cmpd="sng" algn="ctr">
+                      <a:noFill/>
+                      <a:prstDash val="solid"/>
+                      <a:round/>
+                      <a:headEnd type="none" w="med" len="med"/>
+                      <a:tailEnd type="none" w="med" len="med"/>
+                    </a:lnL>
+                    <a:lnR w="12700" cap="flat" cmpd="sng" algn="ctr">
+                      <a:noFill/>
+                      <a:prstDash val="solid"/>
+                      <a:round/>
+                      <a:headEnd type="none" w="med" len="med"/>
+                      <a:tailEnd type="none" w="med" len="med"/>
+                    </a:lnR>
+                    <a:lnT w="12700" cap="flat" cmpd="sng" algn="ctr">
+                      <a:noFill/>
+                      <a:prstDash val="solid"/>
+                      <a:round/>
+                      <a:headEnd type="none" w="med" len="med"/>
+                      <a:tailEnd type="none" w="med" len="med"/>
+                    </a:lnT>
+                    <a:lnB w="12700" cap="flat" cmpd="sng" algn="ctr">
+                      <a:noFill/>
+                      <a:prstDash val="solid"/>
+                      <a:round/>
+                      <a:headEnd type="none" w="med" len="med"/>
+                      <a:tailEnd type="none" w="med" len="med"/>
+                    </a:lnB>
+                    <a:solidFill>
+                      <a:schemeClr val="bg1"/>
+                    </a:solidFill>
+                  </a:tcPr>
+                </a:tc>
+                <a:tc>
+                  <a:txBody>
+                    <a:bodyPr/>
+                    <a:lstStyle/>
+                    <a:p>
+                      <a:pPr algn="ctr" latinLnBrk="1"/>
+                      <a:endParaRPr lang="ko-KR" altLang="en-US" sz="1000" dirty="0"/>
+                    </a:p>
+                  </a:txBody>
+                  <a:tcPr anchor="ctr">
+                    <a:lnL w="12700" cap="flat" cmpd="sng" algn="ctr">
+                      <a:noFill/>
+                      <a:prstDash val="solid"/>
+                      <a:round/>
+                      <a:headEnd type="none" w="med" len="med"/>
+                      <a:tailEnd type="none" w="med" len="med"/>
+                    </a:lnL>
+                    <a:lnR w="12700" cap="flat" cmpd="sng" algn="ctr">
+                      <a:noFill/>
+                      <a:prstDash val="solid"/>
+                      <a:round/>
+                      <a:headEnd type="none" w="med" len="med"/>
+                      <a:tailEnd type="none" w="med" len="med"/>
+                    </a:lnR>
+                    <a:lnT w="12700" cap="flat" cmpd="sng" algn="ctr">
+                      <a:noFill/>
+                      <a:prstDash val="solid"/>
+                      <a:round/>
+                      <a:headEnd type="none" w="med" len="med"/>
+                      <a:tailEnd type="none" w="med" len="med"/>
+                    </a:lnT>
+                    <a:lnB w="12700" cap="flat" cmpd="sng" algn="ctr">
+                      <a:noFill/>
+                      <a:prstDash val="solid"/>
+                      <a:round/>
+                      <a:headEnd type="none" w="med" len="med"/>
+                      <a:tailEnd type="none" w="med" len="med"/>
+                    </a:lnB>
+                    <a:solidFill>
+                      <a:schemeClr val="bg1"/>
+                    </a:solidFill>
+                  </a:tcPr>
+                </a:tc>
+                <a:tc>
+                  <a:txBody>
+                    <a:bodyPr/>
+                    <a:lstStyle/>
+                    <a:p>
+                      <a:pPr algn="ctr" latinLnBrk="1"/>
+                      <a:endParaRPr lang="ko-KR" altLang="en-US" sz="1000"/>
+                    </a:p>
+                  </a:txBody>
+                  <a:tcPr anchor="ctr">
+                    <a:lnL w="12700" cap="flat" cmpd="sng" algn="ctr">
+                      <a:noFill/>
+                      <a:prstDash val="solid"/>
+                      <a:round/>
+                      <a:headEnd type="none" w="med" len="med"/>
+                      <a:tailEnd type="none" w="med" len="med"/>
+                    </a:lnL>
+                    <a:lnR w="12700" cap="flat" cmpd="sng" algn="ctr">
+                      <a:noFill/>
+                      <a:prstDash val="solid"/>
+                      <a:round/>
+                      <a:headEnd type="none" w="med" len="med"/>
+                      <a:tailEnd type="none" w="med" len="med"/>
+                    </a:lnR>
+                    <a:lnT w="12700" cap="flat" cmpd="sng" algn="ctr">
+                      <a:noFill/>
+                      <a:prstDash val="solid"/>
+                      <a:round/>
+                      <a:headEnd type="none" w="med" len="med"/>
+                      <a:tailEnd type="none" w="med" len="med"/>
+                    </a:lnT>
+                    <a:lnB w="12700" cap="flat" cmpd="sng" algn="ctr">
+                      <a:noFill/>
+                      <a:prstDash val="solid"/>
+                      <a:round/>
+                      <a:headEnd type="none" w="med" len="med"/>
+                      <a:tailEnd type="none" w="med" len="med"/>
+                    </a:lnB>
+                    <a:solidFill>
+                      <a:schemeClr val="bg1"/>
+                    </a:solidFill>
+                  </a:tcPr>
+                </a:tc>
+                <a:tc>
+                  <a:txBody>
+                    <a:bodyPr/>
+                    <a:lstStyle/>
+                    <a:p>
+                      <a:pPr algn="ctr" latinLnBrk="1"/>
+                      <a:endParaRPr lang="ko-KR" altLang="en-US" sz="1000"/>
+                    </a:p>
+                  </a:txBody>
+                  <a:tcPr anchor="ctr">
+                    <a:lnL w="12700" cap="flat" cmpd="sng" algn="ctr">
+                      <a:noFill/>
+                      <a:prstDash val="solid"/>
+                      <a:round/>
+                      <a:headEnd type="none" w="med" len="med"/>
+                      <a:tailEnd type="none" w="med" len="med"/>
+                    </a:lnL>
+                    <a:lnR w="12700" cap="flat" cmpd="sng" algn="ctr">
+                      <a:noFill/>
+                      <a:prstDash val="solid"/>
+                      <a:round/>
+                      <a:headEnd type="none" w="med" len="med"/>
+                      <a:tailEnd type="none" w="med" len="med"/>
+                    </a:lnR>
+                    <a:lnT w="12700" cap="flat" cmpd="sng" algn="ctr">
+                      <a:noFill/>
+                      <a:prstDash val="solid"/>
+                      <a:round/>
+                      <a:headEnd type="none" w="med" len="med"/>
+                      <a:tailEnd type="none" w="med" len="med"/>
+                    </a:lnT>
+                    <a:lnB w="12700" cap="flat" cmpd="sng" algn="ctr">
+                      <a:noFill/>
+                      <a:prstDash val="solid"/>
+                      <a:round/>
+                      <a:headEnd type="none" w="med" len="med"/>
+                      <a:tailEnd type="none" w="med" len="med"/>
+                    </a:lnB>
+                    <a:solidFill>
+                      <a:schemeClr val="bg1"/>
+                    </a:solidFill>
+                  </a:tcPr>
+                </a:tc>
+                <a:tc>
+                  <a:txBody>
+                    <a:bodyPr/>
+                    <a:lstStyle/>
+                    <a:p>
+                      <a:pPr algn="ctr" latinLnBrk="1"/>
                       <a:endParaRPr lang="ko-KR" altLang="en-US" sz="1000"/>
                     </a:p>
                   </a:txBody>
@@ -11751,8 +12046,28 @@
                     <a:bodyPr/>
                     <a:lstStyle/>
                     <a:p>
-                      <a:pPr algn="ctr" latinLnBrk="1"/>
-                      <a:endParaRPr lang="ko-KR" altLang="en-US" sz="1000" dirty="0"/>
+                      <a:pPr marL="0" marR="0" lvl="0" indent="0" algn="ctr" defTabSz="914400" rtl="0" eaLnBrk="1" fontAlgn="auto" latinLnBrk="1" hangingPunct="1">
+                        <a:lnSpc>
+                          <a:spcPct val="100000"/>
+                        </a:lnSpc>
+                        <a:spcBef>
+                          <a:spcPts val="0"/>
+                        </a:spcBef>
+                        <a:spcAft>
+                          <a:spcPts val="0"/>
+                        </a:spcAft>
+                        <a:buClrTx/>
+                        <a:buSzTx/>
+                        <a:buFontTx/>
+                        <a:buNone/>
+                        <a:tabLst/>
+                        <a:defRPr/>
+                      </a:pPr>
+                      <a:endParaRPr lang="ko-KR" altLang="en-US" sz="1000" dirty="0">
+                        <a:solidFill>
+                          <a:srgbClr val="FF9900"/>
+                        </a:solidFill>
+                      </a:endParaRPr>
                     </a:p>
                   </a:txBody>
                   <a:tcPr anchor="ctr">
@@ -11796,6 +12111,221 @@
                     <a:p>
                       <a:pPr algn="ctr" latinLnBrk="1"/>
                       <a:endParaRPr lang="ko-KR" altLang="en-US" sz="1000" dirty="0"/>
+                    </a:p>
+                  </a:txBody>
+                  <a:tcPr anchor="ctr">
+                    <a:lnL w="12700" cap="flat" cmpd="sng" algn="ctr">
+                      <a:noFill/>
+                      <a:prstDash val="solid"/>
+                      <a:round/>
+                      <a:headEnd type="none" w="med" len="med"/>
+                      <a:tailEnd type="none" w="med" len="med"/>
+                    </a:lnL>
+                    <a:lnR w="12700" cap="flat" cmpd="sng" algn="ctr">
+                      <a:noFill/>
+                      <a:prstDash val="solid"/>
+                      <a:round/>
+                      <a:headEnd type="none" w="med" len="med"/>
+                      <a:tailEnd type="none" w="med" len="med"/>
+                    </a:lnR>
+                    <a:lnT w="12700" cap="flat" cmpd="sng" algn="ctr">
+                      <a:noFill/>
+                      <a:prstDash val="solid"/>
+                      <a:round/>
+                      <a:headEnd type="none" w="med" len="med"/>
+                      <a:tailEnd type="none" w="med" len="med"/>
+                    </a:lnT>
+                    <a:lnB w="12700" cap="flat" cmpd="sng" algn="ctr">
+                      <a:noFill/>
+                      <a:prstDash val="solid"/>
+                      <a:round/>
+                      <a:headEnd type="none" w="med" len="med"/>
+                      <a:tailEnd type="none" w="med" len="med"/>
+                    </a:lnB>
+                    <a:solidFill>
+                      <a:schemeClr val="bg1"/>
+                    </a:solidFill>
+                  </a:tcPr>
+                </a:tc>
+                <a:tc>
+                  <a:txBody>
+                    <a:bodyPr/>
+                    <a:lstStyle/>
+                    <a:p>
+                      <a:pPr algn="ctr" latinLnBrk="1"/>
+                      <a:endParaRPr lang="ko-KR" altLang="en-US" sz="1000" dirty="0"/>
+                    </a:p>
+                  </a:txBody>
+                  <a:tcPr anchor="ctr">
+                    <a:lnL w="12700" cap="flat" cmpd="sng" algn="ctr">
+                      <a:noFill/>
+                      <a:prstDash val="solid"/>
+                      <a:round/>
+                      <a:headEnd type="none" w="med" len="med"/>
+                      <a:tailEnd type="none" w="med" len="med"/>
+                    </a:lnL>
+                    <a:lnR w="12700" cap="flat" cmpd="sng" algn="ctr">
+                      <a:noFill/>
+                      <a:prstDash val="solid"/>
+                      <a:round/>
+                      <a:headEnd type="none" w="med" len="med"/>
+                      <a:tailEnd type="none" w="med" len="med"/>
+                    </a:lnR>
+                    <a:lnT w="12700" cap="flat" cmpd="sng" algn="ctr">
+                      <a:noFill/>
+                      <a:prstDash val="solid"/>
+                      <a:round/>
+                      <a:headEnd type="none" w="med" len="med"/>
+                      <a:tailEnd type="none" w="med" len="med"/>
+                    </a:lnT>
+                    <a:lnB w="12700" cap="flat" cmpd="sng" algn="ctr">
+                      <a:noFill/>
+                      <a:prstDash val="solid"/>
+                      <a:round/>
+                      <a:headEnd type="none" w="med" len="med"/>
+                      <a:tailEnd type="none" w="med" len="med"/>
+                    </a:lnB>
+                    <a:solidFill>
+                      <a:schemeClr val="bg1"/>
+                    </a:solidFill>
+                  </a:tcPr>
+                </a:tc>
+                <a:tc>
+                  <a:txBody>
+                    <a:bodyPr/>
+                    <a:lstStyle/>
+                    <a:p>
+                      <a:pPr algn="ctr" latinLnBrk="1"/>
+                      <a:endParaRPr lang="ko-KR" altLang="en-US" sz="1000" dirty="0"/>
+                    </a:p>
+                  </a:txBody>
+                  <a:tcPr anchor="ctr">
+                    <a:lnL w="12700" cap="flat" cmpd="sng" algn="ctr">
+                      <a:noFill/>
+                      <a:prstDash val="solid"/>
+                      <a:round/>
+                      <a:headEnd type="none" w="med" len="med"/>
+                      <a:tailEnd type="none" w="med" len="med"/>
+                    </a:lnL>
+                    <a:lnR w="12700" cap="flat" cmpd="sng" algn="ctr">
+                      <a:noFill/>
+                      <a:prstDash val="solid"/>
+                      <a:round/>
+                      <a:headEnd type="none" w="med" len="med"/>
+                      <a:tailEnd type="none" w="med" len="med"/>
+                    </a:lnR>
+                    <a:lnT w="12700" cap="flat" cmpd="sng" algn="ctr">
+                      <a:noFill/>
+                      <a:prstDash val="solid"/>
+                      <a:round/>
+                      <a:headEnd type="none" w="med" len="med"/>
+                      <a:tailEnd type="none" w="med" len="med"/>
+                    </a:lnT>
+                    <a:lnB w="12700" cap="flat" cmpd="sng" algn="ctr">
+                      <a:noFill/>
+                      <a:prstDash val="solid"/>
+                      <a:round/>
+                      <a:headEnd type="none" w="med" len="med"/>
+                      <a:tailEnd type="none" w="med" len="med"/>
+                    </a:lnB>
+                    <a:solidFill>
+                      <a:schemeClr val="bg1"/>
+                    </a:solidFill>
+                  </a:tcPr>
+                </a:tc>
+                <a:tc>
+                  <a:txBody>
+                    <a:bodyPr/>
+                    <a:lstStyle/>
+                    <a:p>
+                      <a:pPr algn="ctr" latinLnBrk="1"/>
+                      <a:endParaRPr lang="ko-KR" altLang="en-US" sz="1000" dirty="0"/>
+                    </a:p>
+                  </a:txBody>
+                  <a:tcPr anchor="ctr">
+                    <a:lnL w="12700" cap="flat" cmpd="sng" algn="ctr">
+                      <a:noFill/>
+                      <a:prstDash val="solid"/>
+                      <a:round/>
+                      <a:headEnd type="none" w="med" len="med"/>
+                      <a:tailEnd type="none" w="med" len="med"/>
+                    </a:lnL>
+                    <a:lnR w="12700" cap="flat" cmpd="sng" algn="ctr">
+                      <a:noFill/>
+                      <a:prstDash val="solid"/>
+                      <a:round/>
+                      <a:headEnd type="none" w="med" len="med"/>
+                      <a:tailEnd type="none" w="med" len="med"/>
+                    </a:lnR>
+                    <a:lnT w="12700" cap="flat" cmpd="sng" algn="ctr">
+                      <a:noFill/>
+                      <a:prstDash val="solid"/>
+                      <a:round/>
+                      <a:headEnd type="none" w="med" len="med"/>
+                      <a:tailEnd type="none" w="med" len="med"/>
+                    </a:lnT>
+                    <a:lnB w="12700" cap="flat" cmpd="sng" algn="ctr">
+                      <a:noFill/>
+                      <a:prstDash val="solid"/>
+                      <a:round/>
+                      <a:headEnd type="none" w="med" len="med"/>
+                      <a:tailEnd type="none" w="med" len="med"/>
+                    </a:lnB>
+                    <a:solidFill>
+                      <a:schemeClr val="bg1"/>
+                    </a:solidFill>
+                  </a:tcPr>
+                </a:tc>
+                <a:tc>
+                  <a:txBody>
+                    <a:bodyPr/>
+                    <a:lstStyle/>
+                    <a:p>
+                      <a:pPr algn="ctr" latinLnBrk="1"/>
+                      <a:endParaRPr lang="ko-KR" altLang="en-US" sz="1000"/>
+                    </a:p>
+                  </a:txBody>
+                  <a:tcPr anchor="ctr">
+                    <a:lnL w="12700" cap="flat" cmpd="sng" algn="ctr">
+                      <a:noFill/>
+                      <a:prstDash val="solid"/>
+                      <a:round/>
+                      <a:headEnd type="none" w="med" len="med"/>
+                      <a:tailEnd type="none" w="med" len="med"/>
+                    </a:lnL>
+                    <a:lnR w="12700" cap="flat" cmpd="sng" algn="ctr">
+                      <a:noFill/>
+                      <a:prstDash val="solid"/>
+                      <a:round/>
+                      <a:headEnd type="none" w="med" len="med"/>
+                      <a:tailEnd type="none" w="med" len="med"/>
+                    </a:lnR>
+                    <a:lnT w="12700" cap="flat" cmpd="sng" algn="ctr">
+                      <a:noFill/>
+                      <a:prstDash val="solid"/>
+                      <a:round/>
+                      <a:headEnd type="none" w="med" len="med"/>
+                      <a:tailEnd type="none" w="med" len="med"/>
+                    </a:lnT>
+                    <a:lnB w="12700" cap="flat" cmpd="sng" algn="ctr">
+                      <a:noFill/>
+                      <a:prstDash val="solid"/>
+                      <a:round/>
+                      <a:headEnd type="none" w="med" len="med"/>
+                      <a:tailEnd type="none" w="med" len="med"/>
+                    </a:lnB>
+                    <a:solidFill>
+                      <a:schemeClr val="bg1"/>
+                    </a:solidFill>
+                  </a:tcPr>
+                </a:tc>
+                <a:tc>
+                  <a:txBody>
+                    <a:bodyPr/>
+                    <a:lstStyle/>
+                    <a:p>
+                      <a:pPr algn="ctr" latinLnBrk="1"/>
+                      <a:endParaRPr lang="ko-KR" altLang="en-US" sz="1000"/>
                     </a:p>
                   </a:txBody>
                   <a:tcPr anchor="ctr">
@@ -12011,6 +12541,195 @@
                         <a:tabLst/>
                         <a:defRPr/>
                       </a:pPr>
+                      <a:endParaRPr lang="ko-KR" altLang="en-US" sz="3000" dirty="0">
+                        <a:solidFill>
+                          <a:srgbClr val="FF9900"/>
+                        </a:solidFill>
+                      </a:endParaRPr>
+                    </a:p>
+                  </a:txBody>
+                  <a:tcPr anchor="ctr">
+                    <a:lnL w="12700" cap="flat" cmpd="sng" algn="ctr">
+                      <a:noFill/>
+                      <a:prstDash val="solid"/>
+                      <a:round/>
+                      <a:headEnd type="none" w="med" len="med"/>
+                      <a:tailEnd type="none" w="med" len="med"/>
+                    </a:lnL>
+                    <a:lnR w="12700" cap="flat" cmpd="sng" algn="ctr">
+                      <a:noFill/>
+                      <a:prstDash val="solid"/>
+                      <a:round/>
+                      <a:headEnd type="none" w="med" len="med"/>
+                      <a:tailEnd type="none" w="med" len="med"/>
+                    </a:lnR>
+                    <a:lnT w="12700" cap="flat" cmpd="sng" algn="ctr">
+                      <a:noFill/>
+                      <a:prstDash val="solid"/>
+                      <a:round/>
+                      <a:headEnd type="none" w="med" len="med"/>
+                      <a:tailEnd type="none" w="med" len="med"/>
+                    </a:lnT>
+                    <a:lnB w="12700" cap="flat" cmpd="sng" algn="ctr">
+                      <a:noFill/>
+                      <a:prstDash val="solid"/>
+                      <a:round/>
+                      <a:headEnd type="none" w="med" len="med"/>
+                      <a:tailEnd type="none" w="med" len="med"/>
+                    </a:lnB>
+                    <a:solidFill>
+                      <a:schemeClr val="bg1"/>
+                    </a:solidFill>
+                  </a:tcPr>
+                </a:tc>
+                <a:tc>
+                  <a:txBody>
+                    <a:bodyPr/>
+                    <a:lstStyle/>
+                    <a:p>
+                      <a:pPr marL="0" marR="0" lvl="0" indent="0" algn="ctr" defTabSz="914400" rtl="0" eaLnBrk="1" fontAlgn="auto" latinLnBrk="1" hangingPunct="1">
+                        <a:lnSpc>
+                          <a:spcPct val="100000"/>
+                        </a:lnSpc>
+                        <a:spcBef>
+                          <a:spcPts val="0"/>
+                        </a:spcBef>
+                        <a:spcAft>
+                          <a:spcPts val="0"/>
+                        </a:spcAft>
+                        <a:buClrTx/>
+                        <a:buSzTx/>
+                        <a:buFontTx/>
+                        <a:buNone/>
+                        <a:tabLst/>
+                        <a:defRPr/>
+                      </a:pPr>
+                      <a:endParaRPr lang="ko-KR" altLang="en-US" sz="3000" dirty="0">
+                        <a:solidFill>
+                          <a:srgbClr val="FF9900"/>
+                        </a:solidFill>
+                      </a:endParaRPr>
+                    </a:p>
+                  </a:txBody>
+                  <a:tcPr anchor="ctr">
+                    <a:lnL w="12700" cap="flat" cmpd="sng" algn="ctr">
+                      <a:noFill/>
+                      <a:prstDash val="solid"/>
+                      <a:round/>
+                      <a:headEnd type="none" w="med" len="med"/>
+                      <a:tailEnd type="none" w="med" len="med"/>
+                    </a:lnL>
+                    <a:lnR w="12700" cap="flat" cmpd="sng" algn="ctr">
+                      <a:noFill/>
+                      <a:prstDash val="solid"/>
+                      <a:round/>
+                      <a:headEnd type="none" w="med" len="med"/>
+                      <a:tailEnd type="none" w="med" len="med"/>
+                    </a:lnR>
+                    <a:lnT w="12700" cap="flat" cmpd="sng" algn="ctr">
+                      <a:noFill/>
+                      <a:prstDash val="solid"/>
+                      <a:round/>
+                      <a:headEnd type="none" w="med" len="med"/>
+                      <a:tailEnd type="none" w="med" len="med"/>
+                    </a:lnT>
+                    <a:lnB w="12700" cap="flat" cmpd="sng" algn="ctr">
+                      <a:noFill/>
+                      <a:prstDash val="solid"/>
+                      <a:round/>
+                      <a:headEnd type="none" w="med" len="med"/>
+                      <a:tailEnd type="none" w="med" len="med"/>
+                    </a:lnB>
+                    <a:solidFill>
+                      <a:schemeClr val="bg1"/>
+                    </a:solidFill>
+                  </a:tcPr>
+                </a:tc>
+                <a:tc>
+                  <a:txBody>
+                    <a:bodyPr/>
+                    <a:lstStyle/>
+                    <a:p>
+                      <a:pPr marL="0" marR="0" lvl="0" indent="0" algn="ctr" defTabSz="914400" rtl="0" eaLnBrk="1" fontAlgn="auto" latinLnBrk="1" hangingPunct="1">
+                        <a:lnSpc>
+                          <a:spcPct val="100000"/>
+                        </a:lnSpc>
+                        <a:spcBef>
+                          <a:spcPts val="0"/>
+                        </a:spcBef>
+                        <a:spcAft>
+                          <a:spcPts val="0"/>
+                        </a:spcAft>
+                        <a:buClrTx/>
+                        <a:buSzTx/>
+                        <a:buFontTx/>
+                        <a:buNone/>
+                        <a:tabLst/>
+                        <a:defRPr/>
+                      </a:pPr>
+                      <a:endParaRPr lang="ko-KR" altLang="en-US" sz="3000" dirty="0">
+                        <a:solidFill>
+                          <a:srgbClr val="FF9900"/>
+                        </a:solidFill>
+                      </a:endParaRPr>
+                    </a:p>
+                  </a:txBody>
+                  <a:tcPr anchor="ctr">
+                    <a:lnL w="12700" cap="flat" cmpd="sng" algn="ctr">
+                      <a:noFill/>
+                      <a:prstDash val="solid"/>
+                      <a:round/>
+                      <a:headEnd type="none" w="med" len="med"/>
+                      <a:tailEnd type="none" w="med" len="med"/>
+                    </a:lnL>
+                    <a:lnR w="12700" cap="flat" cmpd="sng" algn="ctr">
+                      <a:noFill/>
+                      <a:prstDash val="solid"/>
+                      <a:round/>
+                      <a:headEnd type="none" w="med" len="med"/>
+                      <a:tailEnd type="none" w="med" len="med"/>
+                    </a:lnR>
+                    <a:lnT w="12700" cap="flat" cmpd="sng" algn="ctr">
+                      <a:noFill/>
+                      <a:prstDash val="solid"/>
+                      <a:round/>
+                      <a:headEnd type="none" w="med" len="med"/>
+                      <a:tailEnd type="none" w="med" len="med"/>
+                    </a:lnT>
+                    <a:lnB w="12700" cap="flat" cmpd="sng" algn="ctr">
+                      <a:noFill/>
+                      <a:prstDash val="solid"/>
+                      <a:round/>
+                      <a:headEnd type="none" w="med" len="med"/>
+                      <a:tailEnd type="none" w="med" len="med"/>
+                    </a:lnB>
+                    <a:solidFill>
+                      <a:schemeClr val="bg1"/>
+                    </a:solidFill>
+                  </a:tcPr>
+                </a:tc>
+                <a:tc>
+                  <a:txBody>
+                    <a:bodyPr/>
+                    <a:lstStyle/>
+                    <a:p>
+                      <a:pPr marL="0" marR="0" lvl="0" indent="0" algn="ctr" defTabSz="914400" rtl="0" eaLnBrk="1" fontAlgn="auto" latinLnBrk="1" hangingPunct="1">
+                        <a:lnSpc>
+                          <a:spcPct val="100000"/>
+                        </a:lnSpc>
+                        <a:spcBef>
+                          <a:spcPts val="0"/>
+                        </a:spcBef>
+                        <a:spcAft>
+                          <a:spcPts val="0"/>
+                        </a:spcAft>
+                        <a:buClrTx/>
+                        <a:buSzTx/>
+                        <a:buFontTx/>
+                        <a:buNone/>
+                        <a:tabLst/>
+                        <a:defRPr/>
+                      </a:pPr>
                       <a:r>
                         <a:rPr lang="en-US" altLang="ko-KR" sz="3000" dirty="0">
                           <a:solidFill>
@@ -12024,6 +12743,92 @@
                           <a:srgbClr val="FF9900"/>
                         </a:solidFill>
                       </a:endParaRPr>
+                    </a:p>
+                  </a:txBody>
+                  <a:tcPr anchor="ctr">
+                    <a:lnL w="12700" cap="flat" cmpd="sng" algn="ctr">
+                      <a:noFill/>
+                      <a:prstDash val="solid"/>
+                      <a:round/>
+                      <a:headEnd type="none" w="med" len="med"/>
+                      <a:tailEnd type="none" w="med" len="med"/>
+                    </a:lnL>
+                    <a:lnR w="12700" cap="flat" cmpd="sng" algn="ctr">
+                      <a:noFill/>
+                      <a:prstDash val="solid"/>
+                      <a:round/>
+                      <a:headEnd type="none" w="med" len="med"/>
+                      <a:tailEnd type="none" w="med" len="med"/>
+                    </a:lnR>
+                    <a:lnT w="12700" cap="flat" cmpd="sng" algn="ctr">
+                      <a:noFill/>
+                      <a:prstDash val="solid"/>
+                      <a:round/>
+                      <a:headEnd type="none" w="med" len="med"/>
+                      <a:tailEnd type="none" w="med" len="med"/>
+                    </a:lnT>
+                    <a:lnB w="12700" cap="flat" cmpd="sng" algn="ctr">
+                      <a:noFill/>
+                      <a:prstDash val="solid"/>
+                      <a:round/>
+                      <a:headEnd type="none" w="med" len="med"/>
+                      <a:tailEnd type="none" w="med" len="med"/>
+                    </a:lnB>
+                    <a:solidFill>
+                      <a:schemeClr val="bg1"/>
+                    </a:solidFill>
+                  </a:tcPr>
+                </a:tc>
+                <a:tc>
+                  <a:txBody>
+                    <a:bodyPr/>
+                    <a:lstStyle/>
+                    <a:p>
+                      <a:pPr algn="ctr" latinLnBrk="1"/>
+                      <a:endParaRPr lang="ko-KR" altLang="en-US" sz="1000" dirty="0"/>
+                    </a:p>
+                  </a:txBody>
+                  <a:tcPr anchor="ctr">
+                    <a:lnL w="12700" cap="flat" cmpd="sng" algn="ctr">
+                      <a:noFill/>
+                      <a:prstDash val="solid"/>
+                      <a:round/>
+                      <a:headEnd type="none" w="med" len="med"/>
+                      <a:tailEnd type="none" w="med" len="med"/>
+                    </a:lnL>
+                    <a:lnR w="12700" cap="flat" cmpd="sng" algn="ctr">
+                      <a:noFill/>
+                      <a:prstDash val="solid"/>
+                      <a:round/>
+                      <a:headEnd type="none" w="med" len="med"/>
+                      <a:tailEnd type="none" w="med" len="med"/>
+                    </a:lnR>
+                    <a:lnT w="12700" cap="flat" cmpd="sng" algn="ctr">
+                      <a:noFill/>
+                      <a:prstDash val="solid"/>
+                      <a:round/>
+                      <a:headEnd type="none" w="med" len="med"/>
+                      <a:tailEnd type="none" w="med" len="med"/>
+                    </a:lnT>
+                    <a:lnB w="12700" cap="flat" cmpd="sng" algn="ctr">
+                      <a:noFill/>
+                      <a:prstDash val="solid"/>
+                      <a:round/>
+                      <a:headEnd type="none" w="med" len="med"/>
+                      <a:tailEnd type="none" w="med" len="med"/>
+                    </a:lnB>
+                    <a:solidFill>
+                      <a:schemeClr val="bg1"/>
+                    </a:solidFill>
+                  </a:tcPr>
+                </a:tc>
+                <a:tc>
+                  <a:txBody>
+                    <a:bodyPr/>
+                    <a:lstStyle/>
+                    <a:p>
+                      <a:pPr algn="ctr" latinLnBrk="1"/>
+                      <a:endParaRPr lang="ko-KR" altLang="en-US" sz="1000" dirty="0"/>
                     </a:p>
                   </a:txBody>
                   <a:tcPr anchor="ctr">
@@ -12515,6 +13320,221 @@
                     </a:solidFill>
                   </a:tcPr>
                 </a:tc>
+                <a:tc>
+                  <a:txBody>
+                    <a:bodyPr/>
+                    <a:lstStyle/>
+                    <a:p>
+                      <a:pPr algn="ctr" latinLnBrk="1"/>
+                      <a:endParaRPr lang="ko-KR" altLang="en-US" sz="1000" dirty="0"/>
+                    </a:p>
+                  </a:txBody>
+                  <a:tcPr anchor="ctr">
+                    <a:lnL w="12700" cap="flat" cmpd="sng" algn="ctr">
+                      <a:noFill/>
+                      <a:prstDash val="solid"/>
+                      <a:round/>
+                      <a:headEnd type="none" w="med" len="med"/>
+                      <a:tailEnd type="none" w="med" len="med"/>
+                    </a:lnL>
+                    <a:lnR w="12700" cap="flat" cmpd="sng" algn="ctr">
+                      <a:noFill/>
+                      <a:prstDash val="solid"/>
+                      <a:round/>
+                      <a:headEnd type="none" w="med" len="med"/>
+                      <a:tailEnd type="none" w="med" len="med"/>
+                    </a:lnR>
+                    <a:lnT w="12700" cap="flat" cmpd="sng" algn="ctr">
+                      <a:noFill/>
+                      <a:prstDash val="solid"/>
+                      <a:round/>
+                      <a:headEnd type="none" w="med" len="med"/>
+                      <a:tailEnd type="none" w="med" len="med"/>
+                    </a:lnT>
+                    <a:lnB w="12700" cap="flat" cmpd="sng" algn="ctr">
+                      <a:noFill/>
+                      <a:prstDash val="solid"/>
+                      <a:round/>
+                      <a:headEnd type="none" w="med" len="med"/>
+                      <a:tailEnd type="none" w="med" len="med"/>
+                    </a:lnB>
+                    <a:solidFill>
+                      <a:schemeClr val="bg1"/>
+                    </a:solidFill>
+                  </a:tcPr>
+                </a:tc>
+                <a:tc>
+                  <a:txBody>
+                    <a:bodyPr/>
+                    <a:lstStyle/>
+                    <a:p>
+                      <a:pPr algn="ctr" latinLnBrk="1"/>
+                      <a:endParaRPr lang="ko-KR" altLang="en-US" sz="1000" dirty="0"/>
+                    </a:p>
+                  </a:txBody>
+                  <a:tcPr anchor="ctr">
+                    <a:lnL w="12700" cap="flat" cmpd="sng" algn="ctr">
+                      <a:noFill/>
+                      <a:prstDash val="solid"/>
+                      <a:round/>
+                      <a:headEnd type="none" w="med" len="med"/>
+                      <a:tailEnd type="none" w="med" len="med"/>
+                    </a:lnL>
+                    <a:lnR w="12700" cap="flat" cmpd="sng" algn="ctr">
+                      <a:noFill/>
+                      <a:prstDash val="solid"/>
+                      <a:round/>
+                      <a:headEnd type="none" w="med" len="med"/>
+                      <a:tailEnd type="none" w="med" len="med"/>
+                    </a:lnR>
+                    <a:lnT w="12700" cap="flat" cmpd="sng" algn="ctr">
+                      <a:noFill/>
+                      <a:prstDash val="solid"/>
+                      <a:round/>
+                      <a:headEnd type="none" w="med" len="med"/>
+                      <a:tailEnd type="none" w="med" len="med"/>
+                    </a:lnT>
+                    <a:lnB w="12700" cap="flat" cmpd="sng" algn="ctr">
+                      <a:noFill/>
+                      <a:prstDash val="solid"/>
+                      <a:round/>
+                      <a:headEnd type="none" w="med" len="med"/>
+                      <a:tailEnd type="none" w="med" len="med"/>
+                    </a:lnB>
+                    <a:solidFill>
+                      <a:schemeClr val="bg1"/>
+                    </a:solidFill>
+                  </a:tcPr>
+                </a:tc>
+                <a:tc>
+                  <a:txBody>
+                    <a:bodyPr/>
+                    <a:lstStyle/>
+                    <a:p>
+                      <a:pPr algn="ctr" latinLnBrk="1"/>
+                      <a:endParaRPr lang="ko-KR" altLang="en-US" sz="1000" dirty="0"/>
+                    </a:p>
+                  </a:txBody>
+                  <a:tcPr anchor="ctr">
+                    <a:lnL w="12700" cap="flat" cmpd="sng" algn="ctr">
+                      <a:noFill/>
+                      <a:prstDash val="solid"/>
+                      <a:round/>
+                      <a:headEnd type="none" w="med" len="med"/>
+                      <a:tailEnd type="none" w="med" len="med"/>
+                    </a:lnL>
+                    <a:lnR w="12700" cap="flat" cmpd="sng" algn="ctr">
+                      <a:noFill/>
+                      <a:prstDash val="solid"/>
+                      <a:round/>
+                      <a:headEnd type="none" w="med" len="med"/>
+                      <a:tailEnd type="none" w="med" len="med"/>
+                    </a:lnR>
+                    <a:lnT w="12700" cap="flat" cmpd="sng" algn="ctr">
+                      <a:noFill/>
+                      <a:prstDash val="solid"/>
+                      <a:round/>
+                      <a:headEnd type="none" w="med" len="med"/>
+                      <a:tailEnd type="none" w="med" len="med"/>
+                    </a:lnT>
+                    <a:lnB w="12700" cap="flat" cmpd="sng" algn="ctr">
+                      <a:noFill/>
+                      <a:prstDash val="solid"/>
+                      <a:round/>
+                      <a:headEnd type="none" w="med" len="med"/>
+                      <a:tailEnd type="none" w="med" len="med"/>
+                    </a:lnB>
+                    <a:solidFill>
+                      <a:schemeClr val="bg1"/>
+                    </a:solidFill>
+                  </a:tcPr>
+                </a:tc>
+                <a:tc>
+                  <a:txBody>
+                    <a:bodyPr/>
+                    <a:lstStyle/>
+                    <a:p>
+                      <a:pPr algn="ctr" latinLnBrk="1"/>
+                      <a:endParaRPr lang="ko-KR" altLang="en-US" sz="1000" dirty="0"/>
+                    </a:p>
+                  </a:txBody>
+                  <a:tcPr anchor="ctr">
+                    <a:lnL w="12700" cap="flat" cmpd="sng" algn="ctr">
+                      <a:noFill/>
+                      <a:prstDash val="solid"/>
+                      <a:round/>
+                      <a:headEnd type="none" w="med" len="med"/>
+                      <a:tailEnd type="none" w="med" len="med"/>
+                    </a:lnL>
+                    <a:lnR w="12700" cap="flat" cmpd="sng" algn="ctr">
+                      <a:noFill/>
+                      <a:prstDash val="solid"/>
+                      <a:round/>
+                      <a:headEnd type="none" w="med" len="med"/>
+                      <a:tailEnd type="none" w="med" len="med"/>
+                    </a:lnR>
+                    <a:lnT w="12700" cap="flat" cmpd="sng" algn="ctr">
+                      <a:noFill/>
+                      <a:prstDash val="solid"/>
+                      <a:round/>
+                      <a:headEnd type="none" w="med" len="med"/>
+                      <a:tailEnd type="none" w="med" len="med"/>
+                    </a:lnT>
+                    <a:lnB w="12700" cap="flat" cmpd="sng" algn="ctr">
+                      <a:noFill/>
+                      <a:prstDash val="solid"/>
+                      <a:round/>
+                      <a:headEnd type="none" w="med" len="med"/>
+                      <a:tailEnd type="none" w="med" len="med"/>
+                    </a:lnB>
+                    <a:solidFill>
+                      <a:schemeClr val="bg1"/>
+                    </a:solidFill>
+                  </a:tcPr>
+                </a:tc>
+                <a:tc>
+                  <a:txBody>
+                    <a:bodyPr/>
+                    <a:lstStyle/>
+                    <a:p>
+                      <a:pPr algn="ctr" latinLnBrk="1"/>
+                      <a:endParaRPr lang="ko-KR" altLang="en-US" sz="1000" dirty="0"/>
+                    </a:p>
+                  </a:txBody>
+                  <a:tcPr anchor="ctr">
+                    <a:lnL w="12700" cap="flat" cmpd="sng" algn="ctr">
+                      <a:noFill/>
+                      <a:prstDash val="solid"/>
+                      <a:round/>
+                      <a:headEnd type="none" w="med" len="med"/>
+                      <a:tailEnd type="none" w="med" len="med"/>
+                    </a:lnL>
+                    <a:lnR w="12700" cap="flat" cmpd="sng" algn="ctr">
+                      <a:noFill/>
+                      <a:prstDash val="solid"/>
+                      <a:round/>
+                      <a:headEnd type="none" w="med" len="med"/>
+                      <a:tailEnd type="none" w="med" len="med"/>
+                    </a:lnR>
+                    <a:lnT w="12700" cap="flat" cmpd="sng" algn="ctr">
+                      <a:noFill/>
+                      <a:prstDash val="solid"/>
+                      <a:round/>
+                      <a:headEnd type="none" w="med" len="med"/>
+                      <a:tailEnd type="none" w="med" len="med"/>
+                    </a:lnT>
+                    <a:lnB w="12700" cap="flat" cmpd="sng" algn="ctr">
+                      <a:noFill/>
+                      <a:prstDash val="solid"/>
+                      <a:round/>
+                      <a:headEnd type="none" w="med" len="med"/>
+                      <a:tailEnd type="none" w="med" len="med"/>
+                    </a:lnB>
+                    <a:solidFill>
+                      <a:schemeClr val="bg1"/>
+                    </a:solidFill>
+                  </a:tcPr>
+                </a:tc>
                 <a:extLst>
                   <a:ext uri="{0D108BD9-81ED-4DB2-BD59-A6C34878D82A}">
                     <a16:rowId xmlns:a16="http://schemas.microsoft.com/office/drawing/2014/main" val="4244927058"/>
@@ -12717,8 +13737,36 @@
                     <a:bodyPr/>
                     <a:lstStyle/>
                     <a:p>
-                      <a:pPr algn="ctr" latinLnBrk="1"/>
-                      <a:endParaRPr lang="ko-KR" altLang="en-US" sz="1000" dirty="0"/>
+                      <a:pPr marL="0" marR="0" lvl="0" indent="0" algn="ctr" defTabSz="914400" rtl="0" eaLnBrk="1" fontAlgn="auto" latinLnBrk="1" hangingPunct="1">
+                        <a:lnSpc>
+                          <a:spcPct val="100000"/>
+                        </a:lnSpc>
+                        <a:spcBef>
+                          <a:spcPts val="0"/>
+                        </a:spcBef>
+                        <a:spcAft>
+                          <a:spcPts val="0"/>
+                        </a:spcAft>
+                        <a:buClrTx/>
+                        <a:buSzTx/>
+                        <a:buFontTx/>
+                        <a:buNone/>
+                        <a:tabLst/>
+                        <a:defRPr/>
+                      </a:pPr>
+                      <a:r>
+                        <a:rPr lang="en-US" altLang="ko-KR" sz="3000" dirty="0">
+                          <a:solidFill>
+                            <a:srgbClr val="FF9900"/>
+                          </a:solidFill>
+                        </a:rPr>
+                        <a:t>O</a:t>
+                      </a:r>
+                      <a:endParaRPr lang="ko-KR" altLang="en-US" sz="3000" dirty="0">
+                        <a:solidFill>
+                          <a:srgbClr val="FF9900"/>
+                        </a:solidFill>
+                      </a:endParaRPr>
                     </a:p>
                   </a:txBody>
                   <a:tcPr anchor="ctr">
@@ -12798,6 +13846,221 @@
                     </a:solidFill>
                   </a:tcPr>
                 </a:tc>
+                <a:tc>
+                  <a:txBody>
+                    <a:bodyPr/>
+                    <a:lstStyle/>
+                    <a:p>
+                      <a:pPr algn="ctr" latinLnBrk="1"/>
+                      <a:endParaRPr lang="ko-KR" altLang="en-US" sz="1000" dirty="0"/>
+                    </a:p>
+                  </a:txBody>
+                  <a:tcPr anchor="ctr">
+                    <a:lnL w="12700" cap="flat" cmpd="sng" algn="ctr">
+                      <a:noFill/>
+                      <a:prstDash val="solid"/>
+                      <a:round/>
+                      <a:headEnd type="none" w="med" len="med"/>
+                      <a:tailEnd type="none" w="med" len="med"/>
+                    </a:lnL>
+                    <a:lnR w="12700" cap="flat" cmpd="sng" algn="ctr">
+                      <a:noFill/>
+                      <a:prstDash val="solid"/>
+                      <a:round/>
+                      <a:headEnd type="none" w="med" len="med"/>
+                      <a:tailEnd type="none" w="med" len="med"/>
+                    </a:lnR>
+                    <a:lnT w="12700" cap="flat" cmpd="sng" algn="ctr">
+                      <a:noFill/>
+                      <a:prstDash val="solid"/>
+                      <a:round/>
+                      <a:headEnd type="none" w="med" len="med"/>
+                      <a:tailEnd type="none" w="med" len="med"/>
+                    </a:lnT>
+                    <a:lnB w="12700" cap="flat" cmpd="sng" algn="ctr">
+                      <a:noFill/>
+                      <a:prstDash val="solid"/>
+                      <a:round/>
+                      <a:headEnd type="none" w="med" len="med"/>
+                      <a:tailEnd type="none" w="med" len="med"/>
+                    </a:lnB>
+                    <a:solidFill>
+                      <a:schemeClr val="bg1"/>
+                    </a:solidFill>
+                  </a:tcPr>
+                </a:tc>
+                <a:tc>
+                  <a:txBody>
+                    <a:bodyPr/>
+                    <a:lstStyle/>
+                    <a:p>
+                      <a:pPr algn="ctr" latinLnBrk="1"/>
+                      <a:endParaRPr lang="ko-KR" altLang="en-US" sz="1000" dirty="0"/>
+                    </a:p>
+                  </a:txBody>
+                  <a:tcPr anchor="ctr">
+                    <a:lnL w="12700" cap="flat" cmpd="sng" algn="ctr">
+                      <a:noFill/>
+                      <a:prstDash val="solid"/>
+                      <a:round/>
+                      <a:headEnd type="none" w="med" len="med"/>
+                      <a:tailEnd type="none" w="med" len="med"/>
+                    </a:lnL>
+                    <a:lnR w="12700" cap="flat" cmpd="sng" algn="ctr">
+                      <a:noFill/>
+                      <a:prstDash val="solid"/>
+                      <a:round/>
+                      <a:headEnd type="none" w="med" len="med"/>
+                      <a:tailEnd type="none" w="med" len="med"/>
+                    </a:lnR>
+                    <a:lnT w="12700" cap="flat" cmpd="sng" algn="ctr">
+                      <a:noFill/>
+                      <a:prstDash val="solid"/>
+                      <a:round/>
+                      <a:headEnd type="none" w="med" len="med"/>
+                      <a:tailEnd type="none" w="med" len="med"/>
+                    </a:lnT>
+                    <a:lnB w="12700" cap="flat" cmpd="sng" algn="ctr">
+                      <a:noFill/>
+                      <a:prstDash val="solid"/>
+                      <a:round/>
+                      <a:headEnd type="none" w="med" len="med"/>
+                      <a:tailEnd type="none" w="med" len="med"/>
+                    </a:lnB>
+                    <a:solidFill>
+                      <a:schemeClr val="bg1"/>
+                    </a:solidFill>
+                  </a:tcPr>
+                </a:tc>
+                <a:tc>
+                  <a:txBody>
+                    <a:bodyPr/>
+                    <a:lstStyle/>
+                    <a:p>
+                      <a:pPr algn="ctr" latinLnBrk="1"/>
+                      <a:endParaRPr lang="ko-KR" altLang="en-US" sz="1000" dirty="0"/>
+                    </a:p>
+                  </a:txBody>
+                  <a:tcPr anchor="ctr">
+                    <a:lnL w="12700" cap="flat" cmpd="sng" algn="ctr">
+                      <a:noFill/>
+                      <a:prstDash val="solid"/>
+                      <a:round/>
+                      <a:headEnd type="none" w="med" len="med"/>
+                      <a:tailEnd type="none" w="med" len="med"/>
+                    </a:lnL>
+                    <a:lnR w="12700" cap="flat" cmpd="sng" algn="ctr">
+                      <a:noFill/>
+                      <a:prstDash val="solid"/>
+                      <a:round/>
+                      <a:headEnd type="none" w="med" len="med"/>
+                      <a:tailEnd type="none" w="med" len="med"/>
+                    </a:lnR>
+                    <a:lnT w="12700" cap="flat" cmpd="sng" algn="ctr">
+                      <a:noFill/>
+                      <a:prstDash val="solid"/>
+                      <a:round/>
+                      <a:headEnd type="none" w="med" len="med"/>
+                      <a:tailEnd type="none" w="med" len="med"/>
+                    </a:lnT>
+                    <a:lnB w="12700" cap="flat" cmpd="sng" algn="ctr">
+                      <a:noFill/>
+                      <a:prstDash val="solid"/>
+                      <a:round/>
+                      <a:headEnd type="none" w="med" len="med"/>
+                      <a:tailEnd type="none" w="med" len="med"/>
+                    </a:lnB>
+                    <a:solidFill>
+                      <a:schemeClr val="bg1"/>
+                    </a:solidFill>
+                  </a:tcPr>
+                </a:tc>
+                <a:tc>
+                  <a:txBody>
+                    <a:bodyPr/>
+                    <a:lstStyle/>
+                    <a:p>
+                      <a:pPr algn="ctr" latinLnBrk="1"/>
+                      <a:endParaRPr lang="ko-KR" altLang="en-US" sz="1000" dirty="0"/>
+                    </a:p>
+                  </a:txBody>
+                  <a:tcPr anchor="ctr">
+                    <a:lnL w="12700" cap="flat" cmpd="sng" algn="ctr">
+                      <a:noFill/>
+                      <a:prstDash val="solid"/>
+                      <a:round/>
+                      <a:headEnd type="none" w="med" len="med"/>
+                      <a:tailEnd type="none" w="med" len="med"/>
+                    </a:lnL>
+                    <a:lnR w="12700" cap="flat" cmpd="sng" algn="ctr">
+                      <a:noFill/>
+                      <a:prstDash val="solid"/>
+                      <a:round/>
+                      <a:headEnd type="none" w="med" len="med"/>
+                      <a:tailEnd type="none" w="med" len="med"/>
+                    </a:lnR>
+                    <a:lnT w="12700" cap="flat" cmpd="sng" algn="ctr">
+                      <a:noFill/>
+                      <a:prstDash val="solid"/>
+                      <a:round/>
+                      <a:headEnd type="none" w="med" len="med"/>
+                      <a:tailEnd type="none" w="med" len="med"/>
+                    </a:lnT>
+                    <a:lnB w="12700" cap="flat" cmpd="sng" algn="ctr">
+                      <a:noFill/>
+                      <a:prstDash val="solid"/>
+                      <a:round/>
+                      <a:headEnd type="none" w="med" len="med"/>
+                      <a:tailEnd type="none" w="med" len="med"/>
+                    </a:lnB>
+                    <a:solidFill>
+                      <a:schemeClr val="bg1"/>
+                    </a:solidFill>
+                  </a:tcPr>
+                </a:tc>
+                <a:tc>
+                  <a:txBody>
+                    <a:bodyPr/>
+                    <a:lstStyle/>
+                    <a:p>
+                      <a:pPr algn="ctr" latinLnBrk="1"/>
+                      <a:endParaRPr lang="ko-KR" altLang="en-US" sz="1000" dirty="0"/>
+                    </a:p>
+                  </a:txBody>
+                  <a:tcPr anchor="ctr">
+                    <a:lnL w="12700" cap="flat" cmpd="sng" algn="ctr">
+                      <a:noFill/>
+                      <a:prstDash val="solid"/>
+                      <a:round/>
+                      <a:headEnd type="none" w="med" len="med"/>
+                      <a:tailEnd type="none" w="med" len="med"/>
+                    </a:lnL>
+                    <a:lnR w="12700" cap="flat" cmpd="sng" algn="ctr">
+                      <a:noFill/>
+                      <a:prstDash val="solid"/>
+                      <a:round/>
+                      <a:headEnd type="none" w="med" len="med"/>
+                      <a:tailEnd type="none" w="med" len="med"/>
+                    </a:lnR>
+                    <a:lnT w="12700" cap="flat" cmpd="sng" algn="ctr">
+                      <a:noFill/>
+                      <a:prstDash val="solid"/>
+                      <a:round/>
+                      <a:headEnd type="none" w="med" len="med"/>
+                      <a:tailEnd type="none" w="med" len="med"/>
+                    </a:lnT>
+                    <a:lnB w="12700" cap="flat" cmpd="sng" algn="ctr">
+                      <a:noFill/>
+                      <a:prstDash val="solid"/>
+                      <a:round/>
+                      <a:headEnd type="none" w="med" len="med"/>
+                      <a:tailEnd type="none" w="med" len="med"/>
+                    </a:lnB>
+                    <a:solidFill>
+                      <a:schemeClr val="bg1"/>
+                    </a:solidFill>
+                  </a:tcPr>
+                </a:tc>
                 <a:extLst>
                   <a:ext uri="{0D108BD9-81ED-4DB2-BD59-A6C34878D82A}">
                     <a16:rowId xmlns:a16="http://schemas.microsoft.com/office/drawing/2014/main" val="3630994722"/>
@@ -12808,10 +14071,323 @@
           </a:graphicData>
         </a:graphic>
       </p:graphicFrame>
+      <p:sp>
+        <p:nvSpPr>
+          <p:cNvPr id="3" name="삼각형 2">
+            <a:extLst>
+              <a:ext uri="{FF2B5EF4-FFF2-40B4-BE49-F238E27FC236}">
+                <a16:creationId xmlns:a16="http://schemas.microsoft.com/office/drawing/2014/main" id="{1E8F9F1A-6F4D-EBFB-98A4-DDD13373B359}"/>
+              </a:ext>
+            </a:extLst>
+          </p:cNvPr>
+          <p:cNvSpPr/>
+          <p:nvPr/>
+        </p:nvSpPr>
+        <p:spPr>
+          <a:xfrm>
+            <a:off x="4211960" y="3609012"/>
+            <a:ext cx="288032" cy="252036"/>
+          </a:xfrm>
+          <a:prstGeom prst="triangle">
+            <a:avLst/>
+          </a:prstGeom>
+        </p:spPr>
+        <p:style>
+          <a:lnRef idx="2">
+            <a:schemeClr val="accent6"/>
+          </a:lnRef>
+          <a:fillRef idx="1">
+            <a:schemeClr val="lt1"/>
+          </a:fillRef>
+          <a:effectRef idx="0">
+            <a:schemeClr val="accent6"/>
+          </a:effectRef>
+          <a:fontRef idx="minor">
+            <a:schemeClr val="dk1"/>
+          </a:fontRef>
+        </p:style>
+        <p:txBody>
+          <a:bodyPr rtlCol="0" anchor="ctr"/>
+          <a:lstStyle/>
+          <a:p>
+            <a:pPr algn="ctr"/>
+            <a:endParaRPr kumimoji="1" lang="ko-KR" altLang="en-US"/>
+          </a:p>
+        </p:txBody>
+      </p:sp>
+      <p:sp>
+        <p:nvSpPr>
+          <p:cNvPr id="7" name="삼각형 6">
+            <a:extLst>
+              <a:ext uri="{FF2B5EF4-FFF2-40B4-BE49-F238E27FC236}">
+                <a16:creationId xmlns:a16="http://schemas.microsoft.com/office/drawing/2014/main" id="{09665ED0-4013-7AD9-3C2A-4BDDE9B84CBB}"/>
+              </a:ext>
+            </a:extLst>
+          </p:cNvPr>
+          <p:cNvSpPr/>
+          <p:nvPr/>
+        </p:nvSpPr>
+        <p:spPr>
+          <a:xfrm>
+            <a:off x="4221387" y="4293093"/>
+            <a:ext cx="288032" cy="252036"/>
+          </a:xfrm>
+          <a:prstGeom prst="triangle">
+            <a:avLst/>
+          </a:prstGeom>
+        </p:spPr>
+        <p:style>
+          <a:lnRef idx="2">
+            <a:schemeClr val="accent6"/>
+          </a:lnRef>
+          <a:fillRef idx="1">
+            <a:schemeClr val="lt1"/>
+          </a:fillRef>
+          <a:effectRef idx="0">
+            <a:schemeClr val="accent6"/>
+          </a:effectRef>
+          <a:fontRef idx="minor">
+            <a:schemeClr val="dk1"/>
+          </a:fontRef>
+        </p:style>
+        <p:txBody>
+          <a:bodyPr rtlCol="0" anchor="ctr"/>
+          <a:lstStyle/>
+          <a:p>
+            <a:pPr algn="ctr"/>
+            <a:endParaRPr kumimoji="1" lang="ko-KR" altLang="en-US"/>
+          </a:p>
+        </p:txBody>
+      </p:sp>
+      <p:sp>
+        <p:nvSpPr>
+          <p:cNvPr id="8" name="삼각형 7">
+            <a:extLst>
+              <a:ext uri="{FF2B5EF4-FFF2-40B4-BE49-F238E27FC236}">
+                <a16:creationId xmlns:a16="http://schemas.microsoft.com/office/drawing/2014/main" id="{97E05C94-329A-F020-5469-8579EB44316B}"/>
+              </a:ext>
+            </a:extLst>
+          </p:cNvPr>
+          <p:cNvSpPr/>
+          <p:nvPr/>
+        </p:nvSpPr>
+        <p:spPr>
+          <a:xfrm>
+            <a:off x="4788024" y="4941168"/>
+            <a:ext cx="288032" cy="252036"/>
+          </a:xfrm>
+          <a:prstGeom prst="triangle">
+            <a:avLst/>
+          </a:prstGeom>
+        </p:spPr>
+        <p:style>
+          <a:lnRef idx="2">
+            <a:schemeClr val="accent6"/>
+          </a:lnRef>
+          <a:fillRef idx="1">
+            <a:schemeClr val="lt1"/>
+          </a:fillRef>
+          <a:effectRef idx="0">
+            <a:schemeClr val="accent6"/>
+          </a:effectRef>
+          <a:fontRef idx="minor">
+            <a:schemeClr val="dk1"/>
+          </a:fontRef>
+        </p:style>
+        <p:txBody>
+          <a:bodyPr rtlCol="0" anchor="ctr"/>
+          <a:lstStyle/>
+          <a:p>
+            <a:pPr algn="ctr"/>
+            <a:endParaRPr kumimoji="1" lang="ko-KR" altLang="en-US"/>
+          </a:p>
+        </p:txBody>
+      </p:sp>
     </p:spTree>
     <p:extLst>
       <p:ext uri="{BB962C8B-B14F-4D97-AF65-F5344CB8AC3E}">
         <p14:creationId xmlns:p14="http://schemas.microsoft.com/office/powerpoint/2010/main" val="2071271880"/>
+      </p:ext>
+    </p:extLst>
+  </p:cSld>
+  <p:clrMapOvr>
+    <a:masterClrMapping/>
+  </p:clrMapOvr>
+</p:sld>
+</file>
+
+<file path=ppt/slides/slide9.xml><?xml version="1.0" encoding="utf-8"?>
+<p:sld xmlns:a="http://schemas.openxmlformats.org/drawingml/2006/main" xmlns:r="http://schemas.openxmlformats.org/officeDocument/2006/relationships" xmlns:p="http://schemas.openxmlformats.org/presentationml/2006/main">
+  <p:cSld>
+    <p:spTree>
+      <p:nvGrpSpPr>
+        <p:cNvPr id="1" name=""/>
+        <p:cNvGrpSpPr/>
+        <p:nvPr/>
+      </p:nvGrpSpPr>
+      <p:grpSpPr>
+        <a:xfrm>
+          <a:off x="0" y="0"/>
+          <a:ext cx="0" cy="0"/>
+          <a:chOff x="0" y="0"/>
+          <a:chExt cx="0" cy="0"/>
+        </a:xfrm>
+      </p:grpSpPr>
+      <p:cxnSp>
+        <p:nvCxnSpPr>
+          <p:cNvPr id="2" name="직선 연결선 1"/>
+          <p:cNvCxnSpPr/>
+          <p:nvPr/>
+        </p:nvCxnSpPr>
+        <p:spPr>
+          <a:xfrm>
+            <a:off x="179512" y="908720"/>
+            <a:ext cx="8784976" cy="0"/>
+          </a:xfrm>
+          <a:prstGeom prst="line">
+            <a:avLst/>
+          </a:prstGeom>
+          <a:ln w="19050">
+            <a:solidFill>
+              <a:schemeClr val="accent6">
+                <a:lumMod val="75000"/>
+              </a:schemeClr>
+            </a:solidFill>
+          </a:ln>
+        </p:spPr>
+        <p:style>
+          <a:lnRef idx="1">
+            <a:schemeClr val="accent1"/>
+          </a:lnRef>
+          <a:fillRef idx="0">
+            <a:schemeClr val="accent1"/>
+          </a:fillRef>
+          <a:effectRef idx="0">
+            <a:schemeClr val="accent1"/>
+          </a:effectRef>
+          <a:fontRef idx="minor">
+            <a:schemeClr val="tx1"/>
+          </a:fontRef>
+        </p:style>
+      </p:cxnSp>
+      <p:sp>
+        <p:nvSpPr>
+          <p:cNvPr id="8" name="TextBox 7"/>
+          <p:cNvSpPr txBox="1"/>
+          <p:nvPr/>
+        </p:nvSpPr>
+        <p:spPr>
+          <a:xfrm>
+            <a:off x="585402" y="188640"/>
+            <a:ext cx="4245073" cy="584775"/>
+          </a:xfrm>
+          <a:prstGeom prst="rect">
+            <a:avLst/>
+          </a:prstGeom>
+          <a:noFill/>
+        </p:spPr>
+        <p:txBody>
+          <a:bodyPr wrap="none" rtlCol="0">
+            <a:spAutoFit/>
+          </a:bodyPr>
+          <a:lstStyle/>
+          <a:p>
+            <a:r>
+              <a:rPr lang="en-US" altLang="ko-KR" sz="3200" b="1" dirty="0">
+                <a:solidFill>
+                  <a:schemeClr val="tx2">
+                    <a:lumMod val="50000"/>
+                  </a:schemeClr>
+                </a:solidFill>
+              </a:rPr>
+              <a:t>6. </a:t>
+            </a:r>
+            <a:r>
+              <a:rPr lang="ko-KR" altLang="en-US" sz="3200" b="1" dirty="0">
+                <a:solidFill>
+                  <a:schemeClr val="tx2">
+                    <a:lumMod val="50000"/>
+                  </a:schemeClr>
+                </a:solidFill>
+              </a:rPr>
+              <a:t>프로젝트 수행 소감</a:t>
+            </a:r>
+            <a:endParaRPr lang="ko-KR" altLang="en-US" sz="2400" b="1" dirty="0">
+              <a:solidFill>
+                <a:schemeClr val="tx2">
+                  <a:lumMod val="75000"/>
+                </a:schemeClr>
+              </a:solidFill>
+            </a:endParaRPr>
+          </a:p>
+        </p:txBody>
+      </p:sp>
+      <p:sp>
+        <p:nvSpPr>
+          <p:cNvPr id="136" name="TextBox 135"/>
+          <p:cNvSpPr txBox="1"/>
+          <p:nvPr/>
+        </p:nvSpPr>
+        <p:spPr>
+          <a:xfrm>
+            <a:off x="323528" y="1196752"/>
+            <a:ext cx="3661580" cy="369332"/>
+          </a:xfrm>
+          <a:prstGeom prst="rect">
+            <a:avLst/>
+          </a:prstGeom>
+          <a:noFill/>
+        </p:spPr>
+        <p:txBody>
+          <a:bodyPr wrap="none" rtlCol="0">
+            <a:spAutoFit/>
+          </a:bodyPr>
+          <a:lstStyle/>
+          <a:p>
+            <a:r>
+              <a:rPr lang="ko-KR" altLang="en-US" b="1" dirty="0">
+                <a:solidFill>
+                  <a:schemeClr val="tx2">
+                    <a:lumMod val="50000"/>
+                  </a:schemeClr>
+                </a:solidFill>
+              </a:rPr>
+              <a:t>프로젝트 수행하면서 </a:t>
+            </a:r>
+            <a:r>
+              <a:rPr lang="ko-KR" altLang="en-US" b="1" dirty="0" err="1">
+                <a:solidFill>
+                  <a:schemeClr val="tx2">
+                    <a:lumMod val="50000"/>
+                  </a:schemeClr>
+                </a:solidFill>
+              </a:rPr>
+              <a:t>느낀점</a:t>
+            </a:r>
+            <a:r>
+              <a:rPr lang="ko-KR" altLang="en-US" b="1" dirty="0">
+                <a:solidFill>
+                  <a:schemeClr val="tx2">
+                    <a:lumMod val="50000"/>
+                  </a:schemeClr>
+                </a:solidFill>
+              </a:rPr>
+              <a:t> 기술</a:t>
+            </a:r>
+            <a:endParaRPr lang="en-US" altLang="ko-KR" b="1" dirty="0">
+              <a:solidFill>
+                <a:schemeClr val="tx2">
+                  <a:lumMod val="50000"/>
+                </a:schemeClr>
+              </a:solidFill>
+            </a:endParaRPr>
+          </a:p>
+        </p:txBody>
+      </p:sp>
+    </p:spTree>
+    <p:extLst>
+      <p:ext uri="{BB962C8B-B14F-4D97-AF65-F5344CB8AC3E}">
+        <p14:creationId xmlns:p14="http://schemas.microsoft.com/office/powerpoint/2010/main" val="4249227099"/>
       </p:ext>
     </p:extLst>
   </p:cSld>
